--- a/PRESENTACION FASTCLICK.pptx
+++ b/PRESENTACION FASTCLICK.pptx
@@ -2,25 +2,34 @@
 <file path=ppt/presentation.xml><?xml version="1.0" encoding="utf-8"?>
 <p:presentation xmlns:a="http://schemas.openxmlformats.org/drawingml/2006/main" xmlns:r="http://schemas.openxmlformats.org/officeDocument/2006/relationships" xmlns:p="http://schemas.openxmlformats.org/presentationml/2006/main" saveSubsetFonts="1">
   <p:sldMasterIdLst>
-    <p:sldMasterId id="2147483755" r:id="rId1"/>
+    <p:sldMasterId id="2147483845" r:id="rId1"/>
   </p:sldMasterIdLst>
   <p:sldIdLst>
     <p:sldId id="256" r:id="rId2"/>
-    <p:sldId id="257" r:id="rId3"/>
-    <p:sldId id="264" r:id="rId4"/>
-    <p:sldId id="263" r:id="rId5"/>
-    <p:sldId id="258" r:id="rId6"/>
-    <p:sldId id="259" r:id="rId7"/>
-    <p:sldId id="260" r:id="rId8"/>
-    <p:sldId id="261" r:id="rId9"/>
+    <p:sldId id="265" r:id="rId3"/>
+    <p:sldId id="266" r:id="rId4"/>
+    <p:sldId id="268" r:id="rId5"/>
+    <p:sldId id="267" r:id="rId6"/>
+    <p:sldId id="269" r:id="rId7"/>
+    <p:sldId id="264" r:id="rId8"/>
+    <p:sldId id="257" r:id="rId9"/>
+    <p:sldId id="270" r:id="rId10"/>
+    <p:sldId id="263" r:id="rId11"/>
+    <p:sldId id="258" r:id="rId12"/>
+    <p:sldId id="259" r:id="rId13"/>
+    <p:sldId id="260" r:id="rId14"/>
+    <p:sldId id="271" r:id="rId15"/>
+    <p:sldId id="272" r:id="rId16"/>
+    <p:sldId id="273" r:id="rId17"/>
+    <p:sldId id="261" r:id="rId18"/>
   </p:sldIdLst>
   <p:sldSz cx="12192000" cy="6858000"/>
   <p:notesSz cx="6858000" cy="9144000"/>
   <p:defaultTextStyle>
     <a:defPPr>
-      <a:defRPr lang="es-ES"/>
+      <a:defRPr lang="en-US"/>
     </a:defPPr>
-    <a:lvl1pPr marL="0" algn="l" defTabSz="914400" rtl="0" eaLnBrk="1" latinLnBrk="0" hangingPunct="1">
+    <a:lvl1pPr marL="0" algn="l" defTabSz="457200" rtl="0" eaLnBrk="1" latinLnBrk="0" hangingPunct="1">
       <a:defRPr sz="1800" kern="1200">
         <a:solidFill>
           <a:schemeClr val="tx1"/>
@@ -30,7 +39,7 @@
         <a:cs typeface="+mn-cs"/>
       </a:defRPr>
     </a:lvl1pPr>
-    <a:lvl2pPr marL="457200" algn="l" defTabSz="914400" rtl="0" eaLnBrk="1" latinLnBrk="0" hangingPunct="1">
+    <a:lvl2pPr marL="457200" algn="l" defTabSz="457200" rtl="0" eaLnBrk="1" latinLnBrk="0" hangingPunct="1">
       <a:defRPr sz="1800" kern="1200">
         <a:solidFill>
           <a:schemeClr val="tx1"/>
@@ -40,7 +49,7 @@
         <a:cs typeface="+mn-cs"/>
       </a:defRPr>
     </a:lvl2pPr>
-    <a:lvl3pPr marL="914400" algn="l" defTabSz="914400" rtl="0" eaLnBrk="1" latinLnBrk="0" hangingPunct="1">
+    <a:lvl3pPr marL="914400" algn="l" defTabSz="457200" rtl="0" eaLnBrk="1" latinLnBrk="0" hangingPunct="1">
       <a:defRPr sz="1800" kern="1200">
         <a:solidFill>
           <a:schemeClr val="tx1"/>
@@ -50,7 +59,7 @@
         <a:cs typeface="+mn-cs"/>
       </a:defRPr>
     </a:lvl3pPr>
-    <a:lvl4pPr marL="1371600" algn="l" defTabSz="914400" rtl="0" eaLnBrk="1" latinLnBrk="0" hangingPunct="1">
+    <a:lvl4pPr marL="1371600" algn="l" defTabSz="457200" rtl="0" eaLnBrk="1" latinLnBrk="0" hangingPunct="1">
       <a:defRPr sz="1800" kern="1200">
         <a:solidFill>
           <a:schemeClr val="tx1"/>
@@ -60,7 +69,7 @@
         <a:cs typeface="+mn-cs"/>
       </a:defRPr>
     </a:lvl4pPr>
-    <a:lvl5pPr marL="1828800" algn="l" defTabSz="914400" rtl="0" eaLnBrk="1" latinLnBrk="0" hangingPunct="1">
+    <a:lvl5pPr marL="1828800" algn="l" defTabSz="457200" rtl="0" eaLnBrk="1" latinLnBrk="0" hangingPunct="1">
       <a:defRPr sz="1800" kern="1200">
         <a:solidFill>
           <a:schemeClr val="tx1"/>
@@ -70,7 +79,7 @@
         <a:cs typeface="+mn-cs"/>
       </a:defRPr>
     </a:lvl5pPr>
-    <a:lvl6pPr marL="2286000" algn="l" defTabSz="914400" rtl="0" eaLnBrk="1" latinLnBrk="0" hangingPunct="1">
+    <a:lvl6pPr marL="2286000" algn="l" defTabSz="457200" rtl="0" eaLnBrk="1" latinLnBrk="0" hangingPunct="1">
       <a:defRPr sz="1800" kern="1200">
         <a:solidFill>
           <a:schemeClr val="tx1"/>
@@ -80,7 +89,7 @@
         <a:cs typeface="+mn-cs"/>
       </a:defRPr>
     </a:lvl6pPr>
-    <a:lvl7pPr marL="2743200" algn="l" defTabSz="914400" rtl="0" eaLnBrk="1" latinLnBrk="0" hangingPunct="1">
+    <a:lvl7pPr marL="2743200" algn="l" defTabSz="457200" rtl="0" eaLnBrk="1" latinLnBrk="0" hangingPunct="1">
       <a:defRPr sz="1800" kern="1200">
         <a:solidFill>
           <a:schemeClr val="tx1"/>
@@ -90,7 +99,7 @@
         <a:cs typeface="+mn-cs"/>
       </a:defRPr>
     </a:lvl7pPr>
-    <a:lvl8pPr marL="3200400" algn="l" defTabSz="914400" rtl="0" eaLnBrk="1" latinLnBrk="0" hangingPunct="1">
+    <a:lvl8pPr marL="3200400" algn="l" defTabSz="457200" rtl="0" eaLnBrk="1" latinLnBrk="0" hangingPunct="1">
       <a:defRPr sz="1800" kern="1200">
         <a:solidFill>
           <a:schemeClr val="tx1"/>
@@ -100,7 +109,7 @@
         <a:cs typeface="+mn-cs"/>
       </a:defRPr>
     </a:lvl8pPr>
-    <a:lvl9pPr marL="3657600" algn="l" defTabSz="914400" rtl="0" eaLnBrk="1" latinLnBrk="0" hangingPunct="1">
+    <a:lvl9pPr marL="3657600" algn="l" defTabSz="457200" rtl="0" eaLnBrk="1" latinLnBrk="0" hangingPunct="1">
       <a:defRPr sz="1800" kern="1200">
         <a:solidFill>
           <a:schemeClr val="tx1"/>
@@ -111,11 +120,16 @@
       </a:defRPr>
     </a:lvl9pPr>
   </p:defaultTextStyle>
+  <p:extLst>
+    <p:ext uri="{EFAFB233-063F-42B5-8137-9DF3F51BA10A}">
+      <p15:sldGuideLst xmlns:p15="http://schemas.microsoft.com/office/powerpoint/2012/main"/>
+    </p:ext>
+  </p:extLst>
 </p:presentation>
 </file>
 
 <file path=ppt/slideLayouts/slideLayout1.xml><?xml version="1.0" encoding="utf-8"?>
-<p:sldLayout xmlns:a="http://schemas.openxmlformats.org/drawingml/2006/main" xmlns:r="http://schemas.openxmlformats.org/officeDocument/2006/relationships" xmlns:p="http://schemas.openxmlformats.org/presentationml/2006/main" type="title" preserve="1">
+<p:sldLayout xmlns:a="http://schemas.openxmlformats.org/drawingml/2006/main" xmlns:r="http://schemas.openxmlformats.org/officeDocument/2006/relationships" xmlns:p="http://schemas.openxmlformats.org/presentationml/2006/main" showMasterSp="0" type="title" preserve="1">
   <p:cSld name="Diapositiva de título">
     <p:spTree>
       <p:nvGrpSpPr>
@@ -131,6 +145,319 @@
           <a:chExt cx="0" cy="0"/>
         </a:xfrm>
       </p:grpSpPr>
+      <p:grpSp>
+        <p:nvGrpSpPr>
+          <p:cNvPr id="19" name="Group 18"/>
+          <p:cNvGrpSpPr/>
+          <p:nvPr/>
+        </p:nvGrpSpPr>
+        <p:grpSpPr>
+          <a:xfrm>
+            <a:off x="546100" y="-4763"/>
+            <a:ext cx="5014912" cy="6862763"/>
+            <a:chOff x="2928938" y="-4763"/>
+            <a:chExt cx="5014912" cy="6862763"/>
+          </a:xfrm>
+        </p:grpSpPr>
+        <p:sp>
+          <p:nvSpPr>
+            <p:cNvPr id="22" name="Freeform 6"/>
+            <p:cNvSpPr/>
+            <p:nvPr/>
+          </p:nvSpPr>
+          <p:spPr bwMode="auto">
+            <a:xfrm>
+              <a:off x="3367088" y="-4763"/>
+              <a:ext cx="1063625" cy="2782888"/>
+            </a:xfrm>
+            <a:custGeom>
+              <a:avLst/>
+              <a:gdLst/>
+              <a:ahLst/>
+              <a:cxnLst/>
+              <a:rect l="0" t="0" r="r" b="b"/>
+              <a:pathLst>
+                <a:path w="670" h="1753">
+                  <a:moveTo>
+                    <a:pt x="0" y="1696"/>
+                  </a:moveTo>
+                  <a:lnTo>
+                    <a:pt x="225" y="1753"/>
+                  </a:lnTo>
+                  <a:lnTo>
+                    <a:pt x="670" y="0"/>
+                  </a:lnTo>
+                  <a:lnTo>
+                    <a:pt x="430" y="0"/>
+                  </a:lnTo>
+                  <a:lnTo>
+                    <a:pt x="0" y="1696"/>
+                  </a:lnTo>
+                  <a:close/>
+                </a:path>
+              </a:pathLst>
+            </a:custGeom>
+            <a:solidFill>
+              <a:schemeClr val="accent1"/>
+            </a:solidFill>
+            <a:ln>
+              <a:noFill/>
+            </a:ln>
+          </p:spPr>
+        </p:sp>
+        <p:sp>
+          <p:nvSpPr>
+            <p:cNvPr id="23" name="Freeform 7"/>
+            <p:cNvSpPr/>
+            <p:nvPr/>
+          </p:nvSpPr>
+          <p:spPr bwMode="auto">
+            <a:xfrm>
+              <a:off x="2928938" y="-4763"/>
+              <a:ext cx="1035050" cy="2673350"/>
+            </a:xfrm>
+            <a:custGeom>
+              <a:avLst/>
+              <a:gdLst/>
+              <a:ahLst/>
+              <a:cxnLst/>
+              <a:rect l="0" t="0" r="r" b="b"/>
+              <a:pathLst>
+                <a:path w="652" h="1684">
+                  <a:moveTo>
+                    <a:pt x="225" y="1684"/>
+                  </a:moveTo>
+                  <a:lnTo>
+                    <a:pt x="652" y="0"/>
+                  </a:lnTo>
+                  <a:lnTo>
+                    <a:pt x="411" y="0"/>
+                  </a:lnTo>
+                  <a:lnTo>
+                    <a:pt x="0" y="1627"/>
+                  </a:lnTo>
+                  <a:lnTo>
+                    <a:pt x="219" y="1681"/>
+                  </a:lnTo>
+                  <a:lnTo>
+                    <a:pt x="225" y="1684"/>
+                  </a:lnTo>
+                  <a:close/>
+                </a:path>
+              </a:pathLst>
+            </a:custGeom>
+            <a:solidFill>
+              <a:schemeClr val="tx1">
+                <a:lumMod val="65000"/>
+                <a:lumOff val="35000"/>
+              </a:schemeClr>
+            </a:solidFill>
+            <a:ln>
+              <a:noFill/>
+            </a:ln>
+          </p:spPr>
+        </p:sp>
+        <p:sp>
+          <p:nvSpPr>
+            <p:cNvPr id="24" name="Freeform 9"/>
+            <p:cNvSpPr/>
+            <p:nvPr/>
+          </p:nvSpPr>
+          <p:spPr bwMode="auto">
+            <a:xfrm>
+              <a:off x="2928938" y="2582862"/>
+              <a:ext cx="2693987" cy="4275138"/>
+            </a:xfrm>
+            <a:custGeom>
+              <a:avLst/>
+              <a:gdLst/>
+              <a:ahLst/>
+              <a:cxnLst/>
+              <a:rect l="0" t="0" r="r" b="b"/>
+              <a:pathLst>
+                <a:path w="1697" h="2693">
+                  <a:moveTo>
+                    <a:pt x="0" y="0"/>
+                  </a:moveTo>
+                  <a:lnTo>
+                    <a:pt x="1622" y="2693"/>
+                  </a:lnTo>
+                  <a:lnTo>
+                    <a:pt x="1697" y="2693"/>
+                  </a:lnTo>
+                  <a:lnTo>
+                    <a:pt x="0" y="0"/>
+                  </a:lnTo>
+                  <a:close/>
+                </a:path>
+              </a:pathLst>
+            </a:custGeom>
+            <a:solidFill>
+              <a:schemeClr val="tx1">
+                <a:lumMod val="85000"/>
+                <a:lumOff val="15000"/>
+              </a:schemeClr>
+            </a:solidFill>
+            <a:ln>
+              <a:noFill/>
+            </a:ln>
+          </p:spPr>
+        </p:sp>
+        <p:sp>
+          <p:nvSpPr>
+            <p:cNvPr id="25" name="Freeform 10"/>
+            <p:cNvSpPr/>
+            <p:nvPr/>
+          </p:nvSpPr>
+          <p:spPr bwMode="auto">
+            <a:xfrm>
+              <a:off x="3371850" y="2692400"/>
+              <a:ext cx="3332162" cy="4165600"/>
+            </a:xfrm>
+            <a:custGeom>
+              <a:avLst/>
+              <a:gdLst/>
+              <a:ahLst/>
+              <a:cxnLst/>
+              <a:rect l="0" t="0" r="r" b="b"/>
+              <a:pathLst>
+                <a:path w="2099" h="2624">
+                  <a:moveTo>
+                    <a:pt x="2099" y="2624"/>
+                  </a:moveTo>
+                  <a:lnTo>
+                    <a:pt x="0" y="0"/>
+                  </a:lnTo>
+                  <a:lnTo>
+                    <a:pt x="2021" y="2624"/>
+                  </a:lnTo>
+                  <a:lnTo>
+                    <a:pt x="2099" y="2624"/>
+                  </a:lnTo>
+                  <a:close/>
+                </a:path>
+              </a:pathLst>
+            </a:custGeom>
+            <a:solidFill>
+              <a:schemeClr val="accent1">
+                <a:lumMod val="50000"/>
+              </a:schemeClr>
+            </a:solidFill>
+            <a:ln>
+              <a:noFill/>
+            </a:ln>
+          </p:spPr>
+        </p:sp>
+        <p:sp>
+          <p:nvSpPr>
+            <p:cNvPr id="26" name="Freeform 11"/>
+            <p:cNvSpPr/>
+            <p:nvPr/>
+          </p:nvSpPr>
+          <p:spPr bwMode="auto">
+            <a:xfrm>
+              <a:off x="3367088" y="2687637"/>
+              <a:ext cx="4576762" cy="4170363"/>
+            </a:xfrm>
+            <a:custGeom>
+              <a:avLst/>
+              <a:gdLst/>
+              <a:ahLst/>
+              <a:cxnLst/>
+              <a:rect l="0" t="0" r="r" b="b"/>
+              <a:pathLst>
+                <a:path w="2883" h="2627">
+                  <a:moveTo>
+                    <a:pt x="0" y="0"/>
+                  </a:moveTo>
+                  <a:lnTo>
+                    <a:pt x="3" y="3"/>
+                  </a:lnTo>
+                  <a:lnTo>
+                    <a:pt x="2102" y="2627"/>
+                  </a:lnTo>
+                  <a:lnTo>
+                    <a:pt x="2883" y="2627"/>
+                  </a:lnTo>
+                  <a:lnTo>
+                    <a:pt x="225" y="57"/>
+                  </a:lnTo>
+                  <a:lnTo>
+                    <a:pt x="0" y="0"/>
+                  </a:lnTo>
+                  <a:close/>
+                </a:path>
+              </a:pathLst>
+            </a:custGeom>
+            <a:solidFill>
+              <a:schemeClr val="accent1">
+                <a:lumMod val="75000"/>
+              </a:schemeClr>
+            </a:solidFill>
+            <a:ln>
+              <a:noFill/>
+            </a:ln>
+          </p:spPr>
+        </p:sp>
+        <p:sp>
+          <p:nvSpPr>
+            <p:cNvPr id="27" name="Freeform 12"/>
+            <p:cNvSpPr/>
+            <p:nvPr/>
+          </p:nvSpPr>
+          <p:spPr bwMode="auto">
+            <a:xfrm>
+              <a:off x="2928938" y="2578100"/>
+              <a:ext cx="3584575" cy="4279900"/>
+            </a:xfrm>
+            <a:custGeom>
+              <a:avLst/>
+              <a:gdLst/>
+              <a:ahLst/>
+              <a:cxnLst/>
+              <a:rect l="0" t="0" r="r" b="b"/>
+              <a:pathLst>
+                <a:path w="2258" h="2696">
+                  <a:moveTo>
+                    <a:pt x="2258" y="2696"/>
+                  </a:moveTo>
+                  <a:lnTo>
+                    <a:pt x="264" y="111"/>
+                  </a:lnTo>
+                  <a:lnTo>
+                    <a:pt x="228" y="60"/>
+                  </a:lnTo>
+                  <a:lnTo>
+                    <a:pt x="225" y="57"/>
+                  </a:lnTo>
+                  <a:lnTo>
+                    <a:pt x="0" y="0"/>
+                  </a:lnTo>
+                  <a:lnTo>
+                    <a:pt x="0" y="3"/>
+                  </a:lnTo>
+                  <a:lnTo>
+                    <a:pt x="1697" y="2696"/>
+                  </a:lnTo>
+                  <a:lnTo>
+                    <a:pt x="2258" y="2696"/>
+                  </a:lnTo>
+                  <a:close/>
+                </a:path>
+              </a:pathLst>
+            </a:custGeom>
+            <a:solidFill>
+              <a:schemeClr val="tx1">
+                <a:lumMod val="75000"/>
+                <a:lumOff val="25000"/>
+              </a:schemeClr>
+            </a:solidFill>
+            <a:ln>
+              <a:noFill/>
+            </a:ln>
+          </p:spPr>
+        </p:sp>
+      </p:grpSp>
       <p:sp>
         <p:nvSpPr>
           <p:cNvPr id="2" name="Title 1"/>
@@ -143,8 +470,8 @@
         </p:nvSpPr>
         <p:spPr>
           <a:xfrm>
-            <a:off x="1751012" y="609601"/>
-            <a:ext cx="8676222" cy="3200400"/>
+            <a:off x="2928401" y="1380068"/>
+            <a:ext cx="8574622" cy="2616199"/>
           </a:xfrm>
         </p:spPr>
         <p:txBody>
@@ -152,28 +479,15 @@
             <a:normAutofit/>
           </a:bodyPr>
           <a:lstStyle>
-            <a:lvl1pPr algn="ctr">
-              <a:defRPr sz="4800">
-                <a:effectLst>
-                  <a:glow rad="38100">
-                    <a:schemeClr val="bg1">
-                      <a:lumMod val="65000"/>
-                      <a:lumOff val="35000"/>
-                      <a:alpha val="50000"/>
-                    </a:schemeClr>
-                  </a:glow>
-                  <a:outerShdw blurRad="28575" dist="31750" dir="13200000" algn="tl" rotWithShape="0">
-                    <a:srgbClr val="000000">
-                      <a:alpha val="25000"/>
-                    </a:srgbClr>
-                  </a:outerShdw>
-                </a:effectLst>
+            <a:lvl1pPr algn="r">
+              <a:defRPr sz="6000">
+                <a:effectLst/>
               </a:defRPr>
             </a:lvl1pPr>
           </a:lstStyle>
           <a:p>
             <a:r>
-              <a:rPr lang="es-ES" smtClean="0"/>
+              <a:rPr lang="es-ES"/>
               <a:t>Haga clic para modificar el estilo de título del patrón</a:t>
             </a:r>
             <a:endParaRPr lang="en-US" dirty="0"/>
@@ -192,8 +506,8 @@
         </p:nvSpPr>
         <p:spPr>
           <a:xfrm>
-            <a:off x="1751012" y="3886200"/>
-            <a:ext cx="8676222" cy="1905000"/>
+            <a:off x="4515377" y="3996267"/>
+            <a:ext cx="6987645" cy="1388534"/>
           </a:xfrm>
         </p:spPr>
         <p:txBody>
@@ -201,23 +515,12 @@
             <a:normAutofit/>
           </a:bodyPr>
           <a:lstStyle>
-            <a:lvl1pPr marL="0" indent="0" algn="ctr">
+            <a:lvl1pPr marL="0" indent="0" algn="r">
               <a:buNone/>
               <a:defRPr sz="2100">
-                <a:gradFill flip="none" rotWithShape="1">
-                  <a:gsLst>
-                    <a:gs pos="0">
-                      <a:schemeClr val="tx1"/>
-                    </a:gs>
-                    <a:gs pos="100000">
-                      <a:schemeClr val="tx1">
-                        <a:lumMod val="75000"/>
-                      </a:schemeClr>
-                    </a:gs>
-                  </a:gsLst>
-                  <a:lin ang="5400000" scaled="0"/>
-                  <a:tileRect/>
-                </a:gradFill>
+                <a:solidFill>
+                  <a:schemeClr val="tx1"/>
+                </a:solidFill>
               </a:defRPr>
             </a:lvl1pPr>
             <a:lvl2pPr marL="457200" indent="0" algn="ctr">
@@ -303,8 +606,8 @@
           </a:lstStyle>
           <a:p>
             <a:r>
-              <a:rPr lang="es-ES" smtClean="0"/>
-              <a:t>Haga clic para modificar el estilo de subtítulo del patrón</a:t>
+              <a:rPr lang="es-ES"/>
+              <a:t>Haga clic para editar el estilo de subtítulo del patrón</a:t>
             </a:r>
             <a:endParaRPr lang="en-US" dirty="0"/>
           </a:p>
@@ -327,7 +630,7 @@
           <a:p>
             <a:fld id="{31CFFE79-46A1-424C-84BE-F2B108BAF953}" type="datetimeFigureOut">
               <a:rPr lang="es-ES" smtClean="0"/>
-              <a:t>10/04/2017</a:t>
+              <a:t>11/04/2017</a:t>
             </a:fld>
             <a:endParaRPr lang="es-ES"/>
           </a:p>
@@ -343,7 +646,12 @@
             <p:ph type="ftr" sz="quarter" idx="11"/>
           </p:nvPr>
         </p:nvSpPr>
-        <p:spPr/>
+        <p:spPr>
+          <a:xfrm>
+            <a:off x="5332412" y="5883275"/>
+            <a:ext cx="4324044" cy="365125"/>
+          </a:xfrm>
+        </p:spPr>
         <p:txBody>
           <a:bodyPr/>
           <a:lstStyle/>
@@ -378,7 +686,7 @@
     </p:spTree>
     <p:extLst>
       <p:ext uri="{BB962C8B-B14F-4D97-AF65-F5344CB8AC3E}">
-        <p14:creationId xmlns:p14="http://schemas.microsoft.com/office/powerpoint/2010/main" val="2623998783"/>
+        <p14:creationId xmlns:p14="http://schemas.microsoft.com/office/powerpoint/2010/main" val="680217397"/>
       </p:ext>
     </p:extLst>
   </p:cSld>
@@ -417,8 +725,8 @@
         </p:nvSpPr>
         <p:spPr>
           <a:xfrm>
-            <a:off x="1141413" y="4732865"/>
-            <a:ext cx="9906000" cy="566738"/>
+            <a:off x="1484311" y="4732865"/>
+            <a:ext cx="10018711" cy="566738"/>
           </a:xfrm>
         </p:spPr>
         <p:txBody>
@@ -426,13 +734,13 @@
             <a:normAutofit/>
           </a:bodyPr>
           <a:lstStyle>
-            <a:lvl1pPr algn="l">
+            <a:lvl1pPr algn="ctr">
               <a:defRPr sz="2400" b="0"/>
             </a:lvl1pPr>
           </a:lstStyle>
           <a:p>
             <a:r>
-              <a:rPr lang="es-ES" smtClean="0"/>
+              <a:rPr lang="es-ES"/>
               <a:t>Haga clic para modificar el estilo de título del patrón</a:t>
             </a:r>
             <a:endParaRPr lang="en-US" dirty="0"/>
@@ -451,7 +759,7 @@
         </p:nvSpPr>
         <p:spPr>
           <a:xfrm>
-            <a:off x="1979612" y="932112"/>
+            <a:off x="2386012" y="932112"/>
             <a:ext cx="8225944" cy="3164976"/>
           </a:xfrm>
           <a:prstGeom prst="roundRect">
@@ -527,7 +835,7 @@
           </a:lstStyle>
           <a:p>
             <a:r>
-              <a:rPr lang="es-ES" smtClean="0"/>
+              <a:rPr lang="es-ES"/>
               <a:t>Haga clic en el icono para agregar una imagen</a:t>
             </a:r>
             <a:endParaRPr lang="en-US" dirty="0"/>
@@ -546,8 +854,8 @@
         </p:nvSpPr>
         <p:spPr>
           <a:xfrm>
-            <a:off x="1141413" y="5299603"/>
-            <a:ext cx="9906000" cy="493712"/>
+            <a:off x="1484311" y="5299603"/>
+            <a:ext cx="10018711" cy="493712"/>
           </a:xfrm>
         </p:spPr>
         <p:txBody>
@@ -555,7 +863,7 @@
             <a:normAutofit/>
           </a:bodyPr>
           <a:lstStyle>
-            <a:lvl1pPr marL="0" indent="0">
+            <a:lvl1pPr marL="0" indent="0" algn="ctr">
               <a:buNone/>
               <a:defRPr sz="1400"/>
             </a:lvl1pPr>
@@ -595,8 +903,8 @@
           <a:p>
             <a:pPr lvl="0"/>
             <a:r>
-              <a:rPr lang="es-ES" smtClean="0"/>
-              <a:t>Haga clic para modificar el estilo de texto del patrón</a:t>
+              <a:rPr lang="es-ES"/>
+              <a:t>Editar el estilo de texto del patrón</a:t>
             </a:r>
           </a:p>
         </p:txBody>
@@ -618,7 +926,7 @@
           <a:p>
             <a:fld id="{31CFFE79-46A1-424C-84BE-F2B108BAF953}" type="datetimeFigureOut">
               <a:rPr lang="es-ES" smtClean="0"/>
-              <a:t>10/04/2017</a:t>
+              <a:t>11/04/2017</a:t>
             </a:fld>
             <a:endParaRPr lang="es-ES"/>
           </a:p>
@@ -669,7 +977,7 @@
     </p:spTree>
     <p:extLst>
       <p:ext uri="{BB962C8B-B14F-4D97-AF65-F5344CB8AC3E}">
-        <p14:creationId xmlns:p14="http://schemas.microsoft.com/office/powerpoint/2010/main" val="2023874173"/>
+        <p14:creationId xmlns:p14="http://schemas.microsoft.com/office/powerpoint/2010/main" val="1130510512"/>
       </p:ext>
     </p:extLst>
   </p:cSld>
@@ -708,8 +1016,8 @@
         </p:nvSpPr>
         <p:spPr>
           <a:xfrm>
-            <a:off x="1141412" y="609601"/>
-            <a:ext cx="9905999" cy="3124199"/>
+            <a:off x="1484312" y="685800"/>
+            <a:ext cx="10018711" cy="3048000"/>
           </a:xfrm>
         </p:spPr>
         <p:txBody>
@@ -717,13 +1025,13 @@
             <a:normAutofit/>
           </a:bodyPr>
           <a:lstStyle>
-            <a:lvl1pPr algn="l">
-              <a:defRPr sz="3200" b="0" cap="all"/>
+            <a:lvl1pPr algn="ctr">
+              <a:defRPr sz="3200" b="0" cap="none"/>
             </a:lvl1pPr>
           </a:lstStyle>
           <a:p>
             <a:r>
-              <a:rPr lang="es-ES" smtClean="0"/>
+              <a:rPr lang="es-ES"/>
               <a:t>Haga clic para modificar el estilo de título del patrón</a:t>
             </a:r>
             <a:endParaRPr lang="en-US" dirty="0"/>
@@ -742,8 +1050,8 @@
         </p:nvSpPr>
         <p:spPr>
           <a:xfrm>
-            <a:off x="1141411" y="4343400"/>
-            <a:ext cx="9906000" cy="1447800"/>
+            <a:off x="1484312" y="4343400"/>
+            <a:ext cx="10018713" cy="1447800"/>
           </a:xfrm>
         </p:spPr>
         <p:txBody>
@@ -751,23 +1059,12 @@
             <a:normAutofit/>
           </a:bodyPr>
           <a:lstStyle>
-            <a:lvl1pPr marL="0" indent="0" algn="l">
+            <a:lvl1pPr marL="0" indent="0" algn="ctr">
               <a:buNone/>
               <a:defRPr sz="2000">
-                <a:gradFill flip="none" rotWithShape="1">
-                  <a:gsLst>
-                    <a:gs pos="0">
-                      <a:schemeClr val="tx1"/>
-                    </a:gs>
-                    <a:gs pos="100000">
-                      <a:schemeClr val="tx1">
-                        <a:lumMod val="75000"/>
-                      </a:schemeClr>
-                    </a:gs>
-                  </a:gsLst>
-                  <a:lin ang="5400000" scaled="0"/>
-                  <a:tileRect/>
-                </a:gradFill>
+                <a:solidFill>
+                  <a:schemeClr val="tx1"/>
+                </a:solidFill>
               </a:defRPr>
             </a:lvl1pPr>
             <a:lvl2pPr marL="457200" indent="0">
@@ -854,8 +1151,8 @@
           <a:p>
             <a:pPr lvl="0"/>
             <a:r>
-              <a:rPr lang="es-ES" smtClean="0"/>
-              <a:t>Haga clic para modificar el estilo de texto del patrón</a:t>
+              <a:rPr lang="es-ES"/>
+              <a:t>Editar el estilo de texto del patrón</a:t>
             </a:r>
           </a:p>
         </p:txBody>
@@ -877,7 +1174,7 @@
           <a:p>
             <a:fld id="{31CFFE79-46A1-424C-84BE-F2B108BAF953}" type="datetimeFigureOut">
               <a:rPr lang="es-ES" smtClean="0"/>
-              <a:t>10/04/2017</a:t>
+              <a:t>11/04/2017</a:t>
             </a:fld>
             <a:endParaRPr lang="es-ES"/>
           </a:p>
@@ -928,7 +1225,7 @@
     </p:spTree>
     <p:extLst>
       <p:ext uri="{BB962C8B-B14F-4D97-AF65-F5344CB8AC3E}">
-        <p14:creationId xmlns:p14="http://schemas.microsoft.com/office/powerpoint/2010/main" val="1543658251"/>
+        <p14:creationId xmlns:p14="http://schemas.microsoft.com/office/powerpoint/2010/main" val="3790704263"/>
       </p:ext>
     </p:extLst>
   </p:cSld>
@@ -963,7 +1260,7 @@
         </p:nvSpPr>
         <p:spPr>
           <a:xfrm>
-            <a:off x="836612" y="786824"/>
+            <a:off x="1598612" y="863023"/>
             <a:ext cx="609600" cy="584776"/>
           </a:xfrm>
           <a:prstGeom prst="rect">
@@ -1062,8 +1359,9 @@
             <a:r>
               <a:rPr lang="en-US" sz="8000" dirty="0">
                 <a:solidFill>
-                  <a:schemeClr val="accent1"/>
-                </a:solidFill>
+                  <a:schemeClr val="tx1"/>
+                </a:solidFill>
+                <a:effectLst/>
               </a:rPr>
               <a:t>“</a:t>
             </a:r>
@@ -1078,7 +1376,7 @@
         </p:nvSpPr>
         <p:spPr>
           <a:xfrm>
-            <a:off x="10437812" y="2743200"/>
+            <a:off x="10893425" y="2819399"/>
             <a:ext cx="609600" cy="584776"/>
           </a:xfrm>
           <a:prstGeom prst="rect">
@@ -1177,8 +1475,9 @@
             <a:r>
               <a:rPr lang="en-US" sz="8000" dirty="0">
                 <a:solidFill>
-                  <a:schemeClr val="accent1"/>
-                </a:solidFill>
+                  <a:schemeClr val="tx1"/>
+                </a:solidFill>
+                <a:effectLst/>
               </a:rPr>
               <a:t>”</a:t>
             </a:r>
@@ -1197,8 +1496,8 @@
         </p:nvSpPr>
         <p:spPr>
           <a:xfrm>
-            <a:off x="1446213" y="609601"/>
-            <a:ext cx="9296398" cy="2743199"/>
+            <a:off x="2208212" y="685800"/>
+            <a:ext cx="8990012" cy="2743199"/>
           </a:xfrm>
         </p:spPr>
         <p:txBody>
@@ -1206,8 +1505,8 @@
             <a:normAutofit/>
           </a:bodyPr>
           <a:lstStyle>
-            <a:lvl1pPr algn="l">
-              <a:defRPr sz="3200" b="0" cap="all">
+            <a:lvl1pPr algn="ctr">
+              <a:defRPr sz="3200" b="0" cap="none">
                 <a:solidFill>
                   <a:schemeClr val="tx1"/>
                 </a:solidFill>
@@ -1216,7 +1515,7 @@
           </a:lstStyle>
           <a:p>
             <a:r>
-              <a:rPr lang="es-ES" smtClean="0"/>
+              <a:rPr lang="es-ES"/>
               <a:t>Haga clic para modificar el estilo de título del patrón</a:t>
             </a:r>
             <a:endParaRPr lang="en-US" dirty="0"/>
@@ -1235,17 +1534,19 @@
         </p:nvSpPr>
         <p:spPr>
           <a:xfrm>
-            <a:off x="1674812" y="3352800"/>
-            <a:ext cx="8839202" cy="381000"/>
-          </a:xfrm>
-        </p:spPr>
-        <p:txBody>
-          <a:bodyPr anchor="ctr"/>
+            <a:off x="2436811" y="3428999"/>
+            <a:ext cx="8532815" cy="381000"/>
+          </a:xfrm>
+        </p:spPr>
+        <p:txBody>
+          <a:bodyPr anchor="ctr">
+            <a:normAutofit/>
+          </a:bodyPr>
           <a:lstStyle>
             <a:lvl1pPr marL="0" indent="0">
               <a:buFontTx/>
               <a:buNone/>
-              <a:defRPr/>
+              <a:defRPr sz="1800"/>
             </a:lvl1pPr>
             <a:lvl2pPr marL="457200" indent="0">
               <a:buFontTx/>
@@ -1271,8 +1572,8 @@
           <a:p>
             <a:pPr lvl="0"/>
             <a:r>
-              <a:rPr lang="es-ES" smtClean="0"/>
-              <a:t>Haga clic para modificar el estilo de texto del patrón</a:t>
+              <a:rPr lang="es-ES"/>
+              <a:t>Editar el estilo de texto del patrón</a:t>
             </a:r>
           </a:p>
         </p:txBody>
@@ -1289,42 +1590,109 @@
         </p:nvSpPr>
         <p:spPr>
           <a:xfrm>
-            <a:off x="1141411" y="4343400"/>
-            <a:ext cx="9906000" cy="1447800"/>
-          </a:xfrm>
-        </p:spPr>
-        <p:txBody>
-          <a:bodyPr vert="horz" lIns="91440" tIns="45720" rIns="91440" bIns="45720" rtlCol="0" anchor="ctr">
+            <a:off x="1484311" y="4343400"/>
+            <a:ext cx="10018711" cy="1447800"/>
+          </a:xfrm>
+        </p:spPr>
+        <p:txBody>
+          <a:bodyPr anchor="ctr">
             <a:normAutofit/>
           </a:bodyPr>
           <a:lstStyle>
-            <a:lvl1pPr>
-              <a:buNone/>
-              <a:defRPr lang="en-US" sz="2000">
-                <a:gradFill flip="none" rotWithShape="1">
-                  <a:gsLst>
-                    <a:gs pos="0">
-                      <a:schemeClr val="tx1"/>
-                    </a:gs>
-                    <a:gs pos="100000">
-                      <a:schemeClr val="tx1">
-                        <a:lumMod val="75000"/>
-                      </a:schemeClr>
-                    </a:gs>
-                  </a:gsLst>
-                  <a:lin ang="5400000" scaled="0"/>
-                  <a:tileRect/>
-                </a:gradFill>
+            <a:lvl1pPr marL="0" indent="0" algn="ctr">
+              <a:buNone/>
+              <a:defRPr sz="2000">
+                <a:solidFill>
+                  <a:schemeClr val="tx1"/>
+                </a:solidFill>
               </a:defRPr>
             </a:lvl1pPr>
+            <a:lvl2pPr marL="457200" indent="0">
+              <a:buNone/>
+              <a:defRPr sz="1800">
+                <a:solidFill>
+                  <a:schemeClr val="tx1">
+                    <a:tint val="75000"/>
+                  </a:schemeClr>
+                </a:solidFill>
+              </a:defRPr>
+            </a:lvl2pPr>
+            <a:lvl3pPr marL="914400" indent="0">
+              <a:buNone/>
+              <a:defRPr sz="1600">
+                <a:solidFill>
+                  <a:schemeClr val="tx1">
+                    <a:tint val="75000"/>
+                  </a:schemeClr>
+                </a:solidFill>
+              </a:defRPr>
+            </a:lvl3pPr>
+            <a:lvl4pPr marL="1371600" indent="0">
+              <a:buNone/>
+              <a:defRPr sz="1400">
+                <a:solidFill>
+                  <a:schemeClr val="tx1">
+                    <a:tint val="75000"/>
+                  </a:schemeClr>
+                </a:solidFill>
+              </a:defRPr>
+            </a:lvl4pPr>
+            <a:lvl5pPr marL="1828800" indent="0">
+              <a:buNone/>
+              <a:defRPr sz="1400">
+                <a:solidFill>
+                  <a:schemeClr val="tx1">
+                    <a:tint val="75000"/>
+                  </a:schemeClr>
+                </a:solidFill>
+              </a:defRPr>
+            </a:lvl5pPr>
+            <a:lvl6pPr marL="2286000" indent="0">
+              <a:buNone/>
+              <a:defRPr sz="1400">
+                <a:solidFill>
+                  <a:schemeClr val="tx1">
+                    <a:tint val="75000"/>
+                  </a:schemeClr>
+                </a:solidFill>
+              </a:defRPr>
+            </a:lvl6pPr>
+            <a:lvl7pPr marL="2743200" indent="0">
+              <a:buNone/>
+              <a:defRPr sz="1400">
+                <a:solidFill>
+                  <a:schemeClr val="tx1">
+                    <a:tint val="75000"/>
+                  </a:schemeClr>
+                </a:solidFill>
+              </a:defRPr>
+            </a:lvl7pPr>
+            <a:lvl8pPr marL="3200400" indent="0">
+              <a:buNone/>
+              <a:defRPr sz="1400">
+                <a:solidFill>
+                  <a:schemeClr val="tx1">
+                    <a:tint val="75000"/>
+                  </a:schemeClr>
+                </a:solidFill>
+              </a:defRPr>
+            </a:lvl8pPr>
+            <a:lvl9pPr marL="3657600" indent="0">
+              <a:buNone/>
+              <a:defRPr sz="1400">
+                <a:solidFill>
+                  <a:schemeClr val="tx1">
+                    <a:tint val="75000"/>
+                  </a:schemeClr>
+                </a:solidFill>
+              </a:defRPr>
+            </a:lvl9pPr>
           </a:lstStyle>
           <a:p>
-            <a:pPr marL="0" lvl="0" indent="0">
-              <a:buNone/>
-            </a:pPr>
-            <a:r>
-              <a:rPr lang="es-ES" smtClean="0"/>
-              <a:t>Haga clic para modificar el estilo de texto del patrón</a:t>
+            <a:pPr lvl="0"/>
+            <a:r>
+              <a:rPr lang="es-ES"/>
+              <a:t>Editar el estilo de texto del patrón</a:t>
             </a:r>
           </a:p>
         </p:txBody>
@@ -1346,7 +1714,7 @@
           <a:p>
             <a:fld id="{31CFFE79-46A1-424C-84BE-F2B108BAF953}" type="datetimeFigureOut">
               <a:rPr lang="es-ES" smtClean="0"/>
-              <a:t>10/04/2017</a:t>
+              <a:t>11/04/2017</a:t>
             </a:fld>
             <a:endParaRPr lang="es-ES"/>
           </a:p>
@@ -1397,7 +1765,7 @@
     </p:spTree>
     <p:extLst>
       <p:ext uri="{BB962C8B-B14F-4D97-AF65-F5344CB8AC3E}">
-        <p14:creationId xmlns:p14="http://schemas.microsoft.com/office/powerpoint/2010/main" val="80670338"/>
+        <p14:creationId xmlns:p14="http://schemas.microsoft.com/office/powerpoint/2010/main" val="2913023002"/>
       </p:ext>
     </p:extLst>
   </p:cSld>
@@ -1436,8 +1804,8 @@
         </p:nvSpPr>
         <p:spPr>
           <a:xfrm>
-            <a:off x="1141412" y="3308581"/>
-            <a:ext cx="9906000" cy="1468800"/>
+            <a:off x="1484313" y="3308581"/>
+            <a:ext cx="10018709" cy="1468800"/>
           </a:xfrm>
         </p:spPr>
         <p:txBody>
@@ -1445,13 +1813,13 @@
             <a:normAutofit/>
           </a:bodyPr>
           <a:lstStyle>
-            <a:lvl1pPr algn="l">
-              <a:defRPr sz="3200" b="0" cap="all"/>
+            <a:lvl1pPr algn="r">
+              <a:defRPr sz="3200" b="0" cap="none"/>
             </a:lvl1pPr>
           </a:lstStyle>
           <a:p>
             <a:r>
-              <a:rPr lang="es-ES" smtClean="0"/>
+              <a:rPr lang="es-ES"/>
               <a:t>Haga clic para modificar el estilo de título del patrón</a:t>
             </a:r>
             <a:endParaRPr lang="en-US" dirty="0"/>
@@ -1470,41 +1838,109 @@
         </p:nvSpPr>
         <p:spPr>
           <a:xfrm>
-            <a:off x="1141410" y="4777381"/>
-            <a:ext cx="9906001" cy="860400"/>
-          </a:xfrm>
-        </p:spPr>
-        <p:txBody>
-          <a:bodyPr vert="horz" lIns="91440" tIns="45720" rIns="91440" bIns="45720" rtlCol="0" anchor="t">
+            <a:off x="1484312" y="4777381"/>
+            <a:ext cx="10018710" cy="860400"/>
+          </a:xfrm>
+        </p:spPr>
+        <p:txBody>
+          <a:bodyPr anchor="t">
             <a:normAutofit/>
           </a:bodyPr>
           <a:lstStyle>
-            <a:lvl1pPr>
-              <a:defRPr lang="en-US" sz="2000">
-                <a:gradFill flip="none" rotWithShape="1">
-                  <a:gsLst>
-                    <a:gs pos="0">
-                      <a:schemeClr val="tx1"/>
-                    </a:gs>
-                    <a:gs pos="100000">
-                      <a:schemeClr val="tx1">
-                        <a:lumMod val="75000"/>
-                      </a:schemeClr>
-                    </a:gs>
-                  </a:gsLst>
-                  <a:lin ang="5400000" scaled="0"/>
-                  <a:tileRect/>
-                </a:gradFill>
+            <a:lvl1pPr marL="0" indent="0" algn="r">
+              <a:buNone/>
+              <a:defRPr sz="2000">
+                <a:solidFill>
+                  <a:schemeClr val="tx1"/>
+                </a:solidFill>
               </a:defRPr>
             </a:lvl1pPr>
+            <a:lvl2pPr marL="457200" indent="0">
+              <a:buNone/>
+              <a:defRPr sz="1800">
+                <a:solidFill>
+                  <a:schemeClr val="tx1">
+                    <a:tint val="75000"/>
+                  </a:schemeClr>
+                </a:solidFill>
+              </a:defRPr>
+            </a:lvl2pPr>
+            <a:lvl3pPr marL="914400" indent="0">
+              <a:buNone/>
+              <a:defRPr sz="1600">
+                <a:solidFill>
+                  <a:schemeClr val="tx1">
+                    <a:tint val="75000"/>
+                  </a:schemeClr>
+                </a:solidFill>
+              </a:defRPr>
+            </a:lvl3pPr>
+            <a:lvl4pPr marL="1371600" indent="0">
+              <a:buNone/>
+              <a:defRPr sz="1400">
+                <a:solidFill>
+                  <a:schemeClr val="tx1">
+                    <a:tint val="75000"/>
+                  </a:schemeClr>
+                </a:solidFill>
+              </a:defRPr>
+            </a:lvl4pPr>
+            <a:lvl5pPr marL="1828800" indent="0">
+              <a:buNone/>
+              <a:defRPr sz="1400">
+                <a:solidFill>
+                  <a:schemeClr val="tx1">
+                    <a:tint val="75000"/>
+                  </a:schemeClr>
+                </a:solidFill>
+              </a:defRPr>
+            </a:lvl5pPr>
+            <a:lvl6pPr marL="2286000" indent="0">
+              <a:buNone/>
+              <a:defRPr sz="1400">
+                <a:solidFill>
+                  <a:schemeClr val="tx1">
+                    <a:tint val="75000"/>
+                  </a:schemeClr>
+                </a:solidFill>
+              </a:defRPr>
+            </a:lvl6pPr>
+            <a:lvl7pPr marL="2743200" indent="0">
+              <a:buNone/>
+              <a:defRPr sz="1400">
+                <a:solidFill>
+                  <a:schemeClr val="tx1">
+                    <a:tint val="75000"/>
+                  </a:schemeClr>
+                </a:solidFill>
+              </a:defRPr>
+            </a:lvl7pPr>
+            <a:lvl8pPr marL="3200400" indent="0">
+              <a:buNone/>
+              <a:defRPr sz="1400">
+                <a:solidFill>
+                  <a:schemeClr val="tx1">
+                    <a:tint val="75000"/>
+                  </a:schemeClr>
+                </a:solidFill>
+              </a:defRPr>
+            </a:lvl8pPr>
+            <a:lvl9pPr marL="3657600" indent="0">
+              <a:buNone/>
+              <a:defRPr sz="1400">
+                <a:solidFill>
+                  <a:schemeClr val="tx1">
+                    <a:tint val="75000"/>
+                  </a:schemeClr>
+                </a:solidFill>
+              </a:defRPr>
+            </a:lvl9pPr>
           </a:lstStyle>
           <a:p>
-            <a:pPr marL="0" lvl="0" indent="0">
-              <a:buNone/>
-            </a:pPr>
-            <a:r>
-              <a:rPr lang="es-ES" smtClean="0"/>
-              <a:t>Haga clic para modificar el estilo de texto del patrón</a:t>
+            <a:pPr lvl="0"/>
+            <a:r>
+              <a:rPr lang="es-ES"/>
+              <a:t>Editar el estilo de texto del patrón</a:t>
             </a:r>
           </a:p>
         </p:txBody>
@@ -1526,7 +1962,7 @@
           <a:p>
             <a:fld id="{31CFFE79-46A1-424C-84BE-F2B108BAF953}" type="datetimeFigureOut">
               <a:rPr lang="es-ES" smtClean="0"/>
-              <a:t>10/04/2017</a:t>
+              <a:t>11/04/2017</a:t>
             </a:fld>
             <a:endParaRPr lang="es-ES"/>
           </a:p>
@@ -1577,7 +2013,7 @@
     </p:spTree>
     <p:extLst>
       <p:ext uri="{BB962C8B-B14F-4D97-AF65-F5344CB8AC3E}">
-        <p14:creationId xmlns:p14="http://schemas.microsoft.com/office/powerpoint/2010/main" val="2114874860"/>
+        <p14:creationId xmlns:p14="http://schemas.microsoft.com/office/powerpoint/2010/main" val="3702920433"/>
       </p:ext>
     </p:extLst>
   </p:cSld>
@@ -1612,7 +2048,7 @@
         </p:nvSpPr>
         <p:spPr>
           <a:xfrm>
-            <a:off x="836612" y="786824"/>
+            <a:off x="1598612" y="863023"/>
             <a:ext cx="609600" cy="584776"/>
           </a:xfrm>
           <a:prstGeom prst="rect">
@@ -1711,8 +2147,9 @@
             <a:r>
               <a:rPr lang="en-US" sz="8000" dirty="0">
                 <a:solidFill>
-                  <a:schemeClr val="accent1"/>
-                </a:solidFill>
+                  <a:schemeClr val="tx1"/>
+                </a:solidFill>
+                <a:effectLst/>
               </a:rPr>
               <a:t>“</a:t>
             </a:r>
@@ -1727,7 +2164,7 @@
         </p:nvSpPr>
         <p:spPr>
           <a:xfrm>
-            <a:off x="10437812" y="2743200"/>
+            <a:off x="10893425" y="2819399"/>
             <a:ext cx="609600" cy="584776"/>
           </a:xfrm>
           <a:prstGeom prst="rect">
@@ -1826,8 +2263,9 @@
             <a:r>
               <a:rPr lang="en-US" sz="8000" dirty="0">
                 <a:solidFill>
-                  <a:schemeClr val="accent1"/>
-                </a:solidFill>
+                  <a:schemeClr val="tx1"/>
+                </a:solidFill>
+                <a:effectLst/>
               </a:rPr>
               <a:t>”</a:t>
             </a:r>
@@ -1846,8 +2284,8 @@
         </p:nvSpPr>
         <p:spPr>
           <a:xfrm>
-            <a:off x="1446213" y="609601"/>
-            <a:ext cx="9296398" cy="2743199"/>
+            <a:off x="2208212" y="685800"/>
+            <a:ext cx="8990012" cy="2743199"/>
           </a:xfrm>
         </p:spPr>
         <p:txBody>
@@ -1855,28 +2293,17 @@
             <a:normAutofit/>
           </a:bodyPr>
           <a:lstStyle>
-            <a:lvl1pPr algn="l">
-              <a:defRPr sz="3200" b="0" cap="all">
-                <a:gradFill flip="none" rotWithShape="1">
-                  <a:gsLst>
-                    <a:gs pos="0">
-                      <a:schemeClr val="tx1"/>
-                    </a:gs>
-                    <a:gs pos="100000">
-                      <a:schemeClr val="tx1">
-                        <a:lumMod val="75000"/>
-                      </a:schemeClr>
-                    </a:gs>
-                  </a:gsLst>
-                  <a:lin ang="5400000" scaled="0"/>
-                  <a:tileRect/>
-                </a:gradFill>
+            <a:lvl1pPr algn="ctr">
+              <a:defRPr sz="3200" b="0" cap="none">
+                <a:solidFill>
+                  <a:schemeClr val="tx1"/>
+                </a:solidFill>
               </a:defRPr>
             </a:lvl1pPr>
           </a:lstStyle>
           <a:p>
             <a:r>
-              <a:rPr lang="es-ES" smtClean="0"/>
+              <a:rPr lang="es-ES"/>
               <a:t>Haga clic para modificar el estilo de título del patrón</a:t>
             </a:r>
             <a:endParaRPr lang="en-US" dirty="0"/>
@@ -1895,8 +2322,8 @@
         </p:nvSpPr>
         <p:spPr>
           <a:xfrm>
-            <a:off x="1141412" y="3886200"/>
-            <a:ext cx="9906000" cy="889000"/>
+            <a:off x="1484313" y="3886200"/>
+            <a:ext cx="10018710" cy="889000"/>
           </a:xfrm>
         </p:spPr>
         <p:txBody>
@@ -1904,40 +2331,16 @@
             <a:normAutofit/>
           </a:bodyPr>
           <a:lstStyle>
-            <a:lvl1pPr>
-              <a:buNone/>
-              <a:defRPr lang="en-US" sz="2400" b="0" cap="all" dirty="0">
+            <a:lvl1pPr algn="r">
+              <a:buNone/>
+              <a:defRPr lang="en-US" sz="2400" b="0" cap="none" dirty="0">
                 <a:ln w="3175" cmpd="sng">
                   <a:noFill/>
                 </a:ln>
-                <a:gradFill flip="none" rotWithShape="1">
-                  <a:gsLst>
-                    <a:gs pos="0">
-                      <a:schemeClr val="tx1"/>
-                    </a:gs>
-                    <a:gs pos="100000">
-                      <a:schemeClr val="tx1">
-                        <a:lumMod val="75000"/>
-                      </a:schemeClr>
-                    </a:gs>
-                  </a:gsLst>
-                  <a:lin ang="5400000" scaled="0"/>
-                  <a:tileRect/>
-                </a:gradFill>
-                <a:effectLst>
-                  <a:glow rad="38100">
-                    <a:schemeClr val="bg1">
-                      <a:lumMod val="65000"/>
-                      <a:lumOff val="35000"/>
-                      <a:alpha val="40000"/>
-                    </a:schemeClr>
-                  </a:glow>
-                  <a:outerShdw blurRad="28575" dist="38100" dir="14040000" algn="tl" rotWithShape="0">
-                    <a:srgbClr val="000000">
-                      <a:alpha val="25000"/>
-                    </a:srgbClr>
-                  </a:outerShdw>
-                </a:effectLst>
+                <a:solidFill>
+                  <a:schemeClr val="tx1"/>
+                </a:solidFill>
+                <a:effectLst/>
               </a:defRPr>
             </a:lvl1pPr>
           </a:lstStyle>
@@ -1949,8 +2352,8 @@
               <a:buNone/>
             </a:pPr>
             <a:r>
-              <a:rPr lang="es-ES" smtClean="0"/>
-              <a:t>Haga clic para modificar el estilo de texto del patrón</a:t>
+              <a:rPr lang="es-ES"/>
+              <a:t>Editar el estilo de texto del patrón</a:t>
             </a:r>
           </a:p>
         </p:txBody>
@@ -1967,8 +2370,8 @@
         </p:nvSpPr>
         <p:spPr>
           <a:xfrm>
-            <a:off x="1141411" y="4775200"/>
-            <a:ext cx="9906000" cy="1016000"/>
+            <a:off x="1484312" y="4775200"/>
+            <a:ext cx="10018710" cy="1016000"/>
           </a:xfrm>
         </p:spPr>
         <p:txBody>
@@ -1976,23 +2379,12 @@
             <a:normAutofit/>
           </a:bodyPr>
           <a:lstStyle>
-            <a:lvl1pPr marL="0" indent="0" algn="l">
+            <a:lvl1pPr marL="0" indent="0" algn="r">
               <a:buNone/>
               <a:defRPr sz="1800">
-                <a:gradFill flip="none" rotWithShape="1">
-                  <a:gsLst>
-                    <a:gs pos="0">
-                      <a:schemeClr val="tx1"/>
-                    </a:gs>
-                    <a:gs pos="100000">
-                      <a:schemeClr val="tx1">
-                        <a:lumMod val="75000"/>
-                      </a:schemeClr>
-                    </a:gs>
-                  </a:gsLst>
-                  <a:lin ang="5400000" scaled="0"/>
-                  <a:tileRect/>
-                </a:gradFill>
+                <a:solidFill>
+                  <a:schemeClr val="tx1"/>
+                </a:solidFill>
               </a:defRPr>
             </a:lvl1pPr>
             <a:lvl2pPr marL="457200" indent="0">
@@ -2079,8 +2471,8 @@
           <a:p>
             <a:pPr lvl="0"/>
             <a:r>
-              <a:rPr lang="es-ES" smtClean="0"/>
-              <a:t>Haga clic para modificar el estilo de texto del patrón</a:t>
+              <a:rPr lang="es-ES"/>
+              <a:t>Editar el estilo de texto del patrón</a:t>
             </a:r>
           </a:p>
         </p:txBody>
@@ -2102,7 +2494,7 @@
           <a:p>
             <a:fld id="{31CFFE79-46A1-424C-84BE-F2B108BAF953}" type="datetimeFigureOut">
               <a:rPr lang="es-ES" smtClean="0"/>
-              <a:t>10/04/2017</a:t>
+              <a:t>11/04/2017</a:t>
             </a:fld>
             <a:endParaRPr lang="es-ES"/>
           </a:p>
@@ -2153,7 +2545,7 @@
     </p:spTree>
     <p:extLst>
       <p:ext uri="{BB962C8B-B14F-4D97-AF65-F5344CB8AC3E}">
-        <p14:creationId xmlns:p14="http://schemas.microsoft.com/office/powerpoint/2010/main" val="2561675606"/>
+        <p14:creationId xmlns:p14="http://schemas.microsoft.com/office/powerpoint/2010/main" val="3826089872"/>
       </p:ext>
     </p:extLst>
   </p:cSld>
@@ -2192,8 +2584,8 @@
         </p:nvSpPr>
         <p:spPr>
           <a:xfrm>
-            <a:off x="1141412" y="609601"/>
-            <a:ext cx="9905999" cy="2743199"/>
+            <a:off x="1484313" y="685800"/>
+            <a:ext cx="10018712" cy="2727325"/>
           </a:xfrm>
         </p:spPr>
         <p:txBody>
@@ -2208,7 +2600,7 @@
           <a:p>
             <a:pPr marL="0" lvl="0"/>
             <a:r>
-              <a:rPr lang="es-ES" smtClean="0"/>
+              <a:rPr lang="es-ES"/>
               <a:t>Haga clic para modificar el estilo de título del patrón</a:t>
             </a:r>
             <a:endParaRPr lang="en-US" dirty="0"/>
@@ -2227,8 +2619,8 @@
         </p:nvSpPr>
         <p:spPr>
           <a:xfrm>
-            <a:off x="1141412" y="3505200"/>
-            <a:ext cx="9906000" cy="838200"/>
+            <a:off x="1484312" y="3505200"/>
+            <a:ext cx="10018713" cy="838200"/>
           </a:xfrm>
         </p:spPr>
         <p:txBody>
@@ -2238,38 +2630,14 @@
           <a:lstStyle>
             <a:lvl1pPr>
               <a:buNone/>
-              <a:defRPr lang="en-US" sz="2800" b="0" cap="all" dirty="0">
+              <a:defRPr lang="en-US" sz="2800" b="0" cap="none" dirty="0">
                 <a:ln w="3175" cmpd="sng">
                   <a:noFill/>
                 </a:ln>
-                <a:gradFill flip="none" rotWithShape="1">
-                  <a:gsLst>
-                    <a:gs pos="0">
-                      <a:schemeClr val="tx1"/>
-                    </a:gs>
-                    <a:gs pos="100000">
-                      <a:schemeClr val="tx1">
-                        <a:lumMod val="75000"/>
-                      </a:schemeClr>
-                    </a:gs>
-                  </a:gsLst>
-                  <a:lin ang="5400000" scaled="0"/>
-                  <a:tileRect/>
-                </a:gradFill>
-                <a:effectLst>
-                  <a:glow rad="38100">
-                    <a:schemeClr val="bg1">
-                      <a:lumMod val="65000"/>
-                      <a:lumOff val="35000"/>
-                      <a:alpha val="40000"/>
-                    </a:schemeClr>
-                  </a:glow>
-                  <a:outerShdw blurRad="28575" dist="38100" dir="14040000" algn="tl" rotWithShape="0">
-                    <a:srgbClr val="000000">
-                      <a:alpha val="25000"/>
-                    </a:srgbClr>
-                  </a:outerShdw>
-                </a:effectLst>
+                <a:solidFill>
+                  <a:schemeClr val="tx1"/>
+                </a:solidFill>
+                <a:effectLst/>
               </a:defRPr>
             </a:lvl1pPr>
           </a:lstStyle>
@@ -2281,8 +2649,8 @@
               <a:buNone/>
             </a:pPr>
             <a:r>
-              <a:rPr lang="es-ES" smtClean="0"/>
-              <a:t>Haga clic para modificar el estilo de texto del patrón</a:t>
+              <a:rPr lang="es-ES"/>
+              <a:t>Editar el estilo de texto del patrón</a:t>
             </a:r>
           </a:p>
         </p:txBody>
@@ -2299,8 +2667,8 @@
         </p:nvSpPr>
         <p:spPr>
           <a:xfrm>
-            <a:off x="1141411" y="4343400"/>
-            <a:ext cx="9906000" cy="1447800"/>
+            <a:off x="1484311" y="4343400"/>
+            <a:ext cx="10018713" cy="1447800"/>
           </a:xfrm>
         </p:spPr>
         <p:txBody>
@@ -2311,20 +2679,9 @@
             <a:lvl1pPr marL="0" indent="0" algn="l">
               <a:buNone/>
               <a:defRPr sz="1800">
-                <a:gradFill flip="none" rotWithShape="1">
-                  <a:gsLst>
-                    <a:gs pos="0">
-                      <a:schemeClr val="tx1"/>
-                    </a:gs>
-                    <a:gs pos="100000">
-                      <a:schemeClr val="tx1">
-                        <a:lumMod val="75000"/>
-                      </a:schemeClr>
-                    </a:gs>
-                  </a:gsLst>
-                  <a:lin ang="5400000" scaled="0"/>
-                  <a:tileRect/>
-                </a:gradFill>
+                <a:solidFill>
+                  <a:schemeClr val="tx1"/>
+                </a:solidFill>
               </a:defRPr>
             </a:lvl1pPr>
             <a:lvl2pPr marL="457200" indent="0">
@@ -2411,8 +2768,8 @@
           <a:p>
             <a:pPr lvl="0"/>
             <a:r>
-              <a:rPr lang="es-ES" smtClean="0"/>
-              <a:t>Haga clic para modificar el estilo de texto del patrón</a:t>
+              <a:rPr lang="es-ES"/>
+              <a:t>Editar el estilo de texto del patrón</a:t>
             </a:r>
           </a:p>
         </p:txBody>
@@ -2434,7 +2791,7 @@
           <a:p>
             <a:fld id="{31CFFE79-46A1-424C-84BE-F2B108BAF953}" type="datetimeFigureOut">
               <a:rPr lang="es-ES" smtClean="0"/>
-              <a:t>10/04/2017</a:t>
+              <a:t>11/04/2017</a:t>
             </a:fld>
             <a:endParaRPr lang="es-ES"/>
           </a:p>
@@ -2485,7 +2842,7 @@
     </p:spTree>
     <p:extLst>
       <p:ext uri="{BB962C8B-B14F-4D97-AF65-F5344CB8AC3E}">
-        <p14:creationId xmlns:p14="http://schemas.microsoft.com/office/powerpoint/2010/main" val="488678432"/>
+        <p14:creationId xmlns:p14="http://schemas.microsoft.com/office/powerpoint/2010/main" val="3976519620"/>
       </p:ext>
     </p:extLst>
   </p:cSld>
@@ -2514,7 +2871,7 @@
       </p:grpSpPr>
       <p:sp>
         <p:nvSpPr>
-          <p:cNvPr id="7" name="Title 1"/>
+          <p:cNvPr id="2" name="Title 1"/>
           <p:cNvSpPr>
             <a:spLocks noGrp="1"/>
           </p:cNvSpPr>
@@ -2522,94 +2879,93 @@
             <p:ph type="title"/>
           </p:nvPr>
         </p:nvSpPr>
-        <p:spPr>
-          <a:xfrm>
-            <a:off x="1141413" y="609600"/>
-            <a:ext cx="9905998" cy="1905000"/>
-          </a:xfrm>
-        </p:spPr>
+        <p:spPr/>
+        <p:txBody>
+          <a:bodyPr/>
+          <a:lstStyle>
+            <a:lvl1pPr algn="ctr">
+              <a:defRPr/>
+            </a:lvl1pPr>
+          </a:lstStyle>
+          <a:p>
+            <a:r>
+              <a:rPr lang="es-ES"/>
+              <a:t>Haga clic para modificar el estilo de título del patrón</a:t>
+            </a:r>
+            <a:endParaRPr lang="en-US" dirty="0"/>
+          </a:p>
+        </p:txBody>
+      </p:sp>
+      <p:sp>
+        <p:nvSpPr>
+          <p:cNvPr id="3" name="Vertical Text Placeholder 2"/>
+          <p:cNvSpPr>
+            <a:spLocks noGrp="1"/>
+          </p:cNvSpPr>
+          <p:nvPr>
+            <p:ph type="body" orient="vert" idx="1"/>
+          </p:nvPr>
+        </p:nvSpPr>
+        <p:spPr/>
+        <p:txBody>
+          <a:bodyPr vert="eaVert" anchor="t"/>
+          <a:lstStyle/>
+          <a:p>
+            <a:pPr lvl="0"/>
+            <a:r>
+              <a:rPr lang="es-ES"/>
+              <a:t>Editar el estilo de texto del patrón</a:t>
+            </a:r>
+          </a:p>
+          <a:p>
+            <a:pPr lvl="1"/>
+            <a:r>
+              <a:rPr lang="es-ES"/>
+              <a:t>Segundo nivel</a:t>
+            </a:r>
+          </a:p>
+          <a:p>
+            <a:pPr lvl="2"/>
+            <a:r>
+              <a:rPr lang="es-ES"/>
+              <a:t>Tercer nivel</a:t>
+            </a:r>
+          </a:p>
+          <a:p>
+            <a:pPr lvl="3"/>
+            <a:r>
+              <a:rPr lang="es-ES"/>
+              <a:t>Cuarto nivel</a:t>
+            </a:r>
+          </a:p>
+          <a:p>
+            <a:pPr lvl="4"/>
+            <a:r>
+              <a:rPr lang="es-ES"/>
+              <a:t>Quinto nivel</a:t>
+            </a:r>
+            <a:endParaRPr lang="en-US" dirty="0"/>
+          </a:p>
+        </p:txBody>
+      </p:sp>
+      <p:sp>
+        <p:nvSpPr>
+          <p:cNvPr id="4" name="Date Placeholder 3"/>
+          <p:cNvSpPr>
+            <a:spLocks noGrp="1"/>
+          </p:cNvSpPr>
+          <p:nvPr>
+            <p:ph type="dt" sz="half" idx="10"/>
+          </p:nvPr>
+        </p:nvSpPr>
+        <p:spPr/>
         <p:txBody>
           <a:bodyPr/>
           <a:lstStyle/>
           <a:p>
-            <a:r>
-              <a:rPr lang="es-ES" smtClean="0"/>
-              <a:t>Haga clic para modificar el estilo de título del patrón</a:t>
-            </a:r>
-            <a:endParaRPr lang="en-US" dirty="0"/>
-          </a:p>
-        </p:txBody>
-      </p:sp>
-      <p:sp>
-        <p:nvSpPr>
-          <p:cNvPr id="3" name="Vertical Text Placeholder 2"/>
-          <p:cNvSpPr>
-            <a:spLocks noGrp="1"/>
-          </p:cNvSpPr>
-          <p:nvPr>
-            <p:ph type="body" orient="vert" idx="1"/>
-          </p:nvPr>
-        </p:nvSpPr>
-        <p:spPr/>
-        <p:txBody>
-          <a:bodyPr vert="eaVert" anchor="t"/>
-          <a:lstStyle/>
-          <a:p>
-            <a:pPr lvl="0"/>
-            <a:r>
-              <a:rPr lang="es-ES" smtClean="0"/>
-              <a:t>Haga clic para modificar el estilo de texto del patrón</a:t>
-            </a:r>
-          </a:p>
-          <a:p>
-            <a:pPr lvl="1"/>
-            <a:r>
-              <a:rPr lang="es-ES" smtClean="0"/>
-              <a:t>Segundo nivel</a:t>
-            </a:r>
-          </a:p>
-          <a:p>
-            <a:pPr lvl="2"/>
-            <a:r>
-              <a:rPr lang="es-ES" smtClean="0"/>
-              <a:t>Tercer nivel</a:t>
-            </a:r>
-          </a:p>
-          <a:p>
-            <a:pPr lvl="3"/>
-            <a:r>
-              <a:rPr lang="es-ES" smtClean="0"/>
-              <a:t>Cuarto nivel</a:t>
-            </a:r>
-          </a:p>
-          <a:p>
-            <a:pPr lvl="4"/>
-            <a:r>
-              <a:rPr lang="es-ES" smtClean="0"/>
-              <a:t>Quinto nivel</a:t>
-            </a:r>
-            <a:endParaRPr lang="en-US" dirty="0"/>
-          </a:p>
-        </p:txBody>
-      </p:sp>
-      <p:sp>
-        <p:nvSpPr>
-          <p:cNvPr id="4" name="Date Placeholder 3"/>
-          <p:cNvSpPr>
-            <a:spLocks noGrp="1"/>
-          </p:cNvSpPr>
-          <p:nvPr>
-            <p:ph type="dt" sz="half" idx="10"/>
-          </p:nvPr>
-        </p:nvSpPr>
-        <p:spPr/>
-        <p:txBody>
-          <a:bodyPr/>
-          <a:lstStyle/>
-          <a:p>
             <a:fld id="{31CFFE79-46A1-424C-84BE-F2B108BAF953}" type="datetimeFigureOut">
               <a:rPr lang="es-ES" smtClean="0"/>
-              <a:t>10/04/2017</a:t>
+              <a:t>11/04/2017</a:t>
             </a:fld>
             <a:endParaRPr lang="es-ES"/>
           </a:p>
@@ -2660,7 +3016,7 @@
     </p:spTree>
     <p:extLst>
       <p:ext uri="{BB962C8B-B14F-4D97-AF65-F5344CB8AC3E}">
-        <p14:creationId xmlns:p14="http://schemas.microsoft.com/office/powerpoint/2010/main" val="2720398159"/>
+        <p14:creationId xmlns:p14="http://schemas.microsoft.com/office/powerpoint/2010/main" val="1317192801"/>
       </p:ext>
     </p:extLst>
   </p:cSld>
@@ -2699,8 +3055,8 @@
         </p:nvSpPr>
         <p:spPr>
           <a:xfrm>
-            <a:off x="8836898" y="609599"/>
-            <a:ext cx="2210514" cy="5181601"/>
+            <a:off x="9732655" y="685800"/>
+            <a:ext cx="1770369" cy="5105400"/>
           </a:xfrm>
         </p:spPr>
         <p:txBody>
@@ -2708,7 +3064,7 @@
           <a:lstStyle/>
           <a:p>
             <a:r>
-              <a:rPr lang="es-ES" smtClean="0"/>
+              <a:rPr lang="es-ES"/>
               <a:t>Haga clic para modificar el estilo de título del patrón</a:t>
             </a:r>
             <a:endParaRPr lang="en-US" dirty="0"/>
@@ -2727,8 +3083,8 @@
         </p:nvSpPr>
         <p:spPr>
           <a:xfrm>
-            <a:off x="1141412" y="609600"/>
-            <a:ext cx="7543800" cy="5181600"/>
+            <a:off x="1484312" y="685800"/>
+            <a:ext cx="8019742" cy="5105400"/>
           </a:xfrm>
         </p:spPr>
         <p:txBody>
@@ -2737,35 +3093,35 @@
           <a:p>
             <a:pPr lvl="0"/>
             <a:r>
-              <a:rPr lang="es-ES" smtClean="0"/>
-              <a:t>Haga clic para modificar el estilo de texto del patrón</a:t>
+              <a:rPr lang="es-ES"/>
+              <a:t>Editar el estilo de texto del patrón</a:t>
             </a:r>
           </a:p>
           <a:p>
             <a:pPr lvl="1"/>
             <a:r>
-              <a:rPr lang="es-ES" smtClean="0"/>
+              <a:rPr lang="es-ES"/>
               <a:t>Segundo nivel</a:t>
             </a:r>
           </a:p>
           <a:p>
             <a:pPr lvl="2"/>
             <a:r>
-              <a:rPr lang="es-ES" smtClean="0"/>
+              <a:rPr lang="es-ES"/>
               <a:t>Tercer nivel</a:t>
             </a:r>
           </a:p>
           <a:p>
             <a:pPr lvl="3"/>
             <a:r>
-              <a:rPr lang="es-ES" smtClean="0"/>
+              <a:rPr lang="es-ES"/>
               <a:t>Cuarto nivel</a:t>
             </a:r>
           </a:p>
           <a:p>
             <a:pPr lvl="4"/>
             <a:r>
-              <a:rPr lang="es-ES" smtClean="0"/>
+              <a:rPr lang="es-ES"/>
               <a:t>Quinto nivel</a:t>
             </a:r>
             <a:endParaRPr lang="en-US" dirty="0"/>
@@ -2789,7 +3145,7 @@
           <a:p>
             <a:fld id="{31CFFE79-46A1-424C-84BE-F2B108BAF953}" type="datetimeFigureOut">
               <a:rPr lang="es-ES" smtClean="0"/>
-              <a:t>10/04/2017</a:t>
+              <a:t>11/04/2017</a:t>
             </a:fld>
             <a:endParaRPr lang="es-ES"/>
           </a:p>
@@ -2840,7 +3196,7 @@
     </p:spTree>
     <p:extLst>
       <p:ext uri="{BB962C8B-B14F-4D97-AF65-F5344CB8AC3E}">
-        <p14:creationId xmlns:p14="http://schemas.microsoft.com/office/powerpoint/2010/main" val="608083289"/>
+        <p14:creationId xmlns:p14="http://schemas.microsoft.com/office/powerpoint/2010/main" val="3718181881"/>
       </p:ext>
     </p:extLst>
   </p:cSld>
@@ -2883,7 +3239,7 @@
           <a:lstStyle/>
           <a:p>
             <a:r>
-              <a:rPr lang="es-ES" smtClean="0"/>
+              <a:rPr lang="es-ES"/>
               <a:t>Haga clic para modificar el estilo de título del patrón</a:t>
             </a:r>
             <a:endParaRPr lang="en-US" dirty="0"/>
@@ -2907,35 +3263,35 @@
           <a:p>
             <a:pPr lvl="0"/>
             <a:r>
-              <a:rPr lang="es-ES" smtClean="0"/>
-              <a:t>Haga clic para modificar el estilo de texto del patrón</a:t>
+              <a:rPr lang="es-ES"/>
+              <a:t>Editar el estilo de texto del patrón</a:t>
             </a:r>
           </a:p>
           <a:p>
             <a:pPr lvl="1"/>
             <a:r>
-              <a:rPr lang="es-ES" smtClean="0"/>
+              <a:rPr lang="es-ES"/>
               <a:t>Segundo nivel</a:t>
             </a:r>
           </a:p>
           <a:p>
             <a:pPr lvl="2"/>
             <a:r>
-              <a:rPr lang="es-ES" smtClean="0"/>
+              <a:rPr lang="es-ES"/>
               <a:t>Tercer nivel</a:t>
             </a:r>
           </a:p>
           <a:p>
             <a:pPr lvl="3"/>
             <a:r>
-              <a:rPr lang="es-ES" smtClean="0"/>
+              <a:rPr lang="es-ES"/>
               <a:t>Cuarto nivel</a:t>
             </a:r>
           </a:p>
           <a:p>
             <a:pPr lvl="4"/>
             <a:r>
-              <a:rPr lang="es-ES" smtClean="0"/>
+              <a:rPr lang="es-ES"/>
               <a:t>Quinto nivel</a:t>
             </a:r>
             <a:endParaRPr lang="en-US" dirty="0"/>
@@ -2959,7 +3315,7 @@
           <a:p>
             <a:fld id="{31CFFE79-46A1-424C-84BE-F2B108BAF953}" type="datetimeFigureOut">
               <a:rPr lang="es-ES" smtClean="0"/>
-              <a:t>10/04/2017</a:t>
+              <a:t>11/04/2017</a:t>
             </a:fld>
             <a:endParaRPr lang="es-ES"/>
           </a:p>
@@ -2994,7 +3350,12 @@
             <p:ph type="sldNum" sz="quarter" idx="12"/>
           </p:nvPr>
         </p:nvSpPr>
-        <p:spPr/>
+        <p:spPr>
+          <a:xfrm>
+            <a:off x="10951856" y="5867131"/>
+            <a:ext cx="551167" cy="365125"/>
+          </a:xfrm>
+        </p:spPr>
         <p:txBody>
           <a:bodyPr/>
           <a:lstStyle/>
@@ -3010,7 +3371,7 @@
     </p:spTree>
     <p:extLst>
       <p:ext uri="{BB962C8B-B14F-4D97-AF65-F5344CB8AC3E}">
-        <p14:creationId xmlns:p14="http://schemas.microsoft.com/office/powerpoint/2010/main" val="3571467911"/>
+        <p14:creationId xmlns:p14="http://schemas.microsoft.com/office/powerpoint/2010/main" val="3514419845"/>
       </p:ext>
     </p:extLst>
   </p:cSld>
@@ -3049,20 +3410,20 @@
         </p:nvSpPr>
         <p:spPr>
           <a:xfrm>
-            <a:off x="1751013" y="3308581"/>
-            <a:ext cx="8686800" cy="1468800"/>
+            <a:off x="2572279" y="2666999"/>
+            <a:ext cx="8930747" cy="2110382"/>
           </a:xfrm>
         </p:spPr>
         <p:txBody>
           <a:bodyPr anchor="b"/>
           <a:lstStyle>
             <a:lvl1pPr algn="r">
-              <a:defRPr sz="4000" b="0" cap="all"/>
+              <a:defRPr sz="4000" b="0" cap="none"/>
             </a:lvl1pPr>
           </a:lstStyle>
           <a:p>
             <a:r>
-              <a:rPr lang="es-ES" smtClean="0"/>
+              <a:rPr lang="es-ES"/>
               <a:t>Haga clic para modificar el estilo de título del patrón</a:t>
             </a:r>
             <a:endParaRPr lang="en-US" dirty="0"/>
@@ -3081,8 +3442,8 @@
         </p:nvSpPr>
         <p:spPr>
           <a:xfrm>
-            <a:off x="1751011" y="4777381"/>
-            <a:ext cx="8686801" cy="860400"/>
+            <a:off x="2572278" y="4777381"/>
+            <a:ext cx="8930748" cy="860400"/>
           </a:xfrm>
         </p:spPr>
         <p:txBody>
@@ -3093,20 +3454,9 @@
             <a:lvl1pPr marL="0" indent="0" algn="r">
               <a:buNone/>
               <a:defRPr sz="2000">
-                <a:gradFill flip="none" rotWithShape="1">
-                  <a:gsLst>
-                    <a:gs pos="0">
-                      <a:schemeClr val="tx1"/>
-                    </a:gs>
-                    <a:gs pos="100000">
-                      <a:schemeClr val="tx1">
-                        <a:lumMod val="75000"/>
-                      </a:schemeClr>
-                    </a:gs>
-                  </a:gsLst>
-                  <a:lin ang="5400000" scaled="0"/>
-                  <a:tileRect/>
-                </a:gradFill>
+                <a:solidFill>
+                  <a:schemeClr val="tx1"/>
+                </a:solidFill>
               </a:defRPr>
             </a:lvl1pPr>
             <a:lvl2pPr marL="457200" indent="0">
@@ -3193,8 +3543,8 @@
           <a:p>
             <a:pPr lvl="0"/>
             <a:r>
-              <a:rPr lang="es-ES" smtClean="0"/>
-              <a:t>Haga clic para modificar el estilo de texto del patrón</a:t>
+              <a:rPr lang="es-ES"/>
+              <a:t>Editar el estilo de texto del patrón</a:t>
             </a:r>
           </a:p>
         </p:txBody>
@@ -3216,7 +3566,7 @@
           <a:p>
             <a:fld id="{31CFFE79-46A1-424C-84BE-F2B108BAF953}" type="datetimeFigureOut">
               <a:rPr lang="es-ES" smtClean="0"/>
-              <a:t>10/04/2017</a:t>
+              <a:t>11/04/2017</a:t>
             </a:fld>
             <a:endParaRPr lang="es-ES"/>
           </a:p>
@@ -3267,7 +3617,7 @@
     </p:spTree>
     <p:extLst>
       <p:ext uri="{BB962C8B-B14F-4D97-AF65-F5344CB8AC3E}">
-        <p14:creationId xmlns:p14="http://schemas.microsoft.com/office/powerpoint/2010/main" val="2297699112"/>
+        <p14:creationId xmlns:p14="http://schemas.microsoft.com/office/powerpoint/2010/main" val="3883371911"/>
       </p:ext>
     </p:extLst>
   </p:cSld>
@@ -3304,13 +3654,18 @@
             <p:ph type="title"/>
           </p:nvPr>
         </p:nvSpPr>
-        <p:spPr/>
+        <p:spPr>
+          <a:xfrm>
+            <a:off x="1484311" y="685800"/>
+            <a:ext cx="10018713" cy="1752599"/>
+          </a:xfrm>
+        </p:spPr>
         <p:txBody>
           <a:bodyPr/>
           <a:lstStyle/>
           <a:p>
             <a:r>
-              <a:rPr lang="es-ES" smtClean="0"/>
+              <a:rPr lang="es-ES"/>
               <a:t>Haga clic para modificar el estilo de título del patrón</a:t>
             </a:r>
             <a:endParaRPr lang="en-US" dirty="0"/>
@@ -3329,8 +3684,8 @@
         </p:nvSpPr>
         <p:spPr>
           <a:xfrm>
-            <a:off x="1141412" y="2666999"/>
-            <a:ext cx="4876800" cy="3124201"/>
+            <a:off x="1484312" y="2666999"/>
+            <a:ext cx="4895055" cy="3124201"/>
           </a:xfrm>
         </p:spPr>
         <p:txBody>
@@ -3369,35 +3724,35 @@
           <a:p>
             <a:pPr lvl="0"/>
             <a:r>
-              <a:rPr lang="es-ES" smtClean="0"/>
-              <a:t>Haga clic para modificar el estilo de texto del patrón</a:t>
+              <a:rPr lang="es-ES"/>
+              <a:t>Editar el estilo de texto del patrón</a:t>
             </a:r>
           </a:p>
           <a:p>
             <a:pPr lvl="1"/>
             <a:r>
-              <a:rPr lang="es-ES" smtClean="0"/>
+              <a:rPr lang="es-ES"/>
               <a:t>Segundo nivel</a:t>
             </a:r>
           </a:p>
           <a:p>
             <a:pPr lvl="2"/>
             <a:r>
-              <a:rPr lang="es-ES" smtClean="0"/>
+              <a:rPr lang="es-ES"/>
               <a:t>Tercer nivel</a:t>
             </a:r>
           </a:p>
           <a:p>
             <a:pPr lvl="3"/>
             <a:r>
-              <a:rPr lang="es-ES" smtClean="0"/>
+              <a:rPr lang="es-ES"/>
               <a:t>Cuarto nivel</a:t>
             </a:r>
           </a:p>
           <a:p>
             <a:pPr lvl="4"/>
             <a:r>
-              <a:rPr lang="es-ES" smtClean="0"/>
+              <a:rPr lang="es-ES"/>
               <a:t>Quinto nivel</a:t>
             </a:r>
             <a:endParaRPr lang="en-US" dirty="0"/>
@@ -3416,8 +3771,8 @@
         </p:nvSpPr>
         <p:spPr>
           <a:xfrm>
-            <a:off x="6170612" y="2667000"/>
-            <a:ext cx="4876800" cy="3124200"/>
+            <a:off x="6607967" y="2667000"/>
+            <a:ext cx="4895056" cy="3124200"/>
           </a:xfrm>
         </p:spPr>
         <p:txBody>
@@ -3456,35 +3811,35 @@
           <a:p>
             <a:pPr lvl="0"/>
             <a:r>
-              <a:rPr lang="es-ES" smtClean="0"/>
-              <a:t>Haga clic para modificar el estilo de texto del patrón</a:t>
+              <a:rPr lang="es-ES"/>
+              <a:t>Editar el estilo de texto del patrón</a:t>
             </a:r>
           </a:p>
           <a:p>
             <a:pPr lvl="1"/>
             <a:r>
-              <a:rPr lang="es-ES" smtClean="0"/>
+              <a:rPr lang="es-ES"/>
               <a:t>Segundo nivel</a:t>
             </a:r>
           </a:p>
           <a:p>
             <a:pPr lvl="2"/>
             <a:r>
-              <a:rPr lang="es-ES" smtClean="0"/>
+              <a:rPr lang="es-ES"/>
               <a:t>Tercer nivel</a:t>
             </a:r>
           </a:p>
           <a:p>
             <a:pPr lvl="3"/>
             <a:r>
-              <a:rPr lang="es-ES" smtClean="0"/>
+              <a:rPr lang="es-ES"/>
               <a:t>Cuarto nivel</a:t>
             </a:r>
           </a:p>
           <a:p>
             <a:pPr lvl="4"/>
             <a:r>
-              <a:rPr lang="es-ES" smtClean="0"/>
+              <a:rPr lang="es-ES"/>
               <a:t>Quinto nivel</a:t>
             </a:r>
             <a:endParaRPr lang="en-US" dirty="0"/>
@@ -3508,7 +3863,7 @@
           <a:p>
             <a:fld id="{31CFFE79-46A1-424C-84BE-F2B108BAF953}" type="datetimeFigureOut">
               <a:rPr lang="es-ES" smtClean="0"/>
-              <a:t>10/04/2017</a:t>
+              <a:t>11/04/2017</a:t>
             </a:fld>
             <a:endParaRPr lang="es-ES"/>
           </a:p>
@@ -3559,7 +3914,7 @@
     </p:spTree>
     <p:extLst>
       <p:ext uri="{BB962C8B-B14F-4D97-AF65-F5344CB8AC3E}">
-        <p14:creationId xmlns:p14="http://schemas.microsoft.com/office/powerpoint/2010/main" val="3707113903"/>
+        <p14:creationId xmlns:p14="http://schemas.microsoft.com/office/powerpoint/2010/main" val="3014461844"/>
       </p:ext>
     </p:extLst>
   </p:cSld>
@@ -3606,7 +3961,7 @@
           </a:lstStyle>
           <a:p>
             <a:r>
-              <a:rPr lang="es-ES" smtClean="0"/>
+              <a:rPr lang="es-ES"/>
               <a:t>Haga clic para modificar el estilo de título del patrón</a:t>
             </a:r>
             <a:endParaRPr lang="en-US" dirty="0"/>
@@ -3625,8 +3980,8 @@
         </p:nvSpPr>
         <p:spPr>
           <a:xfrm>
-            <a:off x="1429280" y="2658533"/>
-            <a:ext cx="4588931" cy="576262"/>
+            <a:off x="1772179" y="2658533"/>
+            <a:ext cx="4607188" cy="576262"/>
           </a:xfrm>
         </p:spPr>
         <p:txBody>
@@ -3636,7 +3991,13 @@
           <a:lstStyle>
             <a:lvl1pPr marL="0" indent="0">
               <a:buNone/>
-              <a:defRPr sz="2800" b="0"/>
+              <a:defRPr sz="2800" b="0">
+                <a:solidFill>
+                  <a:schemeClr val="accent1">
+                    <a:lumMod val="75000"/>
+                  </a:schemeClr>
+                </a:solidFill>
+              </a:defRPr>
             </a:lvl1pPr>
             <a:lvl2pPr marL="457200" indent="0">
               <a:buNone/>
@@ -3674,8 +4035,8 @@
           <a:p>
             <a:pPr lvl="0"/>
             <a:r>
-              <a:rPr lang="es-ES" smtClean="0"/>
-              <a:t>Haga clic para modificar el estilo de texto del patrón</a:t>
+              <a:rPr lang="es-ES"/>
+              <a:t>Editar el estilo de texto del patrón</a:t>
             </a:r>
           </a:p>
         </p:txBody>
@@ -3692,8 +4053,8 @@
         </p:nvSpPr>
         <p:spPr>
           <a:xfrm>
-            <a:off x="1141412" y="3243262"/>
-            <a:ext cx="4876800" cy="2547937"/>
+            <a:off x="1484311" y="3335337"/>
+            <a:ext cx="4895056" cy="2455862"/>
           </a:xfrm>
         </p:spPr>
         <p:txBody>
@@ -3732,35 +4093,35 @@
           <a:p>
             <a:pPr lvl="0"/>
             <a:r>
-              <a:rPr lang="es-ES" smtClean="0"/>
-              <a:t>Haga clic para modificar el estilo de texto del patrón</a:t>
+              <a:rPr lang="es-ES"/>
+              <a:t>Editar el estilo de texto del patrón</a:t>
             </a:r>
           </a:p>
           <a:p>
             <a:pPr lvl="1"/>
             <a:r>
-              <a:rPr lang="es-ES" smtClean="0"/>
+              <a:rPr lang="es-ES"/>
               <a:t>Segundo nivel</a:t>
             </a:r>
           </a:p>
           <a:p>
             <a:pPr lvl="2"/>
             <a:r>
-              <a:rPr lang="es-ES" smtClean="0"/>
+              <a:rPr lang="es-ES"/>
               <a:t>Tercer nivel</a:t>
             </a:r>
           </a:p>
           <a:p>
             <a:pPr lvl="3"/>
             <a:r>
-              <a:rPr lang="es-ES" smtClean="0"/>
+              <a:rPr lang="es-ES"/>
               <a:t>Cuarto nivel</a:t>
             </a:r>
           </a:p>
           <a:p>
             <a:pPr lvl="4"/>
             <a:r>
-              <a:rPr lang="es-ES" smtClean="0"/>
+              <a:rPr lang="es-ES"/>
               <a:t>Quinto nivel</a:t>
             </a:r>
             <a:endParaRPr lang="en-US" dirty="0"/>
@@ -3779,8 +4140,8 @@
         </p:nvSpPr>
         <p:spPr>
           <a:xfrm>
-            <a:off x="6443133" y="2667000"/>
-            <a:ext cx="4604280" cy="576262"/>
+            <a:off x="6880487" y="2667000"/>
+            <a:ext cx="4622537" cy="576262"/>
           </a:xfrm>
         </p:spPr>
         <p:txBody>
@@ -3790,7 +4151,13 @@
           <a:lstStyle>
             <a:lvl1pPr marL="0" indent="0">
               <a:buNone/>
-              <a:defRPr sz="2800" b="0"/>
+              <a:defRPr sz="2800" b="0">
+                <a:solidFill>
+                  <a:schemeClr val="accent1">
+                    <a:lumMod val="75000"/>
+                  </a:schemeClr>
+                </a:solidFill>
+              </a:defRPr>
             </a:lvl1pPr>
             <a:lvl2pPr marL="457200" indent="0">
               <a:buNone/>
@@ -3828,8 +4195,8 @@
           <a:p>
             <a:pPr lvl="0"/>
             <a:r>
-              <a:rPr lang="es-ES" smtClean="0"/>
-              <a:t>Haga clic para modificar el estilo de texto del patrón</a:t>
+              <a:rPr lang="es-ES"/>
+              <a:t>Editar el estilo de texto del patrón</a:t>
             </a:r>
           </a:p>
         </p:txBody>
@@ -3846,8 +4213,8 @@
         </p:nvSpPr>
         <p:spPr>
           <a:xfrm>
-            <a:off x="6170612" y="3243262"/>
-            <a:ext cx="4876801" cy="2547937"/>
+            <a:off x="6607967" y="3335337"/>
+            <a:ext cx="4895056" cy="2455862"/>
           </a:xfrm>
         </p:spPr>
         <p:txBody>
@@ -3886,35 +4253,35 @@
           <a:p>
             <a:pPr lvl="0"/>
             <a:r>
-              <a:rPr lang="es-ES" smtClean="0"/>
-              <a:t>Haga clic para modificar el estilo de texto del patrón</a:t>
+              <a:rPr lang="es-ES"/>
+              <a:t>Editar el estilo de texto del patrón</a:t>
             </a:r>
           </a:p>
           <a:p>
             <a:pPr lvl="1"/>
             <a:r>
-              <a:rPr lang="es-ES" smtClean="0"/>
+              <a:rPr lang="es-ES"/>
               <a:t>Segundo nivel</a:t>
             </a:r>
           </a:p>
           <a:p>
             <a:pPr lvl="2"/>
             <a:r>
-              <a:rPr lang="es-ES" smtClean="0"/>
+              <a:rPr lang="es-ES"/>
               <a:t>Tercer nivel</a:t>
             </a:r>
           </a:p>
           <a:p>
             <a:pPr lvl="3"/>
             <a:r>
-              <a:rPr lang="es-ES" smtClean="0"/>
+              <a:rPr lang="es-ES"/>
               <a:t>Cuarto nivel</a:t>
             </a:r>
           </a:p>
           <a:p>
             <a:pPr lvl="4"/>
             <a:r>
-              <a:rPr lang="es-ES" smtClean="0"/>
+              <a:rPr lang="es-ES"/>
               <a:t>Quinto nivel</a:t>
             </a:r>
             <a:endParaRPr lang="en-US" dirty="0"/>
@@ -3938,7 +4305,7 @@
           <a:p>
             <a:fld id="{31CFFE79-46A1-424C-84BE-F2B108BAF953}" type="datetimeFigureOut">
               <a:rPr lang="es-ES" smtClean="0"/>
-              <a:t>10/04/2017</a:t>
+              <a:t>11/04/2017</a:t>
             </a:fld>
             <a:endParaRPr lang="es-ES"/>
           </a:p>
@@ -3989,7 +4356,7 @@
     </p:spTree>
     <p:extLst>
       <p:ext uri="{BB962C8B-B14F-4D97-AF65-F5344CB8AC3E}">
-        <p14:creationId xmlns:p14="http://schemas.microsoft.com/office/powerpoint/2010/main" val="1928628527"/>
+        <p14:creationId xmlns:p14="http://schemas.microsoft.com/office/powerpoint/2010/main" val="3775588899"/>
       </p:ext>
     </p:extLst>
   </p:cSld>
@@ -4032,7 +4399,7 @@
           <a:lstStyle/>
           <a:p>
             <a:r>
-              <a:rPr lang="es-ES" smtClean="0"/>
+              <a:rPr lang="es-ES"/>
               <a:t>Haga clic para modificar el estilo de título del patrón</a:t>
             </a:r>
             <a:endParaRPr lang="en-US" dirty="0"/>
@@ -4056,7 +4423,7 @@
           <a:p>
             <a:fld id="{31CFFE79-46A1-424C-84BE-F2B108BAF953}" type="datetimeFigureOut">
               <a:rPr lang="es-ES" smtClean="0"/>
-              <a:t>10/04/2017</a:t>
+              <a:t>11/04/2017</a:t>
             </a:fld>
             <a:endParaRPr lang="es-ES"/>
           </a:p>
@@ -4107,7 +4474,7 @@
     </p:spTree>
     <p:extLst>
       <p:ext uri="{BB962C8B-B14F-4D97-AF65-F5344CB8AC3E}">
-        <p14:creationId xmlns:p14="http://schemas.microsoft.com/office/powerpoint/2010/main" val="3643976537"/>
+        <p14:creationId xmlns:p14="http://schemas.microsoft.com/office/powerpoint/2010/main" val="1778036470"/>
       </p:ext>
     </p:extLst>
   </p:cSld>
@@ -4151,7 +4518,7 @@
           <a:p>
             <a:fld id="{31CFFE79-46A1-424C-84BE-F2B108BAF953}" type="datetimeFigureOut">
               <a:rPr lang="es-ES" smtClean="0"/>
-              <a:t>10/04/2017</a:t>
+              <a:t>11/04/2017</a:t>
             </a:fld>
             <a:endParaRPr lang="es-ES"/>
           </a:p>
@@ -4202,7 +4569,7 @@
     </p:spTree>
     <p:extLst>
       <p:ext uri="{BB962C8B-B14F-4D97-AF65-F5344CB8AC3E}">
-        <p14:creationId xmlns:p14="http://schemas.microsoft.com/office/powerpoint/2010/main" val="1112787926"/>
+        <p14:creationId xmlns:p14="http://schemas.microsoft.com/office/powerpoint/2010/main" val="949680799"/>
       </p:ext>
     </p:extLst>
   </p:cSld>
@@ -4241,7 +4608,7 @@
         </p:nvSpPr>
         <p:spPr>
           <a:xfrm>
-            <a:off x="1141411" y="1600200"/>
+            <a:off x="1484312" y="1600200"/>
             <a:ext cx="3549121" cy="1371600"/>
           </a:xfrm>
         </p:spPr>
@@ -4250,13 +4617,13 @@
             <a:normAutofit/>
           </a:bodyPr>
           <a:lstStyle>
-            <a:lvl1pPr algn="l">
+            <a:lvl1pPr algn="ctr">
               <a:defRPr sz="2400" b="0"/>
             </a:lvl1pPr>
           </a:lstStyle>
           <a:p>
             <a:r>
-              <a:rPr lang="es-ES" smtClean="0"/>
+              <a:rPr lang="es-ES"/>
               <a:t>Haga clic para modificar el estilo de título del patrón</a:t>
             </a:r>
             <a:endParaRPr lang="en-US" dirty="0"/>
@@ -4275,8 +4642,8 @@
         </p:nvSpPr>
         <p:spPr>
           <a:xfrm>
-            <a:off x="5103812" y="609601"/>
-            <a:ext cx="5943601" cy="5181600"/>
+            <a:off x="5262033" y="685799"/>
+            <a:ext cx="6240990" cy="5105401"/>
           </a:xfrm>
         </p:spPr>
         <p:txBody>
@@ -4315,35 +4682,35 @@
           <a:p>
             <a:pPr lvl="0"/>
             <a:r>
-              <a:rPr lang="es-ES" smtClean="0"/>
-              <a:t>Haga clic para modificar el estilo de texto del patrón</a:t>
+              <a:rPr lang="es-ES"/>
+              <a:t>Editar el estilo de texto del patrón</a:t>
             </a:r>
           </a:p>
           <a:p>
             <a:pPr lvl="1"/>
             <a:r>
-              <a:rPr lang="es-ES" smtClean="0"/>
+              <a:rPr lang="es-ES"/>
               <a:t>Segundo nivel</a:t>
             </a:r>
           </a:p>
           <a:p>
             <a:pPr lvl="2"/>
             <a:r>
-              <a:rPr lang="es-ES" smtClean="0"/>
+              <a:rPr lang="es-ES"/>
               <a:t>Tercer nivel</a:t>
             </a:r>
           </a:p>
           <a:p>
             <a:pPr lvl="3"/>
             <a:r>
-              <a:rPr lang="es-ES" smtClean="0"/>
+              <a:rPr lang="es-ES"/>
               <a:t>Cuarto nivel</a:t>
             </a:r>
           </a:p>
           <a:p>
             <a:pPr lvl="4"/>
             <a:r>
-              <a:rPr lang="es-ES" smtClean="0"/>
+              <a:rPr lang="es-ES"/>
               <a:t>Quinto nivel</a:t>
             </a:r>
             <a:endParaRPr lang="en-US" dirty="0"/>
@@ -4362,7 +4729,7 @@
         </p:nvSpPr>
         <p:spPr>
           <a:xfrm>
-            <a:off x="1141411" y="2971800"/>
+            <a:off x="1484312" y="2971800"/>
             <a:ext cx="3549121" cy="1828800"/>
           </a:xfrm>
         </p:spPr>
@@ -4371,7 +4738,7 @@
             <a:normAutofit/>
           </a:bodyPr>
           <a:lstStyle>
-            <a:lvl1pPr marL="0" indent="0">
+            <a:lvl1pPr marL="0" indent="0" algn="ctr">
               <a:buNone/>
               <a:defRPr sz="1600"/>
             </a:lvl1pPr>
@@ -4411,8 +4778,8 @@
           <a:p>
             <a:pPr lvl="0"/>
             <a:r>
-              <a:rPr lang="es-ES" smtClean="0"/>
-              <a:t>Haga clic para modificar el estilo de texto del patrón</a:t>
+              <a:rPr lang="es-ES"/>
+              <a:t>Editar el estilo de texto del patrón</a:t>
             </a:r>
           </a:p>
         </p:txBody>
@@ -4434,7 +4801,7 @@
           <a:p>
             <a:fld id="{31CFFE79-46A1-424C-84BE-F2B108BAF953}" type="datetimeFigureOut">
               <a:rPr lang="es-ES" smtClean="0"/>
-              <a:t>10/04/2017</a:t>
+              <a:t>11/04/2017</a:t>
             </a:fld>
             <a:endParaRPr lang="es-ES"/>
           </a:p>
@@ -4485,7 +4852,7 @@
     </p:spTree>
     <p:extLst>
       <p:ext uri="{BB962C8B-B14F-4D97-AF65-F5344CB8AC3E}">
-        <p14:creationId xmlns:p14="http://schemas.microsoft.com/office/powerpoint/2010/main" val="1068031028"/>
+        <p14:creationId xmlns:p14="http://schemas.microsoft.com/office/powerpoint/2010/main" val="802182795"/>
       </p:ext>
     </p:extLst>
   </p:cSld>
@@ -4524,8 +4891,8 @@
         </p:nvSpPr>
         <p:spPr>
           <a:xfrm>
-            <a:off x="1141411" y="1600200"/>
-            <a:ext cx="5334001" cy="1371600"/>
+            <a:off x="1482724" y="1752599"/>
+            <a:ext cx="5426158" cy="1371600"/>
           </a:xfrm>
         </p:spPr>
         <p:txBody>
@@ -4533,13 +4900,13 @@
             <a:normAutofit/>
           </a:bodyPr>
           <a:lstStyle>
-            <a:lvl1pPr algn="l">
+            <a:lvl1pPr algn="ctr">
               <a:defRPr sz="2800" b="0"/>
             </a:lvl1pPr>
           </a:lstStyle>
           <a:p>
             <a:r>
-              <a:rPr lang="es-ES" smtClean="0"/>
+              <a:rPr lang="es-ES"/>
               <a:t>Haga clic para modificar el estilo de título del patrón</a:t>
             </a:r>
             <a:endParaRPr lang="en-US" dirty="0"/>
@@ -4558,9 +4925,14 @@
         </p:nvSpPr>
         <p:spPr>
           <a:xfrm>
-            <a:off x="7433733" y="-18288"/>
-            <a:ext cx="3276599" cy="6903720"/>
-          </a:xfrm>
+            <a:off x="7594682" y="914400"/>
+            <a:ext cx="3280974" cy="4572000"/>
+          </a:xfrm>
+          <a:prstGeom prst="roundRect">
+            <a:avLst>
+              <a:gd name="adj" fmla="val 4280"/>
+            </a:avLst>
+          </a:prstGeom>
           <a:ln w="38100">
             <a:gradFill flip="none" rotWithShape="1">
               <a:gsLst>
@@ -4578,7 +4950,7 @@
             </a:gradFill>
           </a:ln>
           <a:effectLst>
-            <a:innerShdw blurRad="57150" dist="38100" dir="10800000">
+            <a:innerShdw blurRad="57150" dist="38100" dir="14460000">
               <a:srgbClr val="000000">
                 <a:alpha val="70000"/>
               </a:srgbClr>
@@ -4629,7 +5001,7 @@
           </a:lstStyle>
           <a:p>
             <a:r>
-              <a:rPr lang="es-ES" smtClean="0"/>
+              <a:rPr lang="es-ES"/>
               <a:t>Haga clic en el icono para agregar una imagen</a:t>
             </a:r>
             <a:endParaRPr lang="en-US" dirty="0"/>
@@ -4648,8 +5020,8 @@
         </p:nvSpPr>
         <p:spPr>
           <a:xfrm>
-            <a:off x="1141411" y="2971800"/>
-            <a:ext cx="5334001" cy="1828800"/>
+            <a:off x="1482724" y="3124199"/>
+            <a:ext cx="5426158" cy="1828800"/>
           </a:xfrm>
         </p:spPr>
         <p:txBody>
@@ -4657,7 +5029,7 @@
             <a:normAutofit/>
           </a:bodyPr>
           <a:lstStyle>
-            <a:lvl1pPr marL="0" indent="0">
+            <a:lvl1pPr marL="0" indent="0" algn="ctr">
               <a:buNone/>
               <a:defRPr sz="1800"/>
             </a:lvl1pPr>
@@ -4697,8 +5069,8 @@
           <a:p>
             <a:pPr lvl="0"/>
             <a:r>
-              <a:rPr lang="es-ES" smtClean="0"/>
-              <a:t>Haga clic para modificar el estilo de texto del patrón</a:t>
+              <a:rPr lang="es-ES"/>
+              <a:t>Editar el estilo de texto del patrón</a:t>
             </a:r>
           </a:p>
         </p:txBody>
@@ -4713,19 +5085,14 @@
             <p:ph type="dt" sz="half" idx="10"/>
           </p:nvPr>
         </p:nvSpPr>
-        <p:spPr>
-          <a:xfrm>
-            <a:off x="6399212" y="5883275"/>
-            <a:ext cx="914400" cy="365125"/>
-          </a:xfrm>
-        </p:spPr>
+        <p:spPr/>
         <p:txBody>
           <a:bodyPr/>
           <a:lstStyle/>
           <a:p>
             <a:fld id="{31CFFE79-46A1-424C-84BE-F2B108BAF953}" type="datetimeFigureOut">
               <a:rPr lang="es-ES" smtClean="0"/>
-              <a:t>10/04/2017</a:t>
+              <a:t>11/04/2017</a:t>
             </a:fld>
             <a:endParaRPr lang="es-ES"/>
           </a:p>
@@ -4741,12 +5108,7 @@
             <p:ph type="ftr" sz="quarter" idx="11"/>
           </p:nvPr>
         </p:nvSpPr>
-        <p:spPr>
-          <a:xfrm>
-            <a:off x="1141412" y="5883275"/>
-            <a:ext cx="5105400" cy="365125"/>
-          </a:xfrm>
-        </p:spPr>
+        <p:spPr/>
         <p:txBody>
           <a:bodyPr/>
           <a:lstStyle/>
@@ -4765,12 +5127,7 @@
             <p:ph type="sldNum" sz="quarter" idx="12"/>
           </p:nvPr>
         </p:nvSpPr>
-        <p:spPr>
-          <a:xfrm>
-            <a:off x="10742612" y="5883275"/>
-            <a:ext cx="322567" cy="365125"/>
-          </a:xfrm>
-        </p:spPr>
+        <p:spPr/>
         <p:txBody>
           <a:bodyPr/>
           <a:lstStyle/>
@@ -4786,7 +5143,7 @@
     </p:spTree>
     <p:extLst>
       <p:ext uri="{BB962C8B-B14F-4D97-AF65-F5344CB8AC3E}">
-        <p14:creationId xmlns:p14="http://schemas.microsoft.com/office/powerpoint/2010/main" val="2730950445"/>
+        <p14:creationId xmlns:p14="http://schemas.microsoft.com/office/powerpoint/2010/main" val="1827206182"/>
       </p:ext>
     </p:extLst>
   </p:cSld>
@@ -4818,6 +5175,322 @@
           <a:chExt cx="0" cy="0"/>
         </a:xfrm>
       </p:grpSpPr>
+      <p:grpSp>
+        <p:nvGrpSpPr>
+          <p:cNvPr id="7" name="Group 6"/>
+          <p:cNvGrpSpPr/>
+          <p:nvPr/>
+        </p:nvGrpSpPr>
+        <p:grpSpPr>
+          <a:xfrm>
+            <a:off x="150812" y="0"/>
+            <a:ext cx="2436813" cy="6858001"/>
+            <a:chOff x="1320800" y="0"/>
+            <a:chExt cx="2436813" cy="6858001"/>
+          </a:xfrm>
+        </p:grpSpPr>
+        <p:sp>
+          <p:nvSpPr>
+            <p:cNvPr id="8" name="Freeform 6"/>
+            <p:cNvSpPr/>
+            <p:nvPr/>
+          </p:nvSpPr>
+          <p:spPr bwMode="auto">
+            <a:xfrm>
+              <a:off x="1627188" y="0"/>
+              <a:ext cx="1122363" cy="5329238"/>
+            </a:xfrm>
+            <a:custGeom>
+              <a:avLst/>
+              <a:gdLst/>
+              <a:ahLst/>
+              <a:cxnLst/>
+              <a:rect l="0" t="0" r="r" b="b"/>
+              <a:pathLst>
+                <a:path w="707" h="3357">
+                  <a:moveTo>
+                    <a:pt x="0" y="3330"/>
+                  </a:moveTo>
+                  <a:lnTo>
+                    <a:pt x="156" y="3357"/>
+                  </a:lnTo>
+                  <a:lnTo>
+                    <a:pt x="707" y="0"/>
+                  </a:lnTo>
+                  <a:lnTo>
+                    <a:pt x="547" y="0"/>
+                  </a:lnTo>
+                  <a:lnTo>
+                    <a:pt x="0" y="3330"/>
+                  </a:lnTo>
+                  <a:close/>
+                </a:path>
+              </a:pathLst>
+            </a:custGeom>
+            <a:solidFill>
+              <a:schemeClr val="accent1"/>
+            </a:solidFill>
+            <a:ln>
+              <a:noFill/>
+            </a:ln>
+          </p:spPr>
+        </p:sp>
+        <p:sp>
+          <p:nvSpPr>
+            <p:cNvPr id="9" name="Freeform 7"/>
+            <p:cNvSpPr/>
+            <p:nvPr/>
+          </p:nvSpPr>
+          <p:spPr bwMode="auto">
+            <a:xfrm>
+              <a:off x="1320800" y="0"/>
+              <a:ext cx="1117600" cy="5276850"/>
+            </a:xfrm>
+            <a:custGeom>
+              <a:avLst/>
+              <a:gdLst/>
+              <a:ahLst/>
+              <a:cxnLst/>
+              <a:rect l="0" t="0" r="r" b="b"/>
+              <a:pathLst>
+                <a:path w="704" h="3324">
+                  <a:moveTo>
+                    <a:pt x="704" y="0"/>
+                  </a:moveTo>
+                  <a:lnTo>
+                    <a:pt x="545" y="0"/>
+                  </a:lnTo>
+                  <a:lnTo>
+                    <a:pt x="0" y="3300"/>
+                  </a:lnTo>
+                  <a:lnTo>
+                    <a:pt x="157" y="3324"/>
+                  </a:lnTo>
+                  <a:lnTo>
+                    <a:pt x="704" y="0"/>
+                  </a:lnTo>
+                  <a:close/>
+                </a:path>
+              </a:pathLst>
+            </a:custGeom>
+            <a:solidFill>
+              <a:schemeClr val="tx1">
+                <a:lumMod val="65000"/>
+                <a:lumOff val="35000"/>
+              </a:schemeClr>
+            </a:solidFill>
+            <a:ln>
+              <a:noFill/>
+            </a:ln>
+          </p:spPr>
+        </p:sp>
+        <p:sp>
+          <p:nvSpPr>
+            <p:cNvPr id="10" name="Freeform 8"/>
+            <p:cNvSpPr/>
+            <p:nvPr/>
+          </p:nvSpPr>
+          <p:spPr bwMode="auto">
+            <a:xfrm>
+              <a:off x="1320800" y="5238750"/>
+              <a:ext cx="1228725" cy="1619250"/>
+            </a:xfrm>
+            <a:custGeom>
+              <a:avLst/>
+              <a:gdLst/>
+              <a:ahLst/>
+              <a:cxnLst/>
+              <a:rect l="0" t="0" r="r" b="b"/>
+              <a:pathLst>
+                <a:path w="774" h="1020">
+                  <a:moveTo>
+                    <a:pt x="0" y="0"/>
+                  </a:moveTo>
+                  <a:lnTo>
+                    <a:pt x="740" y="1020"/>
+                  </a:lnTo>
+                  <a:lnTo>
+                    <a:pt x="774" y="1020"/>
+                  </a:lnTo>
+                  <a:lnTo>
+                    <a:pt x="0" y="0"/>
+                  </a:lnTo>
+                  <a:close/>
+                </a:path>
+              </a:pathLst>
+            </a:custGeom>
+            <a:solidFill>
+              <a:schemeClr val="tx1">
+                <a:lumMod val="85000"/>
+                <a:lumOff val="15000"/>
+              </a:schemeClr>
+            </a:solidFill>
+            <a:ln>
+              <a:noFill/>
+            </a:ln>
+          </p:spPr>
+        </p:sp>
+        <p:sp>
+          <p:nvSpPr>
+            <p:cNvPr id="11" name="Freeform 9"/>
+            <p:cNvSpPr/>
+            <p:nvPr/>
+          </p:nvSpPr>
+          <p:spPr bwMode="auto">
+            <a:xfrm>
+              <a:off x="1627188" y="5291138"/>
+              <a:ext cx="1495425" cy="1566863"/>
+            </a:xfrm>
+            <a:custGeom>
+              <a:avLst/>
+              <a:gdLst/>
+              <a:ahLst/>
+              <a:cxnLst/>
+              <a:rect l="0" t="0" r="r" b="b"/>
+              <a:pathLst>
+                <a:path w="942" h="987">
+                  <a:moveTo>
+                    <a:pt x="0" y="0"/>
+                  </a:moveTo>
+                  <a:lnTo>
+                    <a:pt x="909" y="987"/>
+                  </a:lnTo>
+                  <a:lnTo>
+                    <a:pt x="942" y="987"/>
+                  </a:lnTo>
+                  <a:lnTo>
+                    <a:pt x="0" y="0"/>
+                  </a:lnTo>
+                  <a:close/>
+                </a:path>
+              </a:pathLst>
+            </a:custGeom>
+            <a:solidFill>
+              <a:schemeClr val="accent1">
+                <a:lumMod val="50000"/>
+              </a:schemeClr>
+            </a:solidFill>
+            <a:ln>
+              <a:noFill/>
+            </a:ln>
+          </p:spPr>
+        </p:sp>
+        <p:sp>
+          <p:nvSpPr>
+            <p:cNvPr id="12" name="Freeform 10"/>
+            <p:cNvSpPr/>
+            <p:nvPr/>
+          </p:nvSpPr>
+          <p:spPr bwMode="auto">
+            <a:xfrm>
+              <a:off x="1627188" y="5286375"/>
+              <a:ext cx="2130425" cy="1571625"/>
+            </a:xfrm>
+            <a:custGeom>
+              <a:avLst/>
+              <a:gdLst/>
+              <a:ahLst/>
+              <a:cxnLst/>
+              <a:rect l="0" t="0" r="r" b="b"/>
+              <a:pathLst>
+                <a:path w="1342" h="990">
+                  <a:moveTo>
+                    <a:pt x="0" y="3"/>
+                  </a:moveTo>
+                  <a:lnTo>
+                    <a:pt x="942" y="990"/>
+                  </a:lnTo>
+                  <a:lnTo>
+                    <a:pt x="1342" y="990"/>
+                  </a:lnTo>
+                  <a:lnTo>
+                    <a:pt x="156" y="27"/>
+                  </a:lnTo>
+                  <a:lnTo>
+                    <a:pt x="0" y="0"/>
+                  </a:lnTo>
+                  <a:lnTo>
+                    <a:pt x="0" y="3"/>
+                  </a:lnTo>
+                  <a:close/>
+                </a:path>
+              </a:pathLst>
+            </a:custGeom>
+            <a:solidFill>
+              <a:schemeClr val="accent1">
+                <a:lumMod val="75000"/>
+              </a:schemeClr>
+            </a:solidFill>
+            <a:ln>
+              <a:noFill/>
+            </a:ln>
+          </p:spPr>
+        </p:sp>
+        <p:sp>
+          <p:nvSpPr>
+            <p:cNvPr id="13" name="Freeform 11"/>
+            <p:cNvSpPr/>
+            <p:nvPr/>
+          </p:nvSpPr>
+          <p:spPr bwMode="auto">
+            <a:xfrm>
+              <a:off x="1320800" y="5238750"/>
+              <a:ext cx="1695450" cy="1619250"/>
+            </a:xfrm>
+            <a:custGeom>
+              <a:avLst/>
+              <a:gdLst/>
+              <a:ahLst/>
+              <a:cxnLst/>
+              <a:rect l="0" t="0" r="r" b="b"/>
+              <a:pathLst>
+                <a:path w="1068" h="1020">
+                  <a:moveTo>
+                    <a:pt x="1068" y="1020"/>
+                  </a:moveTo>
+                  <a:lnTo>
+                    <a:pt x="184" y="60"/>
+                  </a:lnTo>
+                  <a:lnTo>
+                    <a:pt x="154" y="27"/>
+                  </a:lnTo>
+                  <a:lnTo>
+                    <a:pt x="157" y="27"/>
+                  </a:lnTo>
+                  <a:lnTo>
+                    <a:pt x="157" y="24"/>
+                  </a:lnTo>
+                  <a:lnTo>
+                    <a:pt x="154" y="24"/>
+                  </a:lnTo>
+                  <a:lnTo>
+                    <a:pt x="0" y="0"/>
+                  </a:lnTo>
+                  <a:lnTo>
+                    <a:pt x="0" y="0"/>
+                  </a:lnTo>
+                  <a:lnTo>
+                    <a:pt x="774" y="1020"/>
+                  </a:lnTo>
+                  <a:lnTo>
+                    <a:pt x="1068" y="1020"/>
+                  </a:lnTo>
+                  <a:close/>
+                </a:path>
+              </a:pathLst>
+            </a:custGeom>
+            <a:solidFill>
+              <a:schemeClr val="tx1">
+                <a:lumMod val="75000"/>
+                <a:lumOff val="25000"/>
+              </a:schemeClr>
+            </a:solidFill>
+            <a:ln>
+              <a:noFill/>
+            </a:ln>
+          </p:spPr>
+        </p:sp>
+      </p:grpSp>
       <p:sp>
         <p:nvSpPr>
           <p:cNvPr id="2" name="Title Placeholder 1"/>
@@ -4830,12 +5503,13 @@
         </p:nvSpPr>
         <p:spPr>
           <a:xfrm>
-            <a:off x="1141413" y="609600"/>
-            <a:ext cx="9905998" cy="1905000"/>
+            <a:off x="1484311" y="685800"/>
+            <a:ext cx="10018713" cy="1752599"/>
           </a:xfrm>
           <a:prstGeom prst="rect">
             <a:avLst/>
           </a:prstGeom>
+          <a:effectLst/>
         </p:spPr>
         <p:txBody>
           <a:bodyPr vert="horz" lIns="91440" tIns="45720" rIns="91440" bIns="45720" rtlCol="0" anchor="ctr">
@@ -4844,7 +5518,7 @@
           <a:lstStyle/>
           <a:p>
             <a:r>
-              <a:rPr lang="es-ES" smtClean="0"/>
+              <a:rPr lang="es-ES"/>
               <a:t>Haga clic para modificar el estilo de título del patrón</a:t>
             </a:r>
             <a:endParaRPr lang="en-US" dirty="0"/>
@@ -4863,8 +5537,8 @@
         </p:nvSpPr>
         <p:spPr>
           <a:xfrm>
-            <a:off x="1141413" y="2666999"/>
-            <a:ext cx="9905998" cy="3124201"/>
+            <a:off x="1484310" y="2666999"/>
+            <a:ext cx="10018713" cy="3124201"/>
           </a:xfrm>
           <a:prstGeom prst="rect">
             <a:avLst/>
@@ -4878,35 +5552,35 @@
           <a:p>
             <a:pPr lvl="0"/>
             <a:r>
-              <a:rPr lang="es-ES" smtClean="0"/>
-              <a:t>Haga clic para modificar el estilo de texto del patrón</a:t>
+              <a:rPr lang="es-ES"/>
+              <a:t>Editar el estilo de texto del patrón</a:t>
             </a:r>
           </a:p>
           <a:p>
             <a:pPr lvl="1"/>
             <a:r>
-              <a:rPr lang="es-ES" smtClean="0"/>
+              <a:rPr lang="es-ES"/>
               <a:t>Segundo nivel</a:t>
             </a:r>
           </a:p>
           <a:p>
             <a:pPr lvl="2"/>
             <a:r>
-              <a:rPr lang="es-ES" smtClean="0"/>
+              <a:rPr lang="es-ES"/>
               <a:t>Tercer nivel</a:t>
             </a:r>
           </a:p>
           <a:p>
             <a:pPr lvl="3"/>
             <a:r>
-              <a:rPr lang="es-ES" smtClean="0"/>
+              <a:rPr lang="es-ES"/>
               <a:t>Cuarto nivel</a:t>
             </a:r>
           </a:p>
           <a:p>
             <a:pPr lvl="4"/>
             <a:r>
-              <a:rPr lang="es-ES" smtClean="0"/>
+              <a:rPr lang="es-ES"/>
               <a:t>Quinto nivel</a:t>
             </a:r>
             <a:endParaRPr lang="en-US" dirty="0"/>
@@ -4925,8 +5599,8 @@
         </p:nvSpPr>
         <p:spPr>
           <a:xfrm>
-            <a:off x="8837612" y="5883275"/>
-            <a:ext cx="1600200" cy="365125"/>
+            <a:off x="9732656" y="5883275"/>
+            <a:ext cx="1143000" cy="365125"/>
           </a:xfrm>
           <a:prstGeom prst="rect">
             <a:avLst/>
@@ -4936,19 +5610,11 @@
           <a:bodyPr vert="horz" lIns="91440" tIns="45720" rIns="91440" bIns="45720" rtlCol="0" anchor="ctr"/>
           <a:lstStyle>
             <a:lvl1pPr algn="r">
-              <a:defRPr sz="900" b="1" i="0">
-                <a:solidFill>
-                  <a:schemeClr val="tx1">
-                    <a:lumMod val="75000"/>
-                  </a:schemeClr>
-                </a:solidFill>
-                <a:effectLst>
-                  <a:outerShdw blurRad="50800" dist="38100" dir="2700000" algn="tl" rotWithShape="0">
-                    <a:srgbClr val="000000">
-                      <a:alpha val="43000"/>
-                    </a:srgbClr>
-                  </a:outerShdw>
-                </a:effectLst>
+              <a:defRPr sz="1000" b="0" i="0">
+                <a:solidFill>
+                  <a:schemeClr val="tx1"/>
+                </a:solidFill>
+                <a:effectLst/>
                 <a:latin typeface="+mn-lt"/>
               </a:defRPr>
             </a:lvl1pPr>
@@ -4956,7 +5622,7 @@
           <a:p>
             <a:fld id="{31CFFE79-46A1-424C-84BE-F2B108BAF953}" type="datetimeFigureOut">
               <a:rPr lang="es-ES" smtClean="0"/>
-              <a:t>10/04/2017</a:t>
+              <a:t>11/04/2017</a:t>
             </a:fld>
             <a:endParaRPr lang="es-ES"/>
           </a:p>
@@ -4974,8 +5640,8 @@
         </p:nvSpPr>
         <p:spPr>
           <a:xfrm>
-            <a:off x="1141412" y="5883275"/>
-            <a:ext cx="7543800" cy="365125"/>
+            <a:off x="2572279" y="5883275"/>
+            <a:ext cx="7084177" cy="365125"/>
           </a:xfrm>
           <a:prstGeom prst="rect">
             <a:avLst/>
@@ -4985,19 +5651,11 @@
           <a:bodyPr vert="horz" lIns="91440" tIns="45720" rIns="91440" bIns="45720" rtlCol="0" anchor="ctr"/>
           <a:lstStyle>
             <a:lvl1pPr algn="l">
-              <a:defRPr sz="900" b="1" i="0">
-                <a:solidFill>
-                  <a:schemeClr val="tx1">
-                    <a:lumMod val="75000"/>
-                  </a:schemeClr>
-                </a:solidFill>
-                <a:effectLst>
-                  <a:outerShdw blurRad="50800" dist="38100" dir="2700000" algn="tl" rotWithShape="0">
-                    <a:srgbClr val="000000">
-                      <a:alpha val="43000"/>
-                    </a:srgbClr>
-                  </a:outerShdw>
-                </a:effectLst>
+              <a:defRPr sz="1000" b="0" i="0">
+                <a:solidFill>
+                  <a:schemeClr val="tx1"/>
+                </a:solidFill>
+                <a:effectLst/>
                 <a:latin typeface="+mn-lt"/>
               </a:defRPr>
             </a:lvl1pPr>
@@ -5019,7 +5677,7 @@
         </p:nvSpPr>
         <p:spPr>
           <a:xfrm>
-            <a:off x="10514012" y="5883275"/>
+            <a:off x="10951856" y="5883275"/>
             <a:ext cx="551167" cy="365125"/>
           </a:xfrm>
           <a:prstGeom prst="rect">
@@ -5030,19 +5688,11 @@
           <a:bodyPr vert="horz" lIns="91440" tIns="45720" rIns="91440" bIns="45720" rtlCol="0" anchor="ctr"/>
           <a:lstStyle>
             <a:lvl1pPr algn="r">
-              <a:defRPr sz="900" b="1" i="0">
-                <a:solidFill>
-                  <a:schemeClr val="tx1">
-                    <a:lumMod val="75000"/>
-                  </a:schemeClr>
-                </a:solidFill>
-                <a:effectLst>
-                  <a:outerShdw blurRad="50800" dist="38100" dir="2700000" algn="tl" rotWithShape="0">
-                    <a:srgbClr val="000000">
-                      <a:alpha val="43000"/>
-                    </a:srgbClr>
-                  </a:outerShdw>
-                </a:effectLst>
+              <a:defRPr sz="1000" b="0" i="0">
+                <a:solidFill>
+                  <a:schemeClr val="tx1"/>
+                </a:solidFill>
+                <a:effectLst/>
                 <a:latin typeface="+mn-lt"/>
               </a:defRPr>
             </a:lvl1pPr>
@@ -5059,69 +5709,45 @@
     </p:spTree>
     <p:extLst>
       <p:ext uri="{BB962C8B-B14F-4D97-AF65-F5344CB8AC3E}">
-        <p14:creationId xmlns:p14="http://schemas.microsoft.com/office/powerpoint/2010/main" val="2161052183"/>
+        <p14:creationId xmlns:p14="http://schemas.microsoft.com/office/powerpoint/2010/main" val="2449732594"/>
       </p:ext>
     </p:extLst>
   </p:cSld>
-  <p:clrMap bg1="dk1" tx1="lt1" bg2="dk2" tx2="lt2" accent1="accent1" accent2="accent2" accent3="accent3" accent4="accent4" accent5="accent5" accent6="accent6" hlink="hlink" folHlink="folHlink"/>
+  <p:clrMap bg1="lt1" tx1="dk1" bg2="lt2" tx2="dk2" accent1="accent1" accent2="accent2" accent3="accent3" accent4="accent4" accent5="accent5" accent6="accent6" hlink="hlink" folHlink="folHlink"/>
   <p:sldLayoutIdLst>
-    <p:sldLayoutId id="2147483756" r:id="rId1"/>
-    <p:sldLayoutId id="2147483757" r:id="rId2"/>
-    <p:sldLayoutId id="2147483758" r:id="rId3"/>
-    <p:sldLayoutId id="2147483759" r:id="rId4"/>
-    <p:sldLayoutId id="2147483760" r:id="rId5"/>
-    <p:sldLayoutId id="2147483761" r:id="rId6"/>
-    <p:sldLayoutId id="2147483762" r:id="rId7"/>
-    <p:sldLayoutId id="2147483763" r:id="rId8"/>
-    <p:sldLayoutId id="2147483764" r:id="rId9"/>
-    <p:sldLayoutId id="2147483765" r:id="rId10"/>
-    <p:sldLayoutId id="2147483766" r:id="rId11"/>
-    <p:sldLayoutId id="2147483767" r:id="rId12"/>
-    <p:sldLayoutId id="2147483768" r:id="rId13"/>
-    <p:sldLayoutId id="2147483769" r:id="rId14"/>
-    <p:sldLayoutId id="2147483770" r:id="rId15"/>
-    <p:sldLayoutId id="2147483771" r:id="rId16"/>
-    <p:sldLayoutId id="2147483772" r:id="rId17"/>
+    <p:sldLayoutId id="2147483846" r:id="rId1"/>
+    <p:sldLayoutId id="2147483847" r:id="rId2"/>
+    <p:sldLayoutId id="2147483848" r:id="rId3"/>
+    <p:sldLayoutId id="2147483849" r:id="rId4"/>
+    <p:sldLayoutId id="2147483850" r:id="rId5"/>
+    <p:sldLayoutId id="2147483851" r:id="rId6"/>
+    <p:sldLayoutId id="2147483852" r:id="rId7"/>
+    <p:sldLayoutId id="2147483853" r:id="rId8"/>
+    <p:sldLayoutId id="2147483854" r:id="rId9"/>
+    <p:sldLayoutId id="2147483855" r:id="rId10"/>
+    <p:sldLayoutId id="2147483856" r:id="rId11"/>
+    <p:sldLayoutId id="2147483857" r:id="rId12"/>
+    <p:sldLayoutId id="2147483858" r:id="rId13"/>
+    <p:sldLayoutId id="2147483859" r:id="rId14"/>
+    <p:sldLayoutId id="2147483860" r:id="rId15"/>
+    <p:sldLayoutId id="2147483861" r:id="rId16"/>
+    <p:sldLayoutId id="2147483862" r:id="rId17"/>
   </p:sldLayoutIdLst>
   <p:txStyles>
     <p:titleStyle>
-      <a:lvl1pPr algn="l" defTabSz="457200" rtl="0" eaLnBrk="1" latinLnBrk="0" hangingPunct="1">
+      <a:lvl1pPr algn="ctr" defTabSz="457200" rtl="0" eaLnBrk="1" latinLnBrk="0" hangingPunct="1">
         <a:spcBef>
           <a:spcPct val="0"/>
         </a:spcBef>
         <a:buNone/>
-        <a:defRPr sz="3200" kern="1200" cap="all">
+        <a:defRPr sz="4000" kern="1200" cap="none">
           <a:ln w="3175" cmpd="sng">
             <a:noFill/>
           </a:ln>
-          <a:gradFill flip="none" rotWithShape="1">
-            <a:gsLst>
-              <a:gs pos="0">
-                <a:schemeClr val="tx1"/>
-              </a:gs>
-              <a:gs pos="100000">
-                <a:schemeClr val="tx1">
-                  <a:lumMod val="65000"/>
-                </a:schemeClr>
-              </a:gs>
-            </a:gsLst>
-            <a:lin ang="5580000" scaled="0"/>
-            <a:tileRect/>
-          </a:gradFill>
-          <a:effectLst>
-            <a:glow rad="38100">
-              <a:schemeClr val="bg1">
-                <a:lumMod val="65000"/>
-                <a:lumOff val="35000"/>
-                <a:alpha val="40000"/>
-              </a:schemeClr>
-            </a:glow>
-            <a:outerShdw blurRad="28575" dist="38100" dir="14040000" algn="tl" rotWithShape="0">
-              <a:srgbClr val="000000">
-                <a:alpha val="25000"/>
-              </a:srgbClr>
-            </a:outerShdw>
-          </a:effectLst>
+          <a:solidFill>
+            <a:schemeClr val="tx1"/>
+          </a:solidFill>
+          <a:effectLst/>
           <a:latin typeface="+mj-lt"/>
           <a:ea typeface="+mj-ea"/>
           <a:cs typeface="+mj-cs"/>
@@ -5193,40 +5819,18 @@
           <a:spcPts val="600"/>
         </a:spcAft>
         <a:buClr>
-          <a:schemeClr val="tx1"/>
+          <a:schemeClr val="accent1">
+            <a:lumMod val="75000"/>
+          </a:schemeClr>
         </a:buClr>
-        <a:buSzPct val="100000"/>
+        <a:buSzPct val="145000"/>
         <a:buFont typeface="Arial"/>
         <a:buChar char="•"/>
-        <a:defRPr sz="2000" kern="1200" cap="small">
-          <a:gradFill flip="none" rotWithShape="1">
-            <a:gsLst>
-              <a:gs pos="0">
-                <a:schemeClr val="tx1"/>
-              </a:gs>
-              <a:gs pos="100000">
-                <a:schemeClr val="tx1">
-                  <a:lumMod val="75000"/>
-                </a:schemeClr>
-              </a:gs>
-            </a:gsLst>
-            <a:lin ang="5580000" scaled="0"/>
-            <a:tileRect/>
-          </a:gradFill>
-          <a:effectLst>
-            <a:glow rad="38100">
-              <a:schemeClr val="bg1">
-                <a:lumMod val="50000"/>
-                <a:lumOff val="50000"/>
-                <a:alpha val="20000"/>
-              </a:schemeClr>
-            </a:glow>
-            <a:outerShdw blurRad="44450" dist="12700" dir="13860000" algn="tl" rotWithShape="0">
-              <a:srgbClr val="000000">
-                <a:alpha val="20000"/>
-              </a:srgbClr>
-            </a:outerShdw>
-          </a:effectLst>
+        <a:defRPr sz="2400" kern="1200" cap="none">
+          <a:solidFill>
+            <a:schemeClr val="tx1"/>
+          </a:solidFill>
+          <a:effectLst/>
           <a:latin typeface="+mn-lt"/>
           <a:ea typeface="+mn-ea"/>
           <a:cs typeface="+mn-cs"/>
@@ -5240,40 +5844,18 @@
           <a:spcPts val="600"/>
         </a:spcAft>
         <a:buClr>
-          <a:schemeClr val="tx1"/>
+          <a:schemeClr val="accent1">
+            <a:lumMod val="75000"/>
+          </a:schemeClr>
         </a:buClr>
-        <a:buSzPct val="100000"/>
+        <a:buSzPct val="145000"/>
         <a:buFont typeface="Arial"/>
         <a:buChar char="•"/>
-        <a:defRPr sz="1800" kern="1200" cap="small">
-          <a:gradFill flip="none" rotWithShape="1">
-            <a:gsLst>
-              <a:gs pos="0">
-                <a:schemeClr val="tx1"/>
-              </a:gs>
-              <a:gs pos="100000">
-                <a:schemeClr val="tx1">
-                  <a:lumMod val="75000"/>
-                </a:schemeClr>
-              </a:gs>
-            </a:gsLst>
-            <a:lin ang="5580000" scaled="0"/>
-            <a:tileRect/>
-          </a:gradFill>
-          <a:effectLst>
-            <a:glow rad="38100">
-              <a:schemeClr val="bg1">
-                <a:lumMod val="50000"/>
-                <a:lumOff val="50000"/>
-                <a:alpha val="20000"/>
-              </a:schemeClr>
-            </a:glow>
-            <a:outerShdw blurRad="44450" dist="12700" dir="13860000" algn="tl" rotWithShape="0">
-              <a:srgbClr val="000000">
-                <a:alpha val="20000"/>
-              </a:srgbClr>
-            </a:outerShdw>
-          </a:effectLst>
+        <a:defRPr sz="2000" kern="1200" cap="none">
+          <a:solidFill>
+            <a:schemeClr val="tx1"/>
+          </a:solidFill>
+          <a:effectLst/>
           <a:latin typeface="+mn-lt"/>
           <a:ea typeface="+mn-ea"/>
           <a:cs typeface="+mn-cs"/>
@@ -5287,40 +5869,18 @@
           <a:spcPts val="600"/>
         </a:spcAft>
         <a:buClr>
-          <a:schemeClr val="tx1"/>
+          <a:schemeClr val="accent1">
+            <a:lumMod val="75000"/>
+          </a:schemeClr>
         </a:buClr>
-        <a:buSzPct val="100000"/>
+        <a:buSzPct val="145000"/>
         <a:buFont typeface="Arial"/>
         <a:buChar char="•"/>
-        <a:defRPr sz="1600" kern="1200" cap="small">
-          <a:gradFill flip="none" rotWithShape="1">
-            <a:gsLst>
-              <a:gs pos="0">
-                <a:schemeClr val="tx1"/>
-              </a:gs>
-              <a:gs pos="100000">
-                <a:schemeClr val="tx1">
-                  <a:lumMod val="75000"/>
-                </a:schemeClr>
-              </a:gs>
-            </a:gsLst>
-            <a:lin ang="5580000" scaled="0"/>
-            <a:tileRect/>
-          </a:gradFill>
-          <a:effectLst>
-            <a:glow rad="38100">
-              <a:schemeClr val="bg1">
-                <a:lumMod val="50000"/>
-                <a:lumOff val="50000"/>
-                <a:alpha val="20000"/>
-              </a:schemeClr>
-            </a:glow>
-            <a:outerShdw blurRad="44450" dist="12700" dir="13860000" algn="tl" rotWithShape="0">
-              <a:srgbClr val="000000">
-                <a:alpha val="20000"/>
-              </a:srgbClr>
-            </a:outerShdw>
-          </a:effectLst>
+        <a:defRPr sz="1800" kern="1200" cap="none">
+          <a:solidFill>
+            <a:schemeClr val="tx1"/>
+          </a:solidFill>
+          <a:effectLst/>
           <a:latin typeface="+mn-lt"/>
           <a:ea typeface="+mn-ea"/>
           <a:cs typeface="+mn-cs"/>
@@ -5334,40 +5894,18 @@
           <a:spcPts val="600"/>
         </a:spcAft>
         <a:buClr>
-          <a:schemeClr val="tx1"/>
+          <a:schemeClr val="accent1">
+            <a:lumMod val="75000"/>
+          </a:schemeClr>
         </a:buClr>
-        <a:buSzPct val="100000"/>
+        <a:buSzPct val="145000"/>
         <a:buFont typeface="Arial"/>
         <a:buChar char="•"/>
-        <a:defRPr sz="1400" kern="1200" cap="small">
-          <a:gradFill flip="none" rotWithShape="1">
-            <a:gsLst>
-              <a:gs pos="0">
-                <a:schemeClr val="tx1"/>
-              </a:gs>
-              <a:gs pos="100000">
-                <a:schemeClr val="tx1">
-                  <a:lumMod val="75000"/>
-                </a:schemeClr>
-              </a:gs>
-            </a:gsLst>
-            <a:lin ang="5580000" scaled="0"/>
-            <a:tileRect/>
-          </a:gradFill>
-          <a:effectLst>
-            <a:glow rad="38100">
-              <a:schemeClr val="bg1">
-                <a:lumMod val="50000"/>
-                <a:lumOff val="50000"/>
-                <a:alpha val="20000"/>
-              </a:schemeClr>
-            </a:glow>
-            <a:outerShdw blurRad="44450" dist="12700" dir="13860000" algn="tl" rotWithShape="0">
-              <a:srgbClr val="000000">
-                <a:alpha val="20000"/>
-              </a:srgbClr>
-            </a:outerShdw>
-          </a:effectLst>
+        <a:defRPr sz="1600" kern="1200" cap="none">
+          <a:solidFill>
+            <a:schemeClr val="tx1"/>
+          </a:solidFill>
+          <a:effectLst/>
           <a:latin typeface="+mn-lt"/>
           <a:ea typeface="+mn-ea"/>
           <a:cs typeface="+mn-cs"/>
@@ -5381,40 +5919,18 @@
           <a:spcPts val="600"/>
         </a:spcAft>
         <a:buClr>
-          <a:schemeClr val="tx1"/>
+          <a:schemeClr val="accent1">
+            <a:lumMod val="75000"/>
+          </a:schemeClr>
         </a:buClr>
-        <a:buSzPct val="100000"/>
+        <a:buSzPct val="145000"/>
         <a:buFont typeface="Arial"/>
         <a:buChar char="•"/>
-        <a:defRPr sz="1400" kern="1200" cap="small">
-          <a:gradFill flip="none" rotWithShape="1">
-            <a:gsLst>
-              <a:gs pos="0">
-                <a:schemeClr val="tx1"/>
-              </a:gs>
-              <a:gs pos="100000">
-                <a:schemeClr val="tx1">
-                  <a:lumMod val="75000"/>
-                </a:schemeClr>
-              </a:gs>
-            </a:gsLst>
-            <a:lin ang="5580000" scaled="0"/>
-            <a:tileRect/>
-          </a:gradFill>
-          <a:effectLst>
-            <a:glow rad="38100">
-              <a:schemeClr val="bg1">
-                <a:lumMod val="50000"/>
-                <a:lumOff val="50000"/>
-                <a:alpha val="20000"/>
-              </a:schemeClr>
-            </a:glow>
-            <a:outerShdw blurRad="44450" dist="12700" dir="13860000" algn="tl" rotWithShape="0">
-              <a:srgbClr val="000000">
-                <a:alpha val="20000"/>
-              </a:srgbClr>
-            </a:outerShdw>
-          </a:effectLst>
+        <a:defRPr sz="1400" kern="1200" cap="none">
+          <a:solidFill>
+            <a:schemeClr val="tx1"/>
+          </a:solidFill>
+          <a:effectLst/>
           <a:latin typeface="+mn-lt"/>
           <a:ea typeface="+mn-ea"/>
           <a:cs typeface="+mn-cs"/>
@@ -5428,40 +5944,18 @@
           <a:spcPts val="600"/>
         </a:spcAft>
         <a:buClr>
-          <a:schemeClr val="tx1"/>
+          <a:schemeClr val="accent1">
+            <a:lumMod val="75000"/>
+          </a:schemeClr>
         </a:buClr>
-        <a:buSzPct val="100000"/>
+        <a:buSzPct val="145000"/>
         <a:buFont typeface="Arial"/>
         <a:buChar char="•"/>
-        <a:defRPr sz="1200" kern="1200" cap="small">
-          <a:gradFill flip="none" rotWithShape="1">
-            <a:gsLst>
-              <a:gs pos="0">
-                <a:schemeClr val="tx1"/>
-              </a:gs>
-              <a:gs pos="100000">
-                <a:schemeClr val="tx1">
-                  <a:lumMod val="75000"/>
-                </a:schemeClr>
-              </a:gs>
-            </a:gsLst>
-            <a:lin ang="5580000" scaled="0"/>
-            <a:tileRect/>
-          </a:gradFill>
-          <a:effectLst>
-            <a:glow rad="38100">
-              <a:schemeClr val="bg1">
-                <a:lumMod val="50000"/>
-                <a:lumOff val="50000"/>
-                <a:alpha val="20000"/>
-              </a:schemeClr>
-            </a:glow>
-            <a:outerShdw blurRad="44450" dist="12700" dir="13860000" algn="tl" rotWithShape="0">
-              <a:srgbClr val="000000">
-                <a:alpha val="20000"/>
-              </a:srgbClr>
-            </a:outerShdw>
-          </a:effectLst>
+        <a:defRPr sz="1400" kern="1200" cap="none">
+          <a:solidFill>
+            <a:schemeClr val="tx1"/>
+          </a:solidFill>
+          <a:effectLst/>
           <a:latin typeface="+mn-lt"/>
           <a:ea typeface="+mn-ea"/>
           <a:cs typeface="+mn-cs"/>
@@ -5475,40 +5969,18 @@
           <a:spcPts val="600"/>
         </a:spcAft>
         <a:buClr>
-          <a:schemeClr val="tx1"/>
+          <a:schemeClr val="accent1">
+            <a:lumMod val="75000"/>
+          </a:schemeClr>
         </a:buClr>
-        <a:buSzPct val="100000"/>
+        <a:buSzPct val="145000"/>
         <a:buFont typeface="Arial"/>
         <a:buChar char="•"/>
-        <a:defRPr sz="1200" kern="1200" cap="small">
-          <a:gradFill flip="none" rotWithShape="1">
-            <a:gsLst>
-              <a:gs pos="0">
-                <a:schemeClr val="tx1"/>
-              </a:gs>
-              <a:gs pos="100000">
-                <a:schemeClr val="tx1">
-                  <a:lumMod val="75000"/>
-                </a:schemeClr>
-              </a:gs>
-            </a:gsLst>
-            <a:lin ang="5580000" scaled="0"/>
-            <a:tileRect/>
-          </a:gradFill>
-          <a:effectLst>
-            <a:glow rad="38100">
-              <a:schemeClr val="bg1">
-                <a:lumMod val="50000"/>
-                <a:lumOff val="50000"/>
-                <a:alpha val="20000"/>
-              </a:schemeClr>
-            </a:glow>
-            <a:outerShdw blurRad="44450" dist="12700" dir="13860000" algn="tl" rotWithShape="0">
-              <a:srgbClr val="000000">
-                <a:alpha val="20000"/>
-              </a:srgbClr>
-            </a:outerShdw>
-          </a:effectLst>
+        <a:defRPr sz="1400" kern="1200" cap="none">
+          <a:solidFill>
+            <a:schemeClr val="tx1"/>
+          </a:solidFill>
+          <a:effectLst/>
           <a:latin typeface="+mn-lt"/>
           <a:ea typeface="+mn-ea"/>
           <a:cs typeface="+mn-cs"/>
@@ -5522,40 +5994,18 @@
           <a:spcPts val="600"/>
         </a:spcAft>
         <a:buClr>
-          <a:schemeClr val="tx1"/>
+          <a:schemeClr val="accent1">
+            <a:lumMod val="75000"/>
+          </a:schemeClr>
         </a:buClr>
-        <a:buSzPct val="100000"/>
+        <a:buSzPct val="145000"/>
         <a:buFont typeface="Arial"/>
         <a:buChar char="•"/>
-        <a:defRPr sz="1200" kern="1200" cap="small">
-          <a:gradFill flip="none" rotWithShape="1">
-            <a:gsLst>
-              <a:gs pos="0">
-                <a:schemeClr val="tx1"/>
-              </a:gs>
-              <a:gs pos="100000">
-                <a:schemeClr val="tx1">
-                  <a:lumMod val="75000"/>
-                </a:schemeClr>
-              </a:gs>
-            </a:gsLst>
-            <a:lin ang="5580000" scaled="0"/>
-            <a:tileRect/>
-          </a:gradFill>
-          <a:effectLst>
-            <a:glow rad="38100">
-              <a:schemeClr val="bg1">
-                <a:lumMod val="50000"/>
-                <a:lumOff val="50000"/>
-                <a:alpha val="20000"/>
-              </a:schemeClr>
-            </a:glow>
-            <a:outerShdw blurRad="44450" dist="12700" dir="13860000" algn="tl" rotWithShape="0">
-              <a:srgbClr val="000000">
-                <a:alpha val="20000"/>
-              </a:srgbClr>
-            </a:outerShdw>
-          </a:effectLst>
+        <a:defRPr sz="1400" kern="1200" cap="none">
+          <a:solidFill>
+            <a:schemeClr val="tx1"/>
+          </a:solidFill>
+          <a:effectLst/>
           <a:latin typeface="+mn-lt"/>
           <a:ea typeface="+mn-ea"/>
           <a:cs typeface="+mn-cs"/>
@@ -5569,40 +6019,18 @@
           <a:spcPts val="600"/>
         </a:spcAft>
         <a:buClr>
-          <a:schemeClr val="tx1"/>
+          <a:schemeClr val="accent1">
+            <a:lumMod val="75000"/>
+          </a:schemeClr>
         </a:buClr>
-        <a:buSzPct val="100000"/>
+        <a:buSzPct val="145000"/>
         <a:buFont typeface="Arial"/>
         <a:buChar char="•"/>
-        <a:defRPr sz="1200" kern="1200" cap="small">
-          <a:gradFill flip="none" rotWithShape="1">
-            <a:gsLst>
-              <a:gs pos="0">
-                <a:schemeClr val="tx1"/>
-              </a:gs>
-              <a:gs pos="100000">
-                <a:schemeClr val="tx1">
-                  <a:lumMod val="75000"/>
-                </a:schemeClr>
-              </a:gs>
-            </a:gsLst>
-            <a:lin ang="5580000" scaled="0"/>
-            <a:tileRect/>
-          </a:gradFill>
-          <a:effectLst>
-            <a:glow rad="38100">
-              <a:schemeClr val="bg1">
-                <a:lumMod val="50000"/>
-                <a:lumOff val="50000"/>
-                <a:alpha val="20000"/>
-              </a:schemeClr>
-            </a:glow>
-            <a:outerShdw blurRad="44450" dist="12700" dir="13860000" algn="tl" rotWithShape="0">
-              <a:srgbClr val="000000">
-                <a:alpha val="20000"/>
-              </a:srgbClr>
-            </a:outerShdw>
-          </a:effectLst>
+        <a:defRPr sz="1400" kern="1200" cap="none">
+          <a:solidFill>
+            <a:schemeClr val="tx1"/>
+          </a:solidFill>
+          <a:effectLst/>
           <a:latin typeface="+mn-lt"/>
           <a:ea typeface="+mn-ea"/>
           <a:cs typeface="+mn-cs"/>
@@ -5737,8 +6165,8 @@
         </p:nvSpPr>
         <p:spPr>
           <a:xfrm>
-            <a:off x="1524000" y="1405699"/>
-            <a:ext cx="9144000" cy="989772"/>
+            <a:off x="-56623" y="4087279"/>
+            <a:ext cx="10062014" cy="1611155"/>
           </a:xfrm>
         </p:spPr>
         <p:txBody>
@@ -5748,25 +6176,17 @@
           <a:lstStyle/>
           <a:p>
             <a:r>
-              <a:rPr lang="es-MX" sz="4000" b="1" dirty="0" smtClean="0"/>
+              <a:rPr lang="es-MX" sz="4400" b="1"/>
               <a:t>Presentación 1 </a:t>
             </a:r>
             <a:br>
-              <a:rPr lang="es-MX" sz="4000" b="1" dirty="0" smtClean="0"/>
+              <a:rPr lang="es-MX" sz="4400" b="1"/>
             </a:br>
             <a:r>
-              <a:rPr lang="es-MX" sz="4000" b="1" dirty="0" smtClean="0"/>
-              <a:t>W3C </a:t>
-            </a:r>
-            <a:r>
-              <a:rPr lang="es-MX" sz="4000" b="1" dirty="0" err="1" smtClean="0"/>
-              <a:t>Game</a:t>
-            </a:r>
-            <a:r>
-              <a:rPr lang="es-MX" sz="4000" b="1" dirty="0" smtClean="0"/>
-              <a:t> Factory</a:t>
-            </a:r>
-            <a:endParaRPr lang="es-ES" sz="4000" b="1" dirty="0"/>
+              <a:rPr lang="es-MX" sz="4400" b="1"/>
+              <a:t>W3C Games Factory</a:t>
+            </a:r>
+            <a:endParaRPr lang="es-ES" sz="4400" b="1" dirty="0"/>
           </a:p>
         </p:txBody>
       </p:sp>
@@ -5780,52 +6200,57 @@
             <p:ph type="subTitle" idx="1"/>
           </p:nvPr>
         </p:nvSpPr>
-        <p:spPr/>
+        <p:spPr>
+          <a:xfrm>
+            <a:off x="4753916" y="5077052"/>
+            <a:ext cx="6987645" cy="1388534"/>
+          </a:xfrm>
+        </p:spPr>
         <p:txBody>
           <a:bodyPr>
-            <a:normAutofit fontScale="92500" lnSpcReduction="20000"/>
+            <a:normAutofit fontScale="62500" lnSpcReduction="20000"/>
           </a:bodyPr>
           <a:lstStyle/>
           <a:p>
             <a:pPr algn="r"/>
             <a:r>
-              <a:rPr lang="es-MX" dirty="0" smtClean="0"/>
-              <a:t>Integrante:</a:t>
+              <a:rPr lang="es-MX" b="1" u="sng" dirty="0"/>
+              <a:t>Integrantes:</a:t>
             </a:r>
           </a:p>
           <a:p>
             <a:pPr algn="r"/>
             <a:r>
-              <a:rPr lang="es-MX" dirty="0" smtClean="0"/>
+              <a:rPr lang="es-MX" dirty="0"/>
               <a:t>Carlos Cortes . </a:t>
             </a:r>
           </a:p>
           <a:p>
             <a:pPr algn="r"/>
             <a:r>
-              <a:rPr lang="es-MX" dirty="0" smtClean="0"/>
+              <a:rPr lang="es-MX" dirty="0"/>
               <a:t>Carlos Cubillos V. </a:t>
             </a:r>
           </a:p>
           <a:p>
             <a:pPr algn="r"/>
             <a:r>
-              <a:rPr lang="es-MX" dirty="0" smtClean="0"/>
+              <a:rPr lang="es-MX" dirty="0"/>
               <a:t>Wilson Araya O.</a:t>
             </a:r>
           </a:p>
           <a:p>
             <a:pPr algn="r"/>
             <a:r>
-              <a:rPr lang="es-MX" dirty="0" smtClean="0"/>
+              <a:rPr lang="es-MX" dirty="0"/>
               <a:t>Carlos </a:t>
             </a:r>
             <a:r>
-              <a:rPr lang="es-MX" dirty="0" err="1" smtClean="0"/>
+              <a:rPr lang="es-MX" dirty="0" err="1"/>
               <a:t>Labbé</a:t>
             </a:r>
             <a:r>
-              <a:rPr lang="es-MX" dirty="0" smtClean="0"/>
+              <a:rPr lang="es-MX" dirty="0"/>
               <a:t> P.</a:t>
             </a:r>
             <a:endParaRPr lang="es-ES" dirty="0"/>
@@ -5853,8 +6278,8 @@
         </p:blipFill>
         <p:spPr bwMode="auto">
           <a:xfrm>
-            <a:off x="513498" y="4566511"/>
-            <a:ext cx="5462299" cy="1700012"/>
+            <a:off x="2214990" y="162471"/>
+            <a:ext cx="5077851" cy="1370461"/>
           </a:xfrm>
           <a:prstGeom prst="rect">
             <a:avLst/>
@@ -5863,6 +6288,114 @@
           <a:ln>
             <a:noFill/>
           </a:ln>
+        </p:spPr>
+      </p:pic>
+      <p:pic>
+        <p:nvPicPr>
+          <p:cNvPr id="5" name="Imagen 4"/>
+          <p:cNvPicPr>
+            <a:picLocks noChangeAspect="1"/>
+          </p:cNvPicPr>
+          <p:nvPr/>
+        </p:nvPicPr>
+        <p:blipFill>
+          <a:blip r:embed="rId3"/>
+          <a:stretch>
+            <a:fillRect/>
+          </a:stretch>
+        </p:blipFill>
+        <p:spPr>
+          <a:xfrm>
+            <a:off x="6936776" y="1510747"/>
+            <a:ext cx="3640134" cy="2877746"/>
+          </a:xfrm>
+          <a:prstGeom prst="rect">
+            <a:avLst/>
+          </a:prstGeom>
+        </p:spPr>
+      </p:pic>
+      <p:pic>
+        <p:nvPicPr>
+          <p:cNvPr id="6" name="Imagen 5"/>
+          <p:cNvPicPr/>
+          <p:nvPr/>
+        </p:nvPicPr>
+        <p:blipFill>
+          <a:blip r:embed="rId4" cstate="print">
+            <a:extLst>
+              <a:ext uri="{28A0092B-C50C-407E-A947-70E740481C1C}">
+                <a14:useLocalDpi xmlns:a14="http://schemas.microsoft.com/office/drawing/2010/main" val="0"/>
+              </a:ext>
+            </a:extLst>
+          </a:blip>
+          <a:stretch>
+            <a:fillRect/>
+          </a:stretch>
+        </p:blipFill>
+        <p:spPr>
+          <a:xfrm rot="21254205">
+            <a:off x="4222489" y="1838834"/>
+            <a:ext cx="2623384" cy="1942543"/>
+          </a:xfrm>
+          <a:prstGeom prst="rect">
+            <a:avLst/>
+          </a:prstGeom>
+        </p:spPr>
+      </p:pic>
+      <p:pic>
+        <p:nvPicPr>
+          <p:cNvPr id="7" name="Imagen 6"/>
+          <p:cNvPicPr/>
+          <p:nvPr/>
+        </p:nvPicPr>
+        <p:blipFill>
+          <a:blip r:embed="rId5" cstate="print">
+            <a:extLst>
+              <a:ext uri="{28A0092B-C50C-407E-A947-70E740481C1C}">
+                <a14:useLocalDpi xmlns:a14="http://schemas.microsoft.com/office/drawing/2010/main" val="0"/>
+              </a:ext>
+            </a:extLst>
+          </a:blip>
+          <a:stretch>
+            <a:fillRect/>
+          </a:stretch>
+        </p:blipFill>
+        <p:spPr>
+          <a:xfrm rot="21176741">
+            <a:off x="4788409" y="2512798"/>
+            <a:ext cx="533840" cy="594615"/>
+          </a:xfrm>
+          <a:prstGeom prst="rect">
+            <a:avLst/>
+          </a:prstGeom>
+        </p:spPr>
+      </p:pic>
+      <p:pic>
+        <p:nvPicPr>
+          <p:cNvPr id="8" name="Imagen 7"/>
+          <p:cNvPicPr/>
+          <p:nvPr/>
+        </p:nvPicPr>
+        <p:blipFill>
+          <a:blip r:embed="rId6" cstate="print">
+            <a:extLst>
+              <a:ext uri="{28A0092B-C50C-407E-A947-70E740481C1C}">
+                <a14:useLocalDpi xmlns:a14="http://schemas.microsoft.com/office/drawing/2010/main" val="0"/>
+              </a:ext>
+            </a:extLst>
+          </a:blip>
+          <a:stretch>
+            <a:fillRect/>
+          </a:stretch>
+        </p:blipFill>
+        <p:spPr>
+          <a:xfrm rot="21134930">
+            <a:off x="5462390" y="2409598"/>
+            <a:ext cx="581025" cy="664845"/>
+          </a:xfrm>
+          <a:prstGeom prst="rect">
+            <a:avLst/>
+          </a:prstGeom>
         </p:spPr>
       </p:pic>
     </p:spTree>
@@ -5875,17 +6408,10 @@
   <p:clrMapOvr>
     <a:masterClrMapping/>
   </p:clrMapOvr>
-  <p:timing>
-    <p:tnLst>
-      <p:par>
-        <p:cTn id="1" dur="indefinite" restart="never" nodeType="tmRoot"/>
-      </p:par>
-    </p:tnLst>
-  </p:timing>
 </p:sld>
 </file>
 
-<file path=ppt/slides/slide2.xml><?xml version="1.0" encoding="utf-8"?>
+<file path=ppt/slides/slide10.xml><?xml version="1.0" encoding="utf-8"?>
 <p:sld xmlns:a="http://schemas.openxmlformats.org/drawingml/2006/main" xmlns:r="http://schemas.openxmlformats.org/officeDocument/2006/relationships" xmlns:p="http://schemas.openxmlformats.org/presentationml/2006/main">
   <p:cSld>
     <p:spTree>
@@ -5912,222 +6438,21 @@
             <p:ph type="title"/>
           </p:nvPr>
         </p:nvSpPr>
-        <p:spPr/>
+        <p:spPr>
+          <a:xfrm>
+            <a:off x="-1520146" y="609600"/>
+            <a:ext cx="10018713" cy="1752599"/>
+          </a:xfrm>
+        </p:spPr>
         <p:txBody>
           <a:bodyPr/>
           <a:lstStyle/>
           <a:p>
             <a:r>
-              <a:rPr lang="es-MX" dirty="0" smtClean="0"/>
-              <a:t>Gameplay</a:t>
-            </a:r>
-            <a:endParaRPr lang="es-ES" dirty="0"/>
-          </a:p>
-        </p:txBody>
-      </p:sp>
-      <p:pic>
-        <p:nvPicPr>
-          <p:cNvPr id="4" name="Imagen 3"/>
-          <p:cNvPicPr>
-            <a:picLocks noChangeAspect="1"/>
-          </p:cNvPicPr>
-          <p:nvPr/>
-        </p:nvPicPr>
-        <p:blipFill>
-          <a:blip r:embed="rId2">
-            <a:extLst>
-              <a:ext uri="{28A0092B-C50C-407E-A947-70E740481C1C}">
-                <a14:useLocalDpi xmlns:a14="http://schemas.microsoft.com/office/drawing/2010/main" val="0"/>
-              </a:ext>
-            </a:extLst>
-          </a:blip>
-          <a:stretch>
-            <a:fillRect/>
-          </a:stretch>
-        </p:blipFill>
-        <p:spPr>
-          <a:xfrm rot="20643457">
-            <a:off x="5146529" y="1146809"/>
-            <a:ext cx="6096851" cy="4572638"/>
-          </a:xfrm>
-          <a:prstGeom prst="rect">
-            <a:avLst/>
-          </a:prstGeom>
-        </p:spPr>
-      </p:pic>
-      <p:sp>
-        <p:nvSpPr>
-          <p:cNvPr id="5" name="CuadroTexto 4"/>
-          <p:cNvSpPr txBox="1"/>
-          <p:nvPr/>
-        </p:nvSpPr>
-        <p:spPr>
-          <a:xfrm>
-            <a:off x="1004552" y="2832964"/>
-            <a:ext cx="3219717" cy="1200329"/>
-          </a:xfrm>
-          <a:prstGeom prst="rect">
-            <a:avLst/>
-          </a:prstGeom>
-          <a:noFill/>
-        </p:spPr>
-        <p:txBody>
-          <a:bodyPr wrap="square" rtlCol="0">
-            <a:spAutoFit/>
-          </a:bodyPr>
-          <a:lstStyle/>
-          <a:p>
-            <a:r>
-              <a:rPr lang="es-MX" dirty="0" smtClean="0"/>
-              <a:t>Modo Multijugador</a:t>
-            </a:r>
-          </a:p>
-          <a:p>
-            <a:endParaRPr lang="es-MX" dirty="0" smtClean="0"/>
-          </a:p>
-          <a:p>
-            <a:r>
-              <a:rPr lang="es-MX" dirty="0" smtClean="0"/>
-              <a:t>Modo un solo jugador</a:t>
-            </a:r>
-          </a:p>
-          <a:p>
-            <a:endParaRPr lang="es-ES" dirty="0"/>
-          </a:p>
-        </p:txBody>
-      </p:sp>
-    </p:spTree>
-    <p:extLst>
-      <p:ext uri="{BB962C8B-B14F-4D97-AF65-F5344CB8AC3E}">
-        <p14:creationId xmlns:p14="http://schemas.microsoft.com/office/powerpoint/2010/main" val="834497411"/>
-      </p:ext>
-    </p:extLst>
-  </p:cSld>
-  <p:clrMapOvr>
-    <a:masterClrMapping/>
-  </p:clrMapOvr>
-  <p:timing>
-    <p:tnLst>
-      <p:par>
-        <p:cTn id="1" dur="indefinite" restart="never" nodeType="tmRoot"/>
-      </p:par>
-    </p:tnLst>
-  </p:timing>
-</p:sld>
-</file>
-
-<file path=ppt/slides/slide3.xml><?xml version="1.0" encoding="utf-8"?>
-<p:sld xmlns:a="http://schemas.openxmlformats.org/drawingml/2006/main" xmlns:r="http://schemas.openxmlformats.org/officeDocument/2006/relationships" xmlns:p="http://schemas.openxmlformats.org/presentationml/2006/main">
-  <p:cSld>
-    <p:spTree>
-      <p:nvGrpSpPr>
-        <p:cNvPr id="1" name=""/>
-        <p:cNvGrpSpPr/>
-        <p:nvPr/>
-      </p:nvGrpSpPr>
-      <p:grpSpPr>
-        <a:xfrm>
-          <a:off x="0" y="0"/>
-          <a:ext cx="0" cy="0"/>
-          <a:chOff x="0" y="0"/>
-          <a:chExt cx="0" cy="0"/>
-        </a:xfrm>
-      </p:grpSpPr>
-      <p:sp>
-        <p:nvSpPr>
-          <p:cNvPr id="2" name="Título 1"/>
-          <p:cNvSpPr>
-            <a:spLocks noGrp="1"/>
-          </p:cNvSpPr>
-          <p:nvPr>
-            <p:ph type="title"/>
-          </p:nvPr>
-        </p:nvSpPr>
-        <p:spPr/>
-        <p:txBody>
-          <a:bodyPr/>
-          <a:lstStyle/>
-          <a:p>
-            <a:endParaRPr lang="es-ES"/>
-          </a:p>
-        </p:txBody>
-      </p:sp>
-      <p:sp>
-        <p:nvSpPr>
-          <p:cNvPr id="3" name="Marcador de contenido 2"/>
-          <p:cNvSpPr>
-            <a:spLocks noGrp="1"/>
-          </p:cNvSpPr>
-          <p:nvPr>
-            <p:ph idx="1"/>
-          </p:nvPr>
-        </p:nvSpPr>
-        <p:spPr/>
-        <p:txBody>
-          <a:bodyPr/>
-          <a:lstStyle/>
-          <a:p>
-            <a:endParaRPr lang="es-ES"/>
-          </a:p>
-        </p:txBody>
-      </p:sp>
-    </p:spTree>
-    <p:extLst>
-      <p:ext uri="{BB962C8B-B14F-4D97-AF65-F5344CB8AC3E}">
-        <p14:creationId xmlns:p14="http://schemas.microsoft.com/office/powerpoint/2010/main" val="3312253010"/>
-      </p:ext>
-    </p:extLst>
-  </p:cSld>
-  <p:clrMapOvr>
-    <a:masterClrMapping/>
-  </p:clrMapOvr>
-  <p:timing>
-    <p:tnLst>
-      <p:par>
-        <p:cTn id="1" dur="indefinite" restart="never" nodeType="tmRoot"/>
-      </p:par>
-    </p:tnLst>
-  </p:timing>
-</p:sld>
-</file>
-
-<file path=ppt/slides/slide4.xml><?xml version="1.0" encoding="utf-8"?>
-<p:sld xmlns:a="http://schemas.openxmlformats.org/drawingml/2006/main" xmlns:r="http://schemas.openxmlformats.org/officeDocument/2006/relationships" xmlns:p="http://schemas.openxmlformats.org/presentationml/2006/main">
-  <p:cSld>
-    <p:spTree>
-      <p:nvGrpSpPr>
-        <p:cNvPr id="1" name=""/>
-        <p:cNvGrpSpPr/>
-        <p:nvPr/>
-      </p:nvGrpSpPr>
-      <p:grpSpPr>
-        <a:xfrm>
-          <a:off x="0" y="0"/>
-          <a:ext cx="0" cy="0"/>
-          <a:chOff x="0" y="0"/>
-          <a:chExt cx="0" cy="0"/>
-        </a:xfrm>
-      </p:grpSpPr>
-      <p:sp>
-        <p:nvSpPr>
-          <p:cNvPr id="2" name="Título 1"/>
-          <p:cNvSpPr>
-            <a:spLocks noGrp="1"/>
-          </p:cNvSpPr>
-          <p:nvPr>
-            <p:ph type="title"/>
-          </p:nvPr>
-        </p:nvSpPr>
-        <p:spPr/>
-        <p:txBody>
-          <a:bodyPr/>
-          <a:lstStyle/>
-          <a:p>
-            <a:r>
-              <a:rPr lang="es-MX" dirty="0" smtClean="0"/>
+              <a:rPr lang="es-MX" b="1" dirty="0"/>
               <a:t>Reglas</a:t>
             </a:r>
-            <a:endParaRPr lang="es-ES" dirty="0"/>
+            <a:endParaRPr lang="es-ES" b="1" dirty="0"/>
           </a:p>
         </p:txBody>
       </p:sp>
@@ -6141,14 +6466,14 @@
             <p:ph idx="1"/>
             <p:extLst>
               <p:ext uri="{D42A27DB-BD31-4B8C-83A1-F6EECF244321}">
-                <p14:modId xmlns:p14="http://schemas.microsoft.com/office/powerpoint/2010/main" val="2342002210"/>
+                <p14:modId xmlns:p14="http://schemas.microsoft.com/office/powerpoint/2010/main" val="778861476"/>
               </p:ext>
             </p:extLst>
           </p:nvPr>
         </p:nvGraphicFramePr>
         <p:xfrm>
-          <a:off x="974555" y="3629235"/>
-          <a:ext cx="5551805" cy="703961"/>
+          <a:off x="783771" y="4114798"/>
+          <a:ext cx="5742590" cy="957195"/>
         </p:xfrm>
         <a:graphic>
           <a:graphicData uri="http://schemas.openxmlformats.org/drawingml/2006/table">
@@ -6157,11 +6482,29 @@
                 <a:tableStyleId>{5C22544A-7EE6-4342-B048-85BDC9FD1C3A}</a:tableStyleId>
               </a:tblPr>
               <a:tblGrid>
-                <a:gridCol w="1689735"/>
-                <a:gridCol w="2272030"/>
-                <a:gridCol w="1590040"/>
+                <a:gridCol w="1747802">
+                  <a:extLst>
+                    <a:ext uri="{9D8B030D-6E8A-4147-A177-3AD203B41FA5}">
+                      <a16:colId xmlns:a16="http://schemas.microsoft.com/office/drawing/2014/main" val="20000"/>
+                    </a:ext>
+                  </a:extLst>
+                </a:gridCol>
+                <a:gridCol w="2350107">
+                  <a:extLst>
+                    <a:ext uri="{9D8B030D-6E8A-4147-A177-3AD203B41FA5}">
+                      <a16:colId xmlns:a16="http://schemas.microsoft.com/office/drawing/2014/main" val="20001"/>
+                    </a:ext>
+                  </a:extLst>
+                </a:gridCol>
+                <a:gridCol w="1644681">
+                  <a:extLst>
+                    <a:ext uri="{9D8B030D-6E8A-4147-A177-3AD203B41FA5}">
+                      <a16:colId xmlns:a16="http://schemas.microsoft.com/office/drawing/2014/main" val="20002"/>
+                    </a:ext>
+                  </a:extLst>
+                </a:gridCol>
               </a:tblGrid>
-              <a:tr h="209550">
+              <a:tr h="312562">
                 <a:tc>
                   <a:txBody>
                     <a:bodyPr/>
@@ -6264,8 +6607,13 @@
                   </a:txBody>
                   <a:tcPr marL="68580" marR="68580" marT="0" marB="0"/>
                 </a:tc>
+                <a:extLst>
+                  <a:ext uri="{0D108BD9-81ED-4DB2-BD59-A6C34878D82A}">
+                    <a16:rowId xmlns:a16="http://schemas.microsoft.com/office/drawing/2014/main" val="10000"/>
+                  </a:ext>
+                </a:extLst>
               </a:tr>
-              <a:tr h="445770">
+              <a:tr h="644633">
                 <a:tc>
                   <a:txBody>
                     <a:bodyPr/>
@@ -6365,6 +6713,11 @@
                   </a:txBody>
                   <a:tcPr marL="68580" marR="68580" marT="0" marB="0"/>
                 </a:tc>
+                <a:extLst>
+                  <a:ext uri="{0D108BD9-81ED-4DB2-BD59-A6C34878D82A}">
+                    <a16:rowId xmlns:a16="http://schemas.microsoft.com/office/drawing/2014/main" val="10001"/>
+                  </a:ext>
+                </a:extLst>
               </a:tr>
             </a:tbl>
           </a:graphicData>
@@ -6379,14 +6732,14 @@
           <p:nvPr>
             <p:extLst>
               <p:ext uri="{D42A27DB-BD31-4B8C-83A1-F6EECF244321}">
-                <p14:modId xmlns:p14="http://schemas.microsoft.com/office/powerpoint/2010/main" val="3539915124"/>
+                <p14:modId xmlns:p14="http://schemas.microsoft.com/office/powerpoint/2010/main" val="1421085570"/>
               </p:ext>
             </p:extLst>
           </p:nvPr>
         </p:nvGraphicFramePr>
         <p:xfrm>
-          <a:off x="974555" y="2985956"/>
-          <a:ext cx="5680710" cy="474599"/>
+          <a:off x="783771" y="2362199"/>
+          <a:ext cx="5895954" cy="699053"/>
         </p:xfrm>
         <a:graphic>
           <a:graphicData uri="http://schemas.openxmlformats.org/drawingml/2006/table">
@@ -6395,12 +6748,36 @@
                 <a:tableStyleId>{5C22544A-7EE6-4342-B048-85BDC9FD1C3A}</a:tableStyleId>
               </a:tblPr>
               <a:tblGrid>
-                <a:gridCol w="1710690"/>
-                <a:gridCol w="1169670"/>
-                <a:gridCol w="1350645"/>
-                <a:gridCol w="1449705"/>
+                <a:gridCol w="1757426">
+                  <a:extLst>
+                    <a:ext uri="{9D8B030D-6E8A-4147-A177-3AD203B41FA5}">
+                      <a16:colId xmlns:a16="http://schemas.microsoft.com/office/drawing/2014/main" val="20000"/>
+                    </a:ext>
+                  </a:extLst>
+                </a:gridCol>
+                <a:gridCol w="1219317">
+                  <a:extLst>
+                    <a:ext uri="{9D8B030D-6E8A-4147-A177-3AD203B41FA5}">
+                      <a16:colId xmlns:a16="http://schemas.microsoft.com/office/drawing/2014/main" val="20001"/>
+                    </a:ext>
+                  </a:extLst>
+                </a:gridCol>
+                <a:gridCol w="1407973">
+                  <a:extLst>
+                    <a:ext uri="{9D8B030D-6E8A-4147-A177-3AD203B41FA5}">
+                      <a16:colId xmlns:a16="http://schemas.microsoft.com/office/drawing/2014/main" val="20002"/>
+                    </a:ext>
+                  </a:extLst>
+                </a:gridCol>
+                <a:gridCol w="1511238">
+                  <a:extLst>
+                    <a:ext uri="{9D8B030D-6E8A-4147-A177-3AD203B41FA5}">
+                      <a16:colId xmlns:a16="http://schemas.microsoft.com/office/drawing/2014/main" val="20003"/>
+                    </a:ext>
+                  </a:extLst>
+                </a:gridCol>
               </a:tblGrid>
-              <a:tr h="0">
+              <a:tr h="699053">
                 <a:tc>
                   <a:txBody>
                     <a:bodyPr/>
@@ -6415,12 +6792,12 @@
                         </a:spcAft>
                       </a:pPr>
                       <a:r>
-                        <a:rPr lang="es-CL" sz="1400" dirty="0">
+                        <a:rPr lang="es-CL" sz="1800" dirty="0">
                           <a:effectLst/>
                         </a:rPr>
                         <a:t>Controles Generales:</a:t>
                       </a:r>
-                      <a:endParaRPr lang="es-ES" sz="1400" dirty="0">
+                      <a:endParaRPr lang="es-ES" sz="1800" dirty="0">
                         <a:effectLst/>
                         <a:latin typeface="Calibri" panose="020F0502020204030204" pitchFamily="34" charset="0"/>
                         <a:ea typeface="Calibri" panose="020F0502020204030204" pitchFamily="34" charset="0"/>
@@ -6444,7 +6821,7 @@
                         </a:spcAft>
                       </a:pPr>
                       <a:r>
-                        <a:rPr lang="es-CL" sz="1400" dirty="0">
+                        <a:rPr lang="es-CL" sz="1800" dirty="0">
                           <a:effectLst>
                             <a:outerShdw blurRad="63500" dist="50800" dir="5400000" sx="0" sy="0">
                               <a:srgbClr val="000000">
@@ -6455,7 +6832,7 @@
                         </a:rPr>
                         <a:t>Z: Aceptar</a:t>
                       </a:r>
-                      <a:endParaRPr lang="es-ES" sz="1400" dirty="0">
+                      <a:endParaRPr lang="es-ES" sz="1800" dirty="0">
                         <a:effectLst/>
                         <a:latin typeface="Calibri" panose="020F0502020204030204" pitchFamily="34" charset="0"/>
                         <a:ea typeface="Calibri" panose="020F0502020204030204" pitchFamily="34" charset="0"/>
@@ -6479,7 +6856,7 @@
                         </a:spcAft>
                       </a:pPr>
                       <a:r>
-                        <a:rPr lang="es-CL" sz="1400">
+                        <a:rPr lang="es-CL" sz="1800" dirty="0">
                           <a:effectLst>
                             <a:outerShdw blurRad="63500" dist="50800" dir="5400000" sx="0" sy="0">
                               <a:srgbClr val="000000">
@@ -6490,7 +6867,7 @@
                         </a:rPr>
                         <a:t>X: Cancelar     </a:t>
                       </a:r>
-                      <a:endParaRPr lang="es-ES" sz="1400">
+                      <a:endParaRPr lang="es-ES" sz="1800" dirty="0">
                         <a:effectLst/>
                         <a:latin typeface="Calibri" panose="020F0502020204030204" pitchFamily="34" charset="0"/>
                         <a:ea typeface="Calibri" panose="020F0502020204030204" pitchFamily="34" charset="0"/>
@@ -6514,7 +6891,7 @@
                         </a:spcAft>
                       </a:pPr>
                       <a:r>
-                        <a:rPr lang="es-CL" sz="1400" dirty="0">
+                        <a:rPr lang="es-CL" sz="1800" dirty="0">
                           <a:effectLst>
                             <a:outerShdw blurRad="63500" dist="50800" dir="5400000" sx="0" sy="0">
                               <a:srgbClr val="000000">
@@ -6525,7 +6902,7 @@
                         </a:rPr>
                         <a:t>Espacio: Pausa</a:t>
                       </a:r>
-                      <a:endParaRPr lang="es-ES" sz="1400" dirty="0">
+                      <a:endParaRPr lang="es-ES" sz="1800" dirty="0">
                         <a:effectLst/>
                         <a:latin typeface="Calibri" panose="020F0502020204030204" pitchFamily="34" charset="0"/>
                         <a:ea typeface="Calibri" panose="020F0502020204030204" pitchFamily="34" charset="0"/>
@@ -6535,6 +6912,11 @@
                   </a:txBody>
                   <a:tcPr marL="68580" marR="68580" marT="0" marB="0"/>
                 </a:tc>
+                <a:extLst>
+                  <a:ext uri="{0D108BD9-81ED-4DB2-BD59-A6C34878D82A}">
+                    <a16:rowId xmlns:a16="http://schemas.microsoft.com/office/drawing/2014/main" val="10000"/>
+                  </a:ext>
+                </a:extLst>
               </a:tr>
             </a:tbl>
           </a:graphicData>
@@ -6548,8 +6930,8 @@
         </p:nvSpPr>
         <p:spPr>
           <a:xfrm>
-            <a:off x="7096259" y="609600"/>
-            <a:ext cx="4842456" cy="5632311"/>
+            <a:off x="6986760" y="1286794"/>
+            <a:ext cx="4842456" cy="5078313"/>
           </a:xfrm>
           <a:prstGeom prst="rect">
             <a:avLst/>
@@ -6563,16 +6945,16 @@
           <a:lstStyle/>
           <a:p>
             <a:r>
-              <a:rPr lang="es-MX" dirty="0" smtClean="0"/>
-              <a:t>-Cada 5 aciertos, la dificultad sube y el tiempo disminuye 2 segundos</a:t>
-            </a:r>
-          </a:p>
-          <a:p>
-            <a:endParaRPr lang="es-MX" dirty="0" smtClean="0"/>
-          </a:p>
-          <a:p>
-            <a:r>
-              <a:rPr lang="es-MX" dirty="0" smtClean="0"/>
+              <a:rPr lang="es-MX" dirty="0"/>
+              <a:t>-Cada 5 aciertos, la dificultad sube y el tiempo disminuye 2 segundos.</a:t>
+            </a:r>
+          </a:p>
+          <a:p>
+            <a:endParaRPr lang="es-MX" dirty="0"/>
+          </a:p>
+          <a:p>
+            <a:r>
+              <a:rPr lang="es-MX" dirty="0"/>
               <a:t>-El tiempo disminuye a un limite de 4 segundos</a:t>
             </a:r>
           </a:p>
@@ -6581,16 +6963,16 @@
           </a:p>
           <a:p>
             <a:r>
-              <a:rPr lang="es-MX" dirty="0" smtClean="0"/>
+              <a:rPr lang="es-MX" dirty="0"/>
               <a:t>-Una vez logrado 1500 </a:t>
             </a:r>
             <a:r>
-              <a:rPr lang="es-MX" dirty="0" err="1" smtClean="0"/>
+              <a:rPr lang="es-MX" dirty="0" err="1"/>
               <a:t>pts</a:t>
             </a:r>
             <a:r>
-              <a:rPr lang="es-MX" dirty="0" smtClean="0"/>
-              <a:t> el juego termina</a:t>
+              <a:rPr lang="es-MX" dirty="0"/>
+              <a:t> el juego termina.</a:t>
             </a:r>
           </a:p>
           <a:p>
@@ -6598,65 +6980,95 @@
           </a:p>
           <a:p>
             <a:r>
-              <a:rPr lang="es-MX" dirty="0" smtClean="0"/>
-              <a:t>-Al acertar se suman 100 </a:t>
-            </a:r>
-            <a:r>
-              <a:rPr lang="es-MX" dirty="0" err="1" smtClean="0"/>
+              <a:rPr lang="es-MX" dirty="0"/>
+              <a:t>-Al acertar se suman 100 pts.</a:t>
+            </a:r>
+          </a:p>
+          <a:p>
+            <a:r>
+              <a:rPr lang="es-MX" dirty="0"/>
+              <a:t>-Al equivocarse se descuentan 100 pts.</a:t>
+            </a:r>
+          </a:p>
+          <a:p>
+            <a:endParaRPr lang="es-MX" dirty="0"/>
+          </a:p>
+          <a:p>
+            <a:r>
+              <a:rPr lang="es-MX" dirty="0"/>
+              <a:t>-En multijugador, al equivocarse se descuentan 100 </a:t>
+            </a:r>
+            <a:r>
+              <a:rPr lang="es-MX" dirty="0" err="1"/>
               <a:t>pts</a:t>
             </a:r>
-            <a:endParaRPr lang="es-MX" dirty="0" smtClean="0"/>
-          </a:p>
-          <a:p>
-            <a:r>
-              <a:rPr lang="es-MX" dirty="0" smtClean="0"/>
-              <a:t>-Al equivocarse se descuentan 100 </a:t>
-            </a:r>
-            <a:r>
-              <a:rPr lang="es-MX" dirty="0" err="1" smtClean="0"/>
-              <a:t>pts</a:t>
-            </a:r>
-            <a:endParaRPr lang="es-MX" dirty="0" smtClean="0"/>
+            <a:r>
+              <a:rPr lang="es-MX" dirty="0"/>
+              <a:t> y se entregan al otro jugador. Evitar trampas.</a:t>
+            </a:r>
           </a:p>
           <a:p>
             <a:endParaRPr lang="es-MX" dirty="0"/>
           </a:p>
           <a:p>
             <a:r>
-              <a:rPr lang="es-MX" dirty="0" smtClean="0"/>
-              <a:t>-En multijugador, al equivocarse se descuentan 100 </a:t>
-            </a:r>
-            <a:r>
-              <a:rPr lang="es-MX" dirty="0" err="1" smtClean="0"/>
-              <a:t>pts</a:t>
-            </a:r>
-            <a:r>
-              <a:rPr lang="es-MX" dirty="0" smtClean="0"/>
-              <a:t> y se entregan al otro jugador</a:t>
+              <a:rPr lang="es-MX" dirty="0"/>
+              <a:t>-Al acertar 3 seguidos, se activa un bonus que dobla el puntaje por obtener.</a:t>
             </a:r>
           </a:p>
           <a:p>
             <a:endParaRPr lang="es-MX" dirty="0"/>
           </a:p>
           <a:p>
-            <a:r>
-              <a:rPr lang="es-MX" dirty="0" smtClean="0"/>
-              <a:t>-Al acertar 3 seguidos, se activa un </a:t>
-            </a:r>
-            <a:r>
-              <a:rPr lang="es-MX" dirty="0" err="1" smtClean="0"/>
-              <a:t>bonus</a:t>
-            </a:r>
-            <a:r>
-              <a:rPr lang="es-MX" dirty="0" smtClean="0"/>
-              <a:t> que dobla el puntaje por obtener </a:t>
-            </a:r>
-          </a:p>
-          <a:p>
-            <a:endParaRPr lang="es-MX" dirty="0"/>
-          </a:p>
-          <a:p>
             <a:endParaRPr lang="es-ES" dirty="0"/>
+          </a:p>
+        </p:txBody>
+      </p:sp>
+      <p:sp>
+        <p:nvSpPr>
+          <p:cNvPr id="3" name="Rectángulo: esquinas redondeadas 2"/>
+          <p:cNvSpPr/>
+          <p:nvPr/>
+        </p:nvSpPr>
+        <p:spPr>
+          <a:xfrm>
+            <a:off x="2160104" y="3425755"/>
+            <a:ext cx="2915479" cy="523393"/>
+          </a:xfrm>
+          <a:prstGeom prst="roundRect">
+            <a:avLst/>
+          </a:prstGeom>
+        </p:spPr>
+        <p:style>
+          <a:lnRef idx="2">
+            <a:schemeClr val="accent1">
+              <a:shade val="50000"/>
+            </a:schemeClr>
+          </a:lnRef>
+          <a:fillRef idx="1">
+            <a:schemeClr val="accent1"/>
+          </a:fillRef>
+          <a:effectRef idx="0">
+            <a:schemeClr val="accent1"/>
+          </a:effectRef>
+          <a:fontRef idx="minor">
+            <a:schemeClr val="lt1"/>
+          </a:fontRef>
+        </p:style>
+        <p:txBody>
+          <a:bodyPr rtlCol="0" anchor="ctr"/>
+          <a:lstStyle/>
+          <a:p>
+            <a:pPr algn="ctr"/>
+            <a:r>
+              <a:rPr lang="es-CL" dirty="0"/>
+              <a:t>Controles </a:t>
+            </a:r>
+            <a:r>
+              <a:rPr lang="es-CL" dirty="0" err="1"/>
+              <a:t>Multiplayer</a:t>
+            </a:r>
+            <a:endParaRPr lang="es-CL" dirty="0"/>
           </a:p>
         </p:txBody>
       </p:sp>
@@ -6670,13 +7082,1797 @@
   <p:clrMapOvr>
     <a:masterClrMapping/>
   </p:clrMapOvr>
-  <p:timing>
-    <p:tnLst>
-      <p:par>
-        <p:cTn id="1" dur="indefinite" restart="never" nodeType="tmRoot"/>
-      </p:par>
-    </p:tnLst>
-  </p:timing>
+</p:sld>
+</file>
+
+<file path=ppt/slides/slide11.xml><?xml version="1.0" encoding="utf-8"?>
+<p:sld xmlns:a="http://schemas.openxmlformats.org/drawingml/2006/main" xmlns:r="http://schemas.openxmlformats.org/officeDocument/2006/relationships" xmlns:p="http://schemas.openxmlformats.org/presentationml/2006/main">
+  <p:cSld>
+    <p:spTree>
+      <p:nvGrpSpPr>
+        <p:cNvPr id="1" name=""/>
+        <p:cNvGrpSpPr/>
+        <p:nvPr/>
+      </p:nvGrpSpPr>
+      <p:grpSpPr>
+        <a:xfrm>
+          <a:off x="0" y="0"/>
+          <a:ext cx="0" cy="0"/>
+          <a:chOff x="0" y="0"/>
+          <a:chExt cx="0" cy="0"/>
+        </a:xfrm>
+      </p:grpSpPr>
+      <p:sp>
+        <p:nvSpPr>
+          <p:cNvPr id="2" name="Título 1"/>
+          <p:cNvSpPr>
+            <a:spLocks noGrp="1"/>
+          </p:cNvSpPr>
+          <p:nvPr>
+            <p:ph type="title"/>
+          </p:nvPr>
+        </p:nvSpPr>
+        <p:spPr>
+          <a:xfrm>
+            <a:off x="-569776" y="407504"/>
+            <a:ext cx="10018713" cy="1752599"/>
+          </a:xfrm>
+        </p:spPr>
+        <p:txBody>
+          <a:bodyPr/>
+          <a:lstStyle/>
+          <a:p>
+            <a:r>
+              <a:rPr lang="es-MX" b="1" dirty="0" err="1"/>
+              <a:t>Setting</a:t>
+            </a:r>
+            <a:r>
+              <a:rPr lang="es-MX" dirty="0"/>
+              <a:t> </a:t>
+            </a:r>
+            <a:endParaRPr lang="es-ES" dirty="0"/>
+          </a:p>
+        </p:txBody>
+      </p:sp>
+      <p:sp>
+        <p:nvSpPr>
+          <p:cNvPr id="4" name="CuadroTexto 3"/>
+          <p:cNvSpPr txBox="1"/>
+          <p:nvPr/>
+        </p:nvSpPr>
+        <p:spPr>
+          <a:xfrm>
+            <a:off x="1217706" y="2488236"/>
+            <a:ext cx="4899098" cy="3323987"/>
+          </a:xfrm>
+          <a:prstGeom prst="rect">
+            <a:avLst/>
+          </a:prstGeom>
+          <a:noFill/>
+        </p:spPr>
+        <p:txBody>
+          <a:bodyPr wrap="none" rtlCol="0">
+            <a:spAutoFit/>
+          </a:bodyPr>
+          <a:lstStyle/>
+          <a:p>
+            <a:r>
+              <a:rPr lang="es-MX" dirty="0"/>
+              <a:t>-</a:t>
+            </a:r>
+            <a:r>
+              <a:rPr lang="es-MX" sz="2400" dirty="0"/>
+              <a:t>Interfaz intuitiva</a:t>
+            </a:r>
+          </a:p>
+          <a:p>
+            <a:endParaRPr lang="es-MX" sz="2400" dirty="0"/>
+          </a:p>
+          <a:p>
+            <a:r>
+              <a:rPr lang="es-MX" sz="2400" dirty="0"/>
+              <a:t>-Fondos simples, con colores amenos</a:t>
+            </a:r>
+          </a:p>
+          <a:p>
+            <a:endParaRPr lang="es-MX" sz="2400" dirty="0"/>
+          </a:p>
+          <a:p>
+            <a:r>
+              <a:rPr lang="es-MX" sz="2400" dirty="0"/>
+              <a:t>-Música relajante (opcional)</a:t>
+            </a:r>
+          </a:p>
+          <a:p>
+            <a:endParaRPr lang="es-MX" sz="2400" dirty="0"/>
+          </a:p>
+          <a:p>
+            <a:r>
+              <a:rPr lang="es-MX" sz="2400" dirty="0"/>
+              <a:t>-Lenguaje español</a:t>
+            </a:r>
+          </a:p>
+          <a:p>
+            <a:endParaRPr lang="es-MX" sz="2400" dirty="0"/>
+          </a:p>
+          <a:p>
+            <a:endParaRPr lang="es-ES" dirty="0"/>
+          </a:p>
+        </p:txBody>
+      </p:sp>
+      <p:pic>
+        <p:nvPicPr>
+          <p:cNvPr id="7" name="Marcador de contenido 6"/>
+          <p:cNvPicPr>
+            <a:picLocks noGrp="1" noChangeAspect="1"/>
+          </p:cNvPicPr>
+          <p:nvPr>
+            <p:ph idx="1"/>
+          </p:nvPr>
+        </p:nvPicPr>
+        <p:blipFill>
+          <a:blip r:embed="rId2">
+            <a:extLst>
+              <a:ext uri="{28A0092B-C50C-407E-A947-70E740481C1C}">
+                <a14:useLocalDpi xmlns:a14="http://schemas.microsoft.com/office/drawing/2010/main" val="0"/>
+              </a:ext>
+            </a:extLst>
+          </a:blip>
+          <a:stretch>
+            <a:fillRect/>
+          </a:stretch>
+        </p:blipFill>
+        <p:spPr>
+          <a:xfrm>
+            <a:off x="6921840" y="624113"/>
+            <a:ext cx="4165600" cy="2764261"/>
+          </a:xfrm>
+        </p:spPr>
+      </p:pic>
+      <p:pic>
+        <p:nvPicPr>
+          <p:cNvPr id="9" name="Imagen 8"/>
+          <p:cNvPicPr>
+            <a:picLocks noChangeAspect="1"/>
+          </p:cNvPicPr>
+          <p:nvPr/>
+        </p:nvPicPr>
+        <p:blipFill>
+          <a:blip r:embed="rId3">
+            <a:extLst>
+              <a:ext uri="{28A0092B-C50C-407E-A947-70E740481C1C}">
+                <a14:useLocalDpi xmlns:a14="http://schemas.microsoft.com/office/drawing/2010/main" val="0"/>
+              </a:ext>
+            </a:extLst>
+          </a:blip>
+          <a:stretch>
+            <a:fillRect/>
+          </a:stretch>
+        </p:blipFill>
+        <p:spPr>
+          <a:xfrm>
+            <a:off x="6921840" y="3767114"/>
+            <a:ext cx="4165601" cy="2612890"/>
+          </a:xfrm>
+          <a:prstGeom prst="rect">
+            <a:avLst/>
+          </a:prstGeom>
+        </p:spPr>
+      </p:pic>
+    </p:spTree>
+    <p:extLst>
+      <p:ext uri="{BB962C8B-B14F-4D97-AF65-F5344CB8AC3E}">
+        <p14:creationId xmlns:p14="http://schemas.microsoft.com/office/powerpoint/2010/main" val="596003679"/>
+      </p:ext>
+    </p:extLst>
+  </p:cSld>
+  <p:clrMapOvr>
+    <a:masterClrMapping/>
+  </p:clrMapOvr>
+</p:sld>
+</file>
+
+<file path=ppt/slides/slide12.xml><?xml version="1.0" encoding="utf-8"?>
+<p:sld xmlns:a="http://schemas.openxmlformats.org/drawingml/2006/main" xmlns:r="http://schemas.openxmlformats.org/officeDocument/2006/relationships" xmlns:p="http://schemas.openxmlformats.org/presentationml/2006/main">
+  <p:cSld>
+    <p:spTree>
+      <p:nvGrpSpPr>
+        <p:cNvPr id="1" name=""/>
+        <p:cNvGrpSpPr/>
+        <p:nvPr/>
+      </p:nvGrpSpPr>
+      <p:grpSpPr>
+        <a:xfrm>
+          <a:off x="0" y="0"/>
+          <a:ext cx="0" cy="0"/>
+          <a:chOff x="0" y="0"/>
+          <a:chExt cx="0" cy="0"/>
+        </a:xfrm>
+      </p:grpSpPr>
+      <p:sp>
+        <p:nvSpPr>
+          <p:cNvPr id="2" name="Título 1"/>
+          <p:cNvSpPr>
+            <a:spLocks noGrp="1"/>
+          </p:cNvSpPr>
+          <p:nvPr>
+            <p:ph type="title"/>
+          </p:nvPr>
+        </p:nvSpPr>
+        <p:spPr/>
+        <p:txBody>
+          <a:bodyPr/>
+          <a:lstStyle/>
+          <a:p>
+            <a:r>
+              <a:rPr lang="es-MX" dirty="0"/>
+              <a:t>Coherencia</a:t>
+            </a:r>
+            <a:endParaRPr lang="es-ES" dirty="0"/>
+          </a:p>
+        </p:txBody>
+      </p:sp>
+      <p:sp>
+        <p:nvSpPr>
+          <p:cNvPr id="5" name="CuadroTexto 4"/>
+          <p:cNvSpPr txBox="1"/>
+          <p:nvPr/>
+        </p:nvSpPr>
+        <p:spPr>
+          <a:xfrm>
+            <a:off x="1455313" y="2292439"/>
+            <a:ext cx="184731" cy="369332"/>
+          </a:xfrm>
+          <a:prstGeom prst="rect">
+            <a:avLst/>
+          </a:prstGeom>
+          <a:noFill/>
+        </p:spPr>
+        <p:txBody>
+          <a:bodyPr wrap="none" rtlCol="0">
+            <a:spAutoFit/>
+          </a:bodyPr>
+          <a:lstStyle/>
+          <a:p>
+            <a:endParaRPr lang="es-ES" dirty="0"/>
+          </a:p>
+        </p:txBody>
+      </p:sp>
+      <p:sp>
+        <p:nvSpPr>
+          <p:cNvPr id="3" name="CuadroTexto 2"/>
+          <p:cNvSpPr txBox="1"/>
+          <p:nvPr/>
+        </p:nvSpPr>
+        <p:spPr>
+          <a:xfrm>
+            <a:off x="1271476" y="2067339"/>
+            <a:ext cx="4081670" cy="2308324"/>
+          </a:xfrm>
+          <a:prstGeom prst="rect">
+            <a:avLst/>
+          </a:prstGeom>
+          <a:noFill/>
+        </p:spPr>
+        <p:txBody>
+          <a:bodyPr wrap="square" rtlCol="0">
+            <a:spAutoFit/>
+          </a:bodyPr>
+          <a:lstStyle/>
+          <a:p>
+            <a:pPr marL="285750" indent="-285750">
+              <a:buFont typeface="Arial" panose="020B0604020202020204" pitchFamily="34" charset="0"/>
+              <a:buChar char="•"/>
+            </a:pPr>
+            <a:r>
+              <a:rPr lang="es-CL" dirty="0"/>
+              <a:t>Contenido adecuado para el publico objetivo.</a:t>
+            </a:r>
+          </a:p>
+          <a:p>
+            <a:pPr marL="285750" indent="-285750">
+              <a:buFont typeface="Arial" panose="020B0604020202020204" pitchFamily="34" charset="0"/>
+              <a:buChar char="•"/>
+            </a:pPr>
+            <a:r>
+              <a:rPr lang="es-CL" dirty="0"/>
+              <a:t>Basado en los tipos del genero Educativo</a:t>
+            </a:r>
+          </a:p>
+          <a:p>
+            <a:pPr marL="285750" indent="-285750">
+              <a:buFont typeface="Arial" panose="020B0604020202020204" pitchFamily="34" charset="0"/>
+              <a:buChar char="•"/>
+            </a:pPr>
+            <a:r>
+              <a:rPr lang="es-CL" dirty="0"/>
+              <a:t>Material relacionado con los contenidos de los niños </a:t>
+            </a:r>
+          </a:p>
+          <a:p>
+            <a:endParaRPr lang="es-CL" dirty="0"/>
+          </a:p>
+          <a:p>
+            <a:pPr marL="285750" indent="-285750">
+              <a:buFont typeface="Arial" panose="020B0604020202020204" pitchFamily="34" charset="0"/>
+              <a:buChar char="•"/>
+            </a:pPr>
+            <a:endParaRPr lang="es-CL" dirty="0"/>
+          </a:p>
+        </p:txBody>
+      </p:sp>
+      <p:pic>
+        <p:nvPicPr>
+          <p:cNvPr id="6" name="Imagen 5"/>
+          <p:cNvPicPr>
+            <a:picLocks noChangeAspect="1"/>
+          </p:cNvPicPr>
+          <p:nvPr/>
+        </p:nvPicPr>
+        <p:blipFill>
+          <a:blip r:embed="rId2" cstate="print">
+            <a:extLst>
+              <a:ext uri="{28A0092B-C50C-407E-A947-70E740481C1C}">
+                <a14:useLocalDpi xmlns:a14="http://schemas.microsoft.com/office/drawing/2010/main" val="0"/>
+              </a:ext>
+            </a:extLst>
+          </a:blip>
+          <a:stretch>
+            <a:fillRect/>
+          </a:stretch>
+        </p:blipFill>
+        <p:spPr>
+          <a:xfrm rot="21384115">
+            <a:off x="5753480" y="4209785"/>
+            <a:ext cx="4136708" cy="2068354"/>
+          </a:xfrm>
+          <a:prstGeom prst="rect">
+            <a:avLst/>
+          </a:prstGeom>
+        </p:spPr>
+      </p:pic>
+      <p:pic>
+        <p:nvPicPr>
+          <p:cNvPr id="8" name="Imagen 7"/>
+          <p:cNvPicPr>
+            <a:picLocks noChangeAspect="1"/>
+          </p:cNvPicPr>
+          <p:nvPr/>
+        </p:nvPicPr>
+        <p:blipFill>
+          <a:blip r:embed="rId3">
+            <a:extLst>
+              <a:ext uri="{28A0092B-C50C-407E-A947-70E740481C1C}">
+                <a14:useLocalDpi xmlns:a14="http://schemas.microsoft.com/office/drawing/2010/main" val="0"/>
+              </a:ext>
+            </a:extLst>
+          </a:blip>
+          <a:stretch>
+            <a:fillRect/>
+          </a:stretch>
+        </p:blipFill>
+        <p:spPr>
+          <a:xfrm rot="477121">
+            <a:off x="8726228" y="1359088"/>
+            <a:ext cx="3175993" cy="2381995"/>
+          </a:xfrm>
+          <a:prstGeom prst="rect">
+            <a:avLst/>
+          </a:prstGeom>
+        </p:spPr>
+      </p:pic>
+      <p:sp>
+        <p:nvSpPr>
+          <p:cNvPr id="9" name="Rectángulo: esquinas redondeadas 8"/>
+          <p:cNvSpPr/>
+          <p:nvPr/>
+        </p:nvSpPr>
+        <p:spPr>
+          <a:xfrm>
+            <a:off x="6050464" y="3005995"/>
+            <a:ext cx="2362774" cy="798285"/>
+          </a:xfrm>
+          <a:prstGeom prst="roundRect">
+            <a:avLst/>
+          </a:prstGeom>
+        </p:spPr>
+        <p:style>
+          <a:lnRef idx="2">
+            <a:schemeClr val="accent1">
+              <a:shade val="50000"/>
+            </a:schemeClr>
+          </a:lnRef>
+          <a:fillRef idx="1">
+            <a:schemeClr val="accent1"/>
+          </a:fillRef>
+          <a:effectRef idx="0">
+            <a:schemeClr val="accent1"/>
+          </a:effectRef>
+          <a:fontRef idx="minor">
+            <a:schemeClr val="lt1"/>
+          </a:fontRef>
+        </p:style>
+        <p:txBody>
+          <a:bodyPr rtlCol="0" anchor="ctr"/>
+          <a:lstStyle/>
+          <a:p>
+            <a:pPr algn="ctr"/>
+            <a:r>
+              <a:rPr lang="es-CL" dirty="0"/>
+              <a:t>Ejemplos Juegos Educativos</a:t>
+            </a:r>
+          </a:p>
+        </p:txBody>
+      </p:sp>
+    </p:spTree>
+    <p:extLst>
+      <p:ext uri="{BB962C8B-B14F-4D97-AF65-F5344CB8AC3E}">
+        <p14:creationId xmlns:p14="http://schemas.microsoft.com/office/powerpoint/2010/main" val="2459279723"/>
+      </p:ext>
+    </p:extLst>
+  </p:cSld>
+  <p:clrMapOvr>
+    <a:masterClrMapping/>
+  </p:clrMapOvr>
+</p:sld>
+</file>
+
+<file path=ppt/slides/slide13.xml><?xml version="1.0" encoding="utf-8"?>
+<p:sld xmlns:a="http://schemas.openxmlformats.org/drawingml/2006/main" xmlns:r="http://schemas.openxmlformats.org/officeDocument/2006/relationships" xmlns:p="http://schemas.openxmlformats.org/presentationml/2006/main">
+  <p:cSld>
+    <p:spTree>
+      <p:nvGrpSpPr>
+        <p:cNvPr id="1" name=""/>
+        <p:cNvGrpSpPr/>
+        <p:nvPr/>
+      </p:nvGrpSpPr>
+      <p:grpSpPr>
+        <a:xfrm>
+          <a:off x="0" y="0"/>
+          <a:ext cx="0" cy="0"/>
+          <a:chOff x="0" y="0"/>
+          <a:chExt cx="0" cy="0"/>
+        </a:xfrm>
+      </p:grpSpPr>
+      <p:sp>
+        <p:nvSpPr>
+          <p:cNvPr id="4" name="Título 3"/>
+          <p:cNvSpPr>
+            <a:spLocks noGrp="1"/>
+          </p:cNvSpPr>
+          <p:nvPr>
+            <p:ph type="title"/>
+          </p:nvPr>
+        </p:nvSpPr>
+        <p:spPr>
+          <a:xfrm>
+            <a:off x="28969" y="366486"/>
+            <a:ext cx="10018713" cy="1752599"/>
+          </a:xfrm>
+        </p:spPr>
+        <p:txBody>
+          <a:bodyPr/>
+          <a:lstStyle/>
+          <a:p>
+            <a:r>
+              <a:rPr lang="es-MX" dirty="0"/>
+              <a:t>Dimensiones</a:t>
+            </a:r>
+            <a:endParaRPr lang="es-ES" dirty="0"/>
+          </a:p>
+        </p:txBody>
+      </p:sp>
+      <p:sp>
+        <p:nvSpPr>
+          <p:cNvPr id="5" name="CuadroTexto 4"/>
+          <p:cNvSpPr txBox="1"/>
+          <p:nvPr/>
+        </p:nvSpPr>
+        <p:spPr>
+          <a:xfrm>
+            <a:off x="1247431" y="2265748"/>
+            <a:ext cx="5559769" cy="1477328"/>
+          </a:xfrm>
+          <a:prstGeom prst="rect">
+            <a:avLst/>
+          </a:prstGeom>
+          <a:noFill/>
+        </p:spPr>
+        <p:txBody>
+          <a:bodyPr wrap="square" rtlCol="0">
+            <a:spAutoFit/>
+          </a:bodyPr>
+          <a:lstStyle/>
+          <a:p>
+            <a:pPr marL="285750" indent="-285750">
+              <a:buFont typeface="Arial" panose="020B0604020202020204" pitchFamily="34" charset="0"/>
+              <a:buChar char="•"/>
+            </a:pPr>
+            <a:r>
+              <a:rPr lang="es-MX" dirty="0"/>
+              <a:t>Menú de opciones </a:t>
+            </a:r>
+          </a:p>
+          <a:p>
+            <a:pPr marL="285750" indent="-285750">
+              <a:buFont typeface="Arial" panose="020B0604020202020204" pitchFamily="34" charset="0"/>
+              <a:buChar char="•"/>
+            </a:pPr>
+            <a:r>
+              <a:rPr lang="es-MX" dirty="0"/>
+              <a:t>El juego se desarrollará en un cuadro bidimensional rectangular, compuesto por: Tiempo, puntaje, ronda, indicadores y cuadros de imagen.</a:t>
+            </a:r>
+          </a:p>
+          <a:p>
+            <a:pPr marL="285750" indent="-285750">
+              <a:buFont typeface="Arial" panose="020B0604020202020204" pitchFamily="34" charset="0"/>
+              <a:buChar char="•"/>
+            </a:pPr>
+            <a:endParaRPr lang="es-ES" dirty="0"/>
+          </a:p>
+        </p:txBody>
+      </p:sp>
+      <p:pic>
+        <p:nvPicPr>
+          <p:cNvPr id="3" name="Imagen 2"/>
+          <p:cNvPicPr>
+            <a:picLocks noChangeAspect="1"/>
+          </p:cNvPicPr>
+          <p:nvPr/>
+        </p:nvPicPr>
+        <p:blipFill>
+          <a:blip r:embed="rId2">
+            <a:extLst>
+              <a:ext uri="{28A0092B-C50C-407E-A947-70E740481C1C}">
+                <a14:useLocalDpi xmlns:a14="http://schemas.microsoft.com/office/drawing/2010/main" val="0"/>
+              </a:ext>
+            </a:extLst>
+          </a:blip>
+          <a:stretch>
+            <a:fillRect/>
+          </a:stretch>
+        </p:blipFill>
+        <p:spPr>
+          <a:xfrm>
+            <a:off x="1835659" y="3405414"/>
+            <a:ext cx="4013598" cy="3010198"/>
+          </a:xfrm>
+          <a:prstGeom prst="rect">
+            <a:avLst/>
+          </a:prstGeom>
+        </p:spPr>
+      </p:pic>
+      <p:pic>
+        <p:nvPicPr>
+          <p:cNvPr id="7" name="Imagen 6"/>
+          <p:cNvPicPr>
+            <a:picLocks noChangeAspect="1"/>
+          </p:cNvPicPr>
+          <p:nvPr/>
+        </p:nvPicPr>
+        <p:blipFill>
+          <a:blip r:embed="rId3">
+            <a:extLst>
+              <a:ext uri="{28A0092B-C50C-407E-A947-70E740481C1C}">
+                <a14:useLocalDpi xmlns:a14="http://schemas.microsoft.com/office/drawing/2010/main" val="0"/>
+              </a:ext>
+            </a:extLst>
+          </a:blip>
+          <a:stretch>
+            <a:fillRect/>
+          </a:stretch>
+        </p:blipFill>
+        <p:spPr>
+          <a:xfrm>
+            <a:off x="7286112" y="3405414"/>
+            <a:ext cx="3918916" cy="2939187"/>
+          </a:xfrm>
+          <a:prstGeom prst="rect">
+            <a:avLst/>
+          </a:prstGeom>
+        </p:spPr>
+      </p:pic>
+      <p:pic>
+        <p:nvPicPr>
+          <p:cNvPr id="9" name="Imagen 8"/>
+          <p:cNvPicPr>
+            <a:picLocks noChangeAspect="1"/>
+          </p:cNvPicPr>
+          <p:nvPr/>
+        </p:nvPicPr>
+        <p:blipFill>
+          <a:blip r:embed="rId4">
+            <a:extLst>
+              <a:ext uri="{28A0092B-C50C-407E-A947-70E740481C1C}">
+                <a14:useLocalDpi xmlns:a14="http://schemas.microsoft.com/office/drawing/2010/main" val="0"/>
+              </a:ext>
+            </a:extLst>
+          </a:blip>
+          <a:stretch>
+            <a:fillRect/>
+          </a:stretch>
+        </p:blipFill>
+        <p:spPr>
+          <a:xfrm>
+            <a:off x="7286112" y="337457"/>
+            <a:ext cx="3918916" cy="2874148"/>
+          </a:xfrm>
+          <a:prstGeom prst="rect">
+            <a:avLst/>
+          </a:prstGeom>
+        </p:spPr>
+      </p:pic>
+    </p:spTree>
+    <p:extLst>
+      <p:ext uri="{BB962C8B-B14F-4D97-AF65-F5344CB8AC3E}">
+        <p14:creationId xmlns:p14="http://schemas.microsoft.com/office/powerpoint/2010/main" val="431876650"/>
+      </p:ext>
+    </p:extLst>
+  </p:cSld>
+  <p:clrMapOvr>
+    <a:masterClrMapping/>
+  </p:clrMapOvr>
+</p:sld>
+</file>
+
+<file path=ppt/slides/slide14.xml><?xml version="1.0" encoding="utf-8"?>
+<p:sld xmlns:a="http://schemas.openxmlformats.org/drawingml/2006/main" xmlns:r="http://schemas.openxmlformats.org/officeDocument/2006/relationships" xmlns:p="http://schemas.openxmlformats.org/presentationml/2006/main">
+  <p:cSld>
+    <p:spTree>
+      <p:nvGrpSpPr>
+        <p:cNvPr id="1" name=""/>
+        <p:cNvGrpSpPr/>
+        <p:nvPr/>
+      </p:nvGrpSpPr>
+      <p:grpSpPr>
+        <a:xfrm>
+          <a:off x="0" y="0"/>
+          <a:ext cx="0" cy="0"/>
+          <a:chOff x="0" y="0"/>
+          <a:chExt cx="0" cy="0"/>
+        </a:xfrm>
+      </p:grpSpPr>
+      <p:sp>
+        <p:nvSpPr>
+          <p:cNvPr id="2" name="Título 1"/>
+          <p:cNvSpPr>
+            <a:spLocks noGrp="1"/>
+          </p:cNvSpPr>
+          <p:nvPr>
+            <p:ph type="title"/>
+          </p:nvPr>
+        </p:nvSpPr>
+        <p:spPr/>
+        <p:txBody>
+          <a:bodyPr/>
+          <a:lstStyle/>
+          <a:p>
+            <a:r>
+              <a:rPr lang="es-CL" dirty="0"/>
+              <a:t>Prototipo 1</a:t>
+            </a:r>
+          </a:p>
+        </p:txBody>
+      </p:sp>
+      <p:sp>
+        <p:nvSpPr>
+          <p:cNvPr id="3" name="Marcador de contenido 2"/>
+          <p:cNvSpPr>
+            <a:spLocks noGrp="1"/>
+          </p:cNvSpPr>
+          <p:nvPr>
+            <p:ph idx="1"/>
+          </p:nvPr>
+        </p:nvSpPr>
+        <p:spPr>
+          <a:xfrm>
+            <a:off x="1285462" y="1457739"/>
+            <a:ext cx="5711686" cy="4916556"/>
+          </a:xfrm>
+        </p:spPr>
+        <p:txBody>
+          <a:bodyPr/>
+          <a:lstStyle/>
+          <a:p>
+            <a:r>
+              <a:rPr lang="es-CL" dirty="0"/>
+              <a:t>Características:</a:t>
+            </a:r>
+          </a:p>
+          <a:p>
+            <a:pPr marL="0" indent="0">
+              <a:buNone/>
+            </a:pPr>
+            <a:r>
+              <a:rPr lang="es-CL" dirty="0"/>
+              <a:t>-Usa el cuadro creado para el modo </a:t>
+            </a:r>
+            <a:r>
+              <a:rPr lang="es-CL" dirty="0" err="1"/>
+              <a:t>singleplayer</a:t>
+            </a:r>
+            <a:r>
+              <a:rPr lang="es-CL" dirty="0"/>
+              <a:t>.</a:t>
+            </a:r>
+          </a:p>
+          <a:p>
+            <a:pPr marL="0" indent="0">
+              <a:buNone/>
+            </a:pPr>
+            <a:r>
+              <a:rPr lang="es-CL" dirty="0"/>
+              <a:t>-Cuando se pulsa la tecla abajo o arriba cambia las imágenes almacenadas en el juego.</a:t>
+            </a:r>
+          </a:p>
+          <a:p>
+            <a:pPr marL="0" indent="0">
+              <a:buNone/>
+            </a:pPr>
+            <a:endParaRPr lang="es-CL" dirty="0"/>
+          </a:p>
+        </p:txBody>
+      </p:sp>
+      <p:sp>
+        <p:nvSpPr>
+          <p:cNvPr id="4" name="CuadroTexto 3"/>
+          <p:cNvSpPr txBox="1"/>
+          <p:nvPr/>
+        </p:nvSpPr>
+        <p:spPr>
+          <a:xfrm>
+            <a:off x="7116486" y="2067339"/>
+            <a:ext cx="4267200" cy="2031325"/>
+          </a:xfrm>
+          <a:prstGeom prst="rect">
+            <a:avLst/>
+          </a:prstGeom>
+          <a:noFill/>
+        </p:spPr>
+        <p:txBody>
+          <a:bodyPr wrap="square" rtlCol="0">
+            <a:spAutoFit/>
+          </a:bodyPr>
+          <a:lstStyle/>
+          <a:p>
+            <a:r>
+              <a:rPr lang="es-CL" dirty="0"/>
+              <a:t>Apuntes para el prototipo 2:</a:t>
+            </a:r>
+          </a:p>
+          <a:p>
+            <a:endParaRPr lang="es-CL" dirty="0"/>
+          </a:p>
+          <a:p>
+            <a:r>
+              <a:rPr lang="es-CL" dirty="0"/>
+              <a:t>-Evitar repetición de imágenes al cambiar</a:t>
+            </a:r>
+          </a:p>
+          <a:p>
+            <a:r>
+              <a:rPr lang="es-CL" dirty="0"/>
+              <a:t>-Agregar mensajes</a:t>
+            </a:r>
+          </a:p>
+          <a:p>
+            <a:r>
+              <a:rPr lang="es-CL" dirty="0"/>
+              <a:t>-Crear Menú principal</a:t>
+            </a:r>
+          </a:p>
+          <a:p>
+            <a:r>
+              <a:rPr lang="es-CL" dirty="0"/>
+              <a:t>-Adaptar imágenes al tamaño</a:t>
+            </a:r>
+          </a:p>
+          <a:p>
+            <a:r>
+              <a:rPr lang="es-CL" dirty="0"/>
+              <a:t>-Añadir el reloj y puntajes</a:t>
+            </a:r>
+          </a:p>
+        </p:txBody>
+      </p:sp>
+    </p:spTree>
+    <p:extLst>
+      <p:ext uri="{BB962C8B-B14F-4D97-AF65-F5344CB8AC3E}">
+        <p14:creationId xmlns:p14="http://schemas.microsoft.com/office/powerpoint/2010/main" val="1890396864"/>
+      </p:ext>
+    </p:extLst>
+  </p:cSld>
+  <p:clrMapOvr>
+    <a:masterClrMapping/>
+  </p:clrMapOvr>
+</p:sld>
+</file>
+
+<file path=ppt/slides/slide15.xml><?xml version="1.0" encoding="utf-8"?>
+<p:sld xmlns:a="http://schemas.openxmlformats.org/drawingml/2006/main" xmlns:r="http://schemas.openxmlformats.org/officeDocument/2006/relationships" xmlns:p="http://schemas.openxmlformats.org/presentationml/2006/main">
+  <p:cSld>
+    <p:spTree>
+      <p:nvGrpSpPr>
+        <p:cNvPr id="1" name=""/>
+        <p:cNvGrpSpPr/>
+        <p:nvPr/>
+      </p:nvGrpSpPr>
+      <p:grpSpPr>
+        <a:xfrm>
+          <a:off x="0" y="0"/>
+          <a:ext cx="0" cy="0"/>
+          <a:chOff x="0" y="0"/>
+          <a:chExt cx="0" cy="0"/>
+        </a:xfrm>
+      </p:grpSpPr>
+      <p:sp>
+        <p:nvSpPr>
+          <p:cNvPr id="2" name="Título 1"/>
+          <p:cNvSpPr>
+            <a:spLocks noGrp="1"/>
+          </p:cNvSpPr>
+          <p:nvPr>
+            <p:ph type="title"/>
+          </p:nvPr>
+        </p:nvSpPr>
+        <p:spPr>
+          <a:xfrm>
+            <a:off x="1272276" y="1"/>
+            <a:ext cx="10018713" cy="1046922"/>
+          </a:xfrm>
+        </p:spPr>
+        <p:txBody>
+          <a:bodyPr/>
+          <a:lstStyle/>
+          <a:p>
+            <a:r>
+              <a:rPr lang="es-CL" dirty="0"/>
+              <a:t>Carta Gantt Etapa Diseño</a:t>
+            </a:r>
+          </a:p>
+        </p:txBody>
+      </p:sp>
+      <p:pic>
+        <p:nvPicPr>
+          <p:cNvPr id="5" name="Marcador de contenido 4"/>
+          <p:cNvPicPr>
+            <a:picLocks noGrp="1" noChangeAspect="1"/>
+          </p:cNvPicPr>
+          <p:nvPr>
+            <p:ph idx="1"/>
+          </p:nvPr>
+        </p:nvPicPr>
+        <p:blipFill>
+          <a:blip r:embed="rId2">
+            <a:extLst>
+              <a:ext uri="{28A0092B-C50C-407E-A947-70E740481C1C}">
+                <a14:useLocalDpi xmlns:a14="http://schemas.microsoft.com/office/drawing/2010/main" val="0"/>
+              </a:ext>
+            </a:extLst>
+          </a:blip>
+          <a:stretch>
+            <a:fillRect/>
+          </a:stretch>
+        </p:blipFill>
+        <p:spPr>
+          <a:xfrm>
+            <a:off x="384313" y="715617"/>
+            <a:ext cx="10906676" cy="5996609"/>
+          </a:xfrm>
+        </p:spPr>
+      </p:pic>
+    </p:spTree>
+    <p:extLst>
+      <p:ext uri="{BB962C8B-B14F-4D97-AF65-F5344CB8AC3E}">
+        <p14:creationId xmlns:p14="http://schemas.microsoft.com/office/powerpoint/2010/main" val="770675465"/>
+      </p:ext>
+    </p:extLst>
+  </p:cSld>
+  <p:clrMapOvr>
+    <a:masterClrMapping/>
+  </p:clrMapOvr>
+</p:sld>
+</file>
+
+<file path=ppt/slides/slide16.xml><?xml version="1.0" encoding="utf-8"?>
+<p:sld xmlns:a="http://schemas.openxmlformats.org/drawingml/2006/main" xmlns:r="http://schemas.openxmlformats.org/officeDocument/2006/relationships" xmlns:p="http://schemas.openxmlformats.org/presentationml/2006/main">
+  <p:cSld>
+    <p:spTree>
+      <p:nvGrpSpPr>
+        <p:cNvPr id="1" name=""/>
+        <p:cNvGrpSpPr/>
+        <p:nvPr/>
+      </p:nvGrpSpPr>
+      <p:grpSpPr>
+        <a:xfrm>
+          <a:off x="0" y="0"/>
+          <a:ext cx="0" cy="0"/>
+          <a:chOff x="0" y="0"/>
+          <a:chExt cx="0" cy="0"/>
+        </a:xfrm>
+      </p:grpSpPr>
+      <p:sp>
+        <p:nvSpPr>
+          <p:cNvPr id="2" name="Título 1"/>
+          <p:cNvSpPr>
+            <a:spLocks noGrp="1"/>
+          </p:cNvSpPr>
+          <p:nvPr>
+            <p:ph type="title"/>
+          </p:nvPr>
+        </p:nvSpPr>
+        <p:spPr>
+          <a:xfrm>
+            <a:off x="1370011" y="-300038"/>
+            <a:ext cx="10018713" cy="1752599"/>
+          </a:xfrm>
+        </p:spPr>
+        <p:txBody>
+          <a:bodyPr/>
+          <a:lstStyle/>
+          <a:p>
+            <a:r>
+              <a:rPr lang="es-CL" dirty="0"/>
+              <a:t>Carta Gantt: Segunda etapa</a:t>
+            </a:r>
+          </a:p>
+        </p:txBody>
+      </p:sp>
+      <p:pic>
+        <p:nvPicPr>
+          <p:cNvPr id="5" name="Marcador de contenido 4"/>
+          <p:cNvPicPr>
+            <a:picLocks noGrp="1" noChangeAspect="1"/>
+          </p:cNvPicPr>
+          <p:nvPr>
+            <p:ph idx="1"/>
+          </p:nvPr>
+        </p:nvPicPr>
+        <p:blipFill>
+          <a:blip r:embed="rId2">
+            <a:extLst>
+              <a:ext uri="{28A0092B-C50C-407E-A947-70E740481C1C}">
+                <a14:useLocalDpi xmlns:a14="http://schemas.microsoft.com/office/drawing/2010/main" val="0"/>
+              </a:ext>
+            </a:extLst>
+          </a:blip>
+          <a:stretch>
+            <a:fillRect/>
+          </a:stretch>
+        </p:blipFill>
+        <p:spPr>
+          <a:xfrm>
+            <a:off x="727072" y="933449"/>
+            <a:ext cx="10661651" cy="5775480"/>
+          </a:xfrm>
+        </p:spPr>
+      </p:pic>
+    </p:spTree>
+    <p:extLst>
+      <p:ext uri="{BB962C8B-B14F-4D97-AF65-F5344CB8AC3E}">
+        <p14:creationId xmlns:p14="http://schemas.microsoft.com/office/powerpoint/2010/main" val="2262790565"/>
+      </p:ext>
+    </p:extLst>
+  </p:cSld>
+  <p:clrMapOvr>
+    <a:masterClrMapping/>
+  </p:clrMapOvr>
+</p:sld>
+</file>
+
+<file path=ppt/slides/slide17.xml><?xml version="1.0" encoding="utf-8"?>
+<p:sld xmlns:a="http://schemas.openxmlformats.org/drawingml/2006/main" xmlns:r="http://schemas.openxmlformats.org/officeDocument/2006/relationships" xmlns:p="http://schemas.openxmlformats.org/presentationml/2006/main">
+  <p:cSld>
+    <p:spTree>
+      <p:nvGrpSpPr>
+        <p:cNvPr id="1" name=""/>
+        <p:cNvGrpSpPr/>
+        <p:nvPr/>
+      </p:nvGrpSpPr>
+      <p:grpSpPr>
+        <a:xfrm>
+          <a:off x="0" y="0"/>
+          <a:ext cx="0" cy="0"/>
+          <a:chOff x="0" y="0"/>
+          <a:chExt cx="0" cy="0"/>
+        </a:xfrm>
+      </p:grpSpPr>
+      <p:sp>
+        <p:nvSpPr>
+          <p:cNvPr id="2" name="Título 1"/>
+          <p:cNvSpPr>
+            <a:spLocks noGrp="1"/>
+          </p:cNvSpPr>
+          <p:nvPr>
+            <p:ph type="title"/>
+          </p:nvPr>
+        </p:nvSpPr>
+        <p:spPr>
+          <a:xfrm>
+            <a:off x="1365042" y="155713"/>
+            <a:ext cx="10018713" cy="1752599"/>
+          </a:xfrm>
+        </p:spPr>
+        <p:txBody>
+          <a:bodyPr/>
+          <a:lstStyle/>
+          <a:p>
+            <a:r>
+              <a:rPr lang="es-MX" dirty="0"/>
+              <a:t>Conclusión</a:t>
+            </a:r>
+            <a:endParaRPr lang="es-ES" dirty="0"/>
+          </a:p>
+        </p:txBody>
+      </p:sp>
+      <p:sp>
+        <p:nvSpPr>
+          <p:cNvPr id="3" name="Marcador de contenido 2"/>
+          <p:cNvSpPr>
+            <a:spLocks noGrp="1"/>
+          </p:cNvSpPr>
+          <p:nvPr>
+            <p:ph idx="1"/>
+          </p:nvPr>
+        </p:nvSpPr>
+        <p:spPr>
+          <a:xfrm>
+            <a:off x="1484310" y="1736035"/>
+            <a:ext cx="6082681" cy="4055165"/>
+          </a:xfrm>
+        </p:spPr>
+        <p:txBody>
+          <a:bodyPr/>
+          <a:lstStyle/>
+          <a:p>
+            <a:r>
+              <a:rPr lang="es-ES" dirty="0"/>
+              <a:t>Mejorar las habilidades de observar y reconocer asociaciones.</a:t>
+            </a:r>
+          </a:p>
+          <a:p>
+            <a:r>
+              <a:rPr lang="es-ES" dirty="0"/>
+              <a:t>Estudiar posible uso en la enseñanza de contenidos del currículo.</a:t>
+            </a:r>
+          </a:p>
+          <a:p>
+            <a:r>
+              <a:rPr lang="es-ES" dirty="0"/>
+              <a:t>Aumento de la población en situación de discapacidad.</a:t>
+            </a:r>
+          </a:p>
+          <a:p>
+            <a:r>
+              <a:rPr lang="es-ES" dirty="0"/>
+              <a:t>Posibles expansiones de las áreas de </a:t>
+            </a:r>
+            <a:r>
+              <a:rPr lang="es-ES" dirty="0" err="1"/>
+              <a:t>FastClick</a:t>
+            </a:r>
+            <a:r>
+              <a:rPr lang="es-ES" dirty="0"/>
+              <a:t>.</a:t>
+            </a:r>
+          </a:p>
+          <a:p>
+            <a:endParaRPr lang="es-ES" dirty="0"/>
+          </a:p>
+        </p:txBody>
+      </p:sp>
+      <p:pic>
+        <p:nvPicPr>
+          <p:cNvPr id="5" name="Imagen 4"/>
+          <p:cNvPicPr>
+            <a:picLocks noChangeAspect="1"/>
+          </p:cNvPicPr>
+          <p:nvPr/>
+        </p:nvPicPr>
+        <p:blipFill>
+          <a:blip r:embed="rId2">
+            <a:extLst>
+              <a:ext uri="{28A0092B-C50C-407E-A947-70E740481C1C}">
+                <a14:useLocalDpi xmlns:a14="http://schemas.microsoft.com/office/drawing/2010/main" val="0"/>
+              </a:ext>
+            </a:extLst>
+          </a:blip>
+          <a:stretch>
+            <a:fillRect/>
+          </a:stretch>
+        </p:blipFill>
+        <p:spPr>
+          <a:xfrm>
+            <a:off x="7265450" y="2116723"/>
+            <a:ext cx="4118305" cy="2743821"/>
+          </a:xfrm>
+          <a:prstGeom prst="rect">
+            <a:avLst/>
+          </a:prstGeom>
+          <a:ln>
+            <a:noFill/>
+          </a:ln>
+          <a:effectLst>
+            <a:outerShdw blurRad="292100" dist="139700" dir="2700000" algn="tl" rotWithShape="0">
+              <a:srgbClr val="333333">
+                <a:alpha val="65000"/>
+              </a:srgbClr>
+            </a:outerShdw>
+          </a:effectLst>
+        </p:spPr>
+      </p:pic>
+    </p:spTree>
+    <p:extLst>
+      <p:ext uri="{BB962C8B-B14F-4D97-AF65-F5344CB8AC3E}">
+        <p14:creationId xmlns:p14="http://schemas.microsoft.com/office/powerpoint/2010/main" val="3404720522"/>
+      </p:ext>
+    </p:extLst>
+  </p:cSld>
+  <p:clrMapOvr>
+    <a:masterClrMapping/>
+  </p:clrMapOvr>
+</p:sld>
+</file>
+
+<file path=ppt/slides/slide2.xml><?xml version="1.0" encoding="utf-8"?>
+<p:sld xmlns:a="http://schemas.openxmlformats.org/drawingml/2006/main" xmlns:r="http://schemas.openxmlformats.org/officeDocument/2006/relationships" xmlns:p="http://schemas.openxmlformats.org/presentationml/2006/main">
+  <p:cSld>
+    <p:spTree>
+      <p:nvGrpSpPr>
+        <p:cNvPr id="1" name=""/>
+        <p:cNvGrpSpPr/>
+        <p:nvPr/>
+      </p:nvGrpSpPr>
+      <p:grpSpPr>
+        <a:xfrm>
+          <a:off x="0" y="0"/>
+          <a:ext cx="0" cy="0"/>
+          <a:chOff x="0" y="0"/>
+          <a:chExt cx="0" cy="0"/>
+        </a:xfrm>
+      </p:grpSpPr>
+      <p:sp>
+        <p:nvSpPr>
+          <p:cNvPr id="2" name="Título 1"/>
+          <p:cNvSpPr>
+            <a:spLocks noGrp="1"/>
+          </p:cNvSpPr>
+          <p:nvPr>
+            <p:ph type="title"/>
+          </p:nvPr>
+        </p:nvSpPr>
+        <p:spPr/>
+        <p:txBody>
+          <a:bodyPr/>
+          <a:lstStyle/>
+          <a:p>
+            <a:r>
+              <a:rPr lang="es-CL" dirty="0"/>
+              <a:t>Introducción</a:t>
+            </a:r>
+          </a:p>
+        </p:txBody>
+      </p:sp>
+      <p:sp>
+        <p:nvSpPr>
+          <p:cNvPr id="3" name="Marcador de contenido 2"/>
+          <p:cNvSpPr>
+            <a:spLocks noGrp="1"/>
+          </p:cNvSpPr>
+          <p:nvPr>
+            <p:ph idx="1"/>
+          </p:nvPr>
+        </p:nvSpPr>
+        <p:spPr>
+          <a:xfrm>
+            <a:off x="1484311" y="2438399"/>
+            <a:ext cx="4803727" cy="3540369"/>
+          </a:xfrm>
+        </p:spPr>
+        <p:txBody>
+          <a:bodyPr/>
+          <a:lstStyle/>
+          <a:p>
+            <a:r>
+              <a:rPr lang="es-CL" dirty="0"/>
+              <a:t>Demandas del Curso</a:t>
+            </a:r>
+          </a:p>
+          <a:p>
+            <a:r>
+              <a:rPr lang="es-CL" dirty="0"/>
+              <a:t>Juegos Educativos:</a:t>
+            </a:r>
+          </a:p>
+          <a:p>
+            <a:pPr marL="0" indent="0">
+              <a:buNone/>
+            </a:pPr>
+            <a:r>
+              <a:rPr lang="es-CL" dirty="0"/>
+              <a:t>	-Beneficios al proceso educativo</a:t>
+            </a:r>
+          </a:p>
+          <a:p>
+            <a:pPr marL="0" indent="0">
+              <a:buNone/>
+            </a:pPr>
+            <a:r>
+              <a:rPr lang="es-CL" dirty="0"/>
+              <a:t>	-Herramienta didáctica</a:t>
+            </a:r>
+          </a:p>
+          <a:p>
+            <a:r>
+              <a:rPr lang="es-CL" dirty="0" err="1">
+                <a:solidFill>
+                  <a:srgbClr val="92D050"/>
+                </a:solidFill>
+                <a:hlinkClick r:id="rId2" tooltip="Hakitzu"/>
+              </a:rPr>
+              <a:t>Hakitzu</a:t>
+            </a:r>
+            <a:r>
+              <a:rPr lang="es-CL" dirty="0">
+                <a:solidFill>
+                  <a:srgbClr val="92D050"/>
+                </a:solidFill>
+              </a:rPr>
+              <a:t> , </a:t>
+            </a:r>
+            <a:r>
+              <a:rPr lang="es-CL" dirty="0" err="1">
+                <a:solidFill>
+                  <a:srgbClr val="92D050"/>
+                </a:solidFill>
+              </a:rPr>
+              <a:t>SimCity</a:t>
+            </a:r>
+            <a:r>
+              <a:rPr lang="es-CL" dirty="0">
+                <a:solidFill>
+                  <a:srgbClr val="92D050"/>
+                </a:solidFill>
+              </a:rPr>
+              <a:t> Edu, entre otros</a:t>
+            </a:r>
+          </a:p>
+          <a:p>
+            <a:r>
+              <a:rPr lang="es-CL" dirty="0">
+                <a:solidFill>
+                  <a:srgbClr val="FF0000"/>
+                </a:solidFill>
+              </a:rPr>
+              <a:t>Nace </a:t>
+            </a:r>
+            <a:r>
+              <a:rPr lang="es-CL" dirty="0" err="1">
+                <a:solidFill>
+                  <a:srgbClr val="FF0000"/>
+                </a:solidFill>
+              </a:rPr>
+              <a:t>FastClick</a:t>
+            </a:r>
+            <a:endParaRPr lang="es-CL" dirty="0"/>
+          </a:p>
+          <a:p>
+            <a:endParaRPr lang="es-CL" dirty="0"/>
+          </a:p>
+          <a:p>
+            <a:endParaRPr lang="es-CL" dirty="0"/>
+          </a:p>
+        </p:txBody>
+      </p:sp>
+      <p:pic>
+        <p:nvPicPr>
+          <p:cNvPr id="5" name="Imagen 4"/>
+          <p:cNvPicPr>
+            <a:picLocks noChangeAspect="1"/>
+          </p:cNvPicPr>
+          <p:nvPr/>
+        </p:nvPicPr>
+        <p:blipFill>
+          <a:blip r:embed="rId3">
+            <a:extLst>
+              <a:ext uri="{28A0092B-C50C-407E-A947-70E740481C1C}">
+                <a14:useLocalDpi xmlns:a14="http://schemas.microsoft.com/office/drawing/2010/main" val="0"/>
+              </a:ext>
+            </a:extLst>
+          </a:blip>
+          <a:stretch>
+            <a:fillRect/>
+          </a:stretch>
+        </p:blipFill>
+        <p:spPr>
+          <a:xfrm>
+            <a:off x="6288038" y="2666999"/>
+            <a:ext cx="4656627" cy="2115827"/>
+          </a:xfrm>
+          <a:prstGeom prst="roundRect">
+            <a:avLst>
+              <a:gd name="adj" fmla="val 8594"/>
+            </a:avLst>
+          </a:prstGeom>
+          <a:solidFill>
+            <a:srgbClr val="FFFFFF">
+              <a:shade val="85000"/>
+            </a:srgbClr>
+          </a:solidFill>
+          <a:ln>
+            <a:noFill/>
+          </a:ln>
+          <a:effectLst>
+            <a:reflection blurRad="12700" stA="38000" endPos="28000" dist="5000" dir="5400000" sy="-100000" algn="bl" rotWithShape="0"/>
+          </a:effectLst>
+        </p:spPr>
+      </p:pic>
+    </p:spTree>
+    <p:extLst>
+      <p:ext uri="{BB962C8B-B14F-4D97-AF65-F5344CB8AC3E}">
+        <p14:creationId xmlns:p14="http://schemas.microsoft.com/office/powerpoint/2010/main" val="153126852"/>
+      </p:ext>
+    </p:extLst>
+  </p:cSld>
+  <p:clrMapOvr>
+    <a:masterClrMapping/>
+  </p:clrMapOvr>
+</p:sld>
+</file>
+
+<file path=ppt/slides/slide3.xml><?xml version="1.0" encoding="utf-8"?>
+<p:sld xmlns:a="http://schemas.openxmlformats.org/drawingml/2006/main" xmlns:r="http://schemas.openxmlformats.org/officeDocument/2006/relationships" xmlns:p="http://schemas.openxmlformats.org/presentationml/2006/main">
+  <p:cSld>
+    <p:spTree>
+      <p:nvGrpSpPr>
+        <p:cNvPr id="1" name=""/>
+        <p:cNvGrpSpPr/>
+        <p:nvPr/>
+      </p:nvGrpSpPr>
+      <p:grpSpPr>
+        <a:xfrm>
+          <a:off x="0" y="0"/>
+          <a:ext cx="0" cy="0"/>
+          <a:chOff x="0" y="0"/>
+          <a:chExt cx="0" cy="0"/>
+        </a:xfrm>
+      </p:grpSpPr>
+      <p:sp>
+        <p:nvSpPr>
+          <p:cNvPr id="2" name="Título 1"/>
+          <p:cNvSpPr>
+            <a:spLocks noGrp="1"/>
+          </p:cNvSpPr>
+          <p:nvPr>
+            <p:ph type="title"/>
+          </p:nvPr>
+        </p:nvSpPr>
+        <p:spPr>
+          <a:xfrm>
+            <a:off x="-1121371" y="-28594"/>
+            <a:ext cx="10018713" cy="1752599"/>
+          </a:xfrm>
+        </p:spPr>
+        <p:txBody>
+          <a:bodyPr/>
+          <a:lstStyle/>
+          <a:p>
+            <a:r>
+              <a:rPr lang="es-CL" dirty="0"/>
+              <a:t>La discapacidad en Chile</a:t>
+            </a:r>
+            <a:br>
+              <a:rPr lang="es-CL" dirty="0"/>
+            </a:br>
+            <a:r>
+              <a:rPr lang="es-CL" dirty="0"/>
+              <a:t>2004</a:t>
+            </a:r>
+          </a:p>
+        </p:txBody>
+      </p:sp>
+      <p:pic>
+        <p:nvPicPr>
+          <p:cNvPr id="6" name="Marcador de contenido 5"/>
+          <p:cNvPicPr>
+            <a:picLocks noGrp="1" noChangeAspect="1"/>
+          </p:cNvPicPr>
+          <p:nvPr>
+            <p:ph sz="half" idx="1"/>
+          </p:nvPr>
+        </p:nvPicPr>
+        <p:blipFill>
+          <a:blip r:embed="rId2">
+            <a:extLst>
+              <a:ext uri="{28A0092B-C50C-407E-A947-70E740481C1C}">
+                <a14:useLocalDpi xmlns:a14="http://schemas.microsoft.com/office/drawing/2010/main" val="0"/>
+              </a:ext>
+            </a:extLst>
+          </a:blip>
+          <a:stretch>
+            <a:fillRect/>
+          </a:stretch>
+        </p:blipFill>
+        <p:spPr>
+          <a:xfrm>
+            <a:off x="1231092" y="2002301"/>
+            <a:ext cx="4522594" cy="3571899"/>
+          </a:xfrm>
+        </p:spPr>
+      </p:pic>
+      <p:pic>
+        <p:nvPicPr>
+          <p:cNvPr id="8" name="Marcador de contenido 7"/>
+          <p:cNvPicPr>
+            <a:picLocks noGrp="1" noChangeAspect="1"/>
+          </p:cNvPicPr>
+          <p:nvPr>
+            <p:ph sz="half" idx="2"/>
+          </p:nvPr>
+        </p:nvPicPr>
+        <p:blipFill>
+          <a:blip r:embed="rId3">
+            <a:extLst>
+              <a:ext uri="{28A0092B-C50C-407E-A947-70E740481C1C}">
+                <a14:useLocalDpi xmlns:a14="http://schemas.microsoft.com/office/drawing/2010/main" val="0"/>
+              </a:ext>
+            </a:extLst>
+          </a:blip>
+          <a:stretch>
+            <a:fillRect/>
+          </a:stretch>
+        </p:blipFill>
+        <p:spPr>
+          <a:xfrm>
+            <a:off x="6898744" y="249702"/>
+            <a:ext cx="4026296" cy="3201633"/>
+          </a:xfrm>
+        </p:spPr>
+      </p:pic>
+      <p:pic>
+        <p:nvPicPr>
+          <p:cNvPr id="10" name="Imagen 9"/>
+          <p:cNvPicPr>
+            <a:picLocks noChangeAspect="1"/>
+          </p:cNvPicPr>
+          <p:nvPr/>
+        </p:nvPicPr>
+        <p:blipFill>
+          <a:blip r:embed="rId4">
+            <a:extLst>
+              <a:ext uri="{28A0092B-C50C-407E-A947-70E740481C1C}">
+                <a14:useLocalDpi xmlns:a14="http://schemas.microsoft.com/office/drawing/2010/main" val="0"/>
+              </a:ext>
+            </a:extLst>
+          </a:blip>
+          <a:stretch>
+            <a:fillRect/>
+          </a:stretch>
+        </p:blipFill>
+        <p:spPr>
+          <a:xfrm>
+            <a:off x="6869644" y="3451335"/>
+            <a:ext cx="4055396" cy="3112857"/>
+          </a:xfrm>
+          <a:prstGeom prst="rect">
+            <a:avLst/>
+          </a:prstGeom>
+        </p:spPr>
+      </p:pic>
+      <p:sp>
+        <p:nvSpPr>
+          <p:cNvPr id="11" name="Flecha: a la derecha 10"/>
+          <p:cNvSpPr/>
+          <p:nvPr/>
+        </p:nvSpPr>
+        <p:spPr>
+          <a:xfrm>
+            <a:off x="6400800" y="5804452"/>
+            <a:ext cx="1478605" cy="569843"/>
+          </a:xfrm>
+          <a:prstGeom prst="rightArrow">
+            <a:avLst/>
+          </a:prstGeom>
+        </p:spPr>
+        <p:style>
+          <a:lnRef idx="2">
+            <a:schemeClr val="accent1">
+              <a:shade val="50000"/>
+            </a:schemeClr>
+          </a:lnRef>
+          <a:fillRef idx="1">
+            <a:schemeClr val="accent1"/>
+          </a:fillRef>
+          <a:effectRef idx="0">
+            <a:schemeClr val="accent1"/>
+          </a:effectRef>
+          <a:fontRef idx="minor">
+            <a:schemeClr val="lt1"/>
+          </a:fontRef>
+        </p:style>
+        <p:txBody>
+          <a:bodyPr rtlCol="0" anchor="ctr"/>
+          <a:lstStyle/>
+          <a:p>
+            <a:pPr algn="ctr"/>
+            <a:endParaRPr lang="es-CL" dirty="0"/>
+          </a:p>
+        </p:txBody>
+      </p:sp>
+      <p:sp>
+        <p:nvSpPr>
+          <p:cNvPr id="12" name="Flecha: a la derecha 11"/>
+          <p:cNvSpPr/>
+          <p:nvPr/>
+        </p:nvSpPr>
+        <p:spPr>
+          <a:xfrm rot="1021665">
+            <a:off x="5661497" y="1856683"/>
+            <a:ext cx="1478605" cy="569843"/>
+          </a:xfrm>
+          <a:prstGeom prst="rightArrow">
+            <a:avLst/>
+          </a:prstGeom>
+        </p:spPr>
+        <p:style>
+          <a:lnRef idx="2">
+            <a:schemeClr val="accent1">
+              <a:shade val="50000"/>
+            </a:schemeClr>
+          </a:lnRef>
+          <a:fillRef idx="1">
+            <a:schemeClr val="accent1"/>
+          </a:fillRef>
+          <a:effectRef idx="0">
+            <a:schemeClr val="accent1"/>
+          </a:effectRef>
+          <a:fontRef idx="minor">
+            <a:schemeClr val="lt1"/>
+          </a:fontRef>
+        </p:style>
+        <p:txBody>
+          <a:bodyPr rtlCol="0" anchor="ctr"/>
+          <a:lstStyle/>
+          <a:p>
+            <a:pPr algn="ctr"/>
+            <a:endParaRPr lang="es-CL" dirty="0"/>
+          </a:p>
+        </p:txBody>
+      </p:sp>
+      <p:sp>
+        <p:nvSpPr>
+          <p:cNvPr id="14" name="CuadroTexto 13"/>
+          <p:cNvSpPr txBox="1"/>
+          <p:nvPr/>
+        </p:nvSpPr>
+        <p:spPr>
+          <a:xfrm>
+            <a:off x="1984235" y="5852496"/>
+            <a:ext cx="4088640" cy="923330"/>
+          </a:xfrm>
+          <a:prstGeom prst="rect">
+            <a:avLst/>
+          </a:prstGeom>
+          <a:noFill/>
+        </p:spPr>
+        <p:txBody>
+          <a:bodyPr wrap="square" rtlCol="0">
+            <a:spAutoFit/>
+          </a:bodyPr>
+          <a:lstStyle/>
+          <a:p>
+            <a:r>
+              <a:rPr lang="es-CL" b="1" dirty="0"/>
+              <a:t>PRIMER ESTUDIO NACIONAL DE LA DISCAPACIDAD E INFORMES REGIONALES 2004 </a:t>
+            </a:r>
+            <a:endParaRPr lang="es-CL" dirty="0"/>
+          </a:p>
+        </p:txBody>
+      </p:sp>
+    </p:spTree>
+    <p:extLst>
+      <p:ext uri="{BB962C8B-B14F-4D97-AF65-F5344CB8AC3E}">
+        <p14:creationId xmlns:p14="http://schemas.microsoft.com/office/powerpoint/2010/main" val="2560563538"/>
+      </p:ext>
+    </p:extLst>
+  </p:cSld>
+  <p:clrMapOvr>
+    <a:masterClrMapping/>
+  </p:clrMapOvr>
+</p:sld>
+</file>
+
+<file path=ppt/slides/slide4.xml><?xml version="1.0" encoding="utf-8"?>
+<p:sld xmlns:a="http://schemas.openxmlformats.org/drawingml/2006/main" xmlns:r="http://schemas.openxmlformats.org/officeDocument/2006/relationships" xmlns:p="http://schemas.openxmlformats.org/presentationml/2006/main">
+  <p:cSld>
+    <p:spTree>
+      <p:nvGrpSpPr>
+        <p:cNvPr id="1" name=""/>
+        <p:cNvGrpSpPr/>
+        <p:nvPr/>
+      </p:nvGrpSpPr>
+      <p:grpSpPr>
+        <a:xfrm>
+          <a:off x="0" y="0"/>
+          <a:ext cx="0" cy="0"/>
+          <a:chOff x="0" y="0"/>
+          <a:chExt cx="0" cy="0"/>
+        </a:xfrm>
+      </p:grpSpPr>
+      <p:sp>
+        <p:nvSpPr>
+          <p:cNvPr id="2" name="Título 1"/>
+          <p:cNvSpPr>
+            <a:spLocks noGrp="1"/>
+          </p:cNvSpPr>
+          <p:nvPr>
+            <p:ph type="title"/>
+          </p:nvPr>
+        </p:nvSpPr>
+        <p:spPr>
+          <a:xfrm>
+            <a:off x="1351789" y="195469"/>
+            <a:ext cx="10018713" cy="1752599"/>
+          </a:xfrm>
+        </p:spPr>
+        <p:txBody>
+          <a:bodyPr/>
+          <a:lstStyle/>
+          <a:p>
+            <a:r>
+              <a:rPr lang="es-CL" dirty="0"/>
+              <a:t>La discapacidad en Chile</a:t>
+            </a:r>
+            <a:br>
+              <a:rPr lang="es-CL" dirty="0"/>
+            </a:br>
+            <a:r>
+              <a:rPr lang="es-CL" dirty="0"/>
+              <a:t>2015</a:t>
+            </a:r>
+          </a:p>
+        </p:txBody>
+      </p:sp>
+      <p:pic>
+        <p:nvPicPr>
+          <p:cNvPr id="6" name="Marcador de contenido 5"/>
+          <p:cNvPicPr>
+            <a:picLocks noGrp="1" noChangeAspect="1"/>
+          </p:cNvPicPr>
+          <p:nvPr>
+            <p:ph sz="half" idx="1"/>
+          </p:nvPr>
+        </p:nvPicPr>
+        <p:blipFill>
+          <a:blip r:embed="rId2">
+            <a:extLst>
+              <a:ext uri="{28A0092B-C50C-407E-A947-70E740481C1C}">
+                <a14:useLocalDpi xmlns:a14="http://schemas.microsoft.com/office/drawing/2010/main" val="0"/>
+              </a:ext>
+            </a:extLst>
+          </a:blip>
+          <a:stretch>
+            <a:fillRect/>
+          </a:stretch>
+        </p:blipFill>
+        <p:spPr>
+          <a:xfrm>
+            <a:off x="238539" y="1948068"/>
+            <a:ext cx="6258320" cy="3655506"/>
+          </a:xfrm>
+        </p:spPr>
+      </p:pic>
+      <p:pic>
+        <p:nvPicPr>
+          <p:cNvPr id="9" name="Marcador de contenido 8"/>
+          <p:cNvPicPr>
+            <a:picLocks noGrp="1" noChangeAspect="1"/>
+          </p:cNvPicPr>
+          <p:nvPr>
+            <p:ph sz="half" idx="2"/>
+          </p:nvPr>
+        </p:nvPicPr>
+        <p:blipFill>
+          <a:blip r:embed="rId3">
+            <a:extLst>
+              <a:ext uri="{28A0092B-C50C-407E-A947-70E740481C1C}">
+                <a14:useLocalDpi xmlns:a14="http://schemas.microsoft.com/office/drawing/2010/main" val="0"/>
+              </a:ext>
+            </a:extLst>
+          </a:blip>
+          <a:stretch>
+            <a:fillRect/>
+          </a:stretch>
+        </p:blipFill>
+        <p:spPr>
+          <a:xfrm>
+            <a:off x="6248853" y="1948068"/>
+            <a:ext cx="5820811" cy="3655506"/>
+          </a:xfrm>
+        </p:spPr>
+      </p:pic>
+      <p:sp>
+        <p:nvSpPr>
+          <p:cNvPr id="7" name="Elipse 6"/>
+          <p:cNvSpPr/>
+          <p:nvPr/>
+        </p:nvSpPr>
+        <p:spPr>
+          <a:xfrm>
+            <a:off x="893013" y="5749348"/>
+            <a:ext cx="4949371" cy="965200"/>
+          </a:xfrm>
+          <a:prstGeom prst="ellipse">
+            <a:avLst/>
+          </a:prstGeom>
+        </p:spPr>
+        <p:style>
+          <a:lnRef idx="2">
+            <a:schemeClr val="accent1">
+              <a:shade val="50000"/>
+            </a:schemeClr>
+          </a:lnRef>
+          <a:fillRef idx="1">
+            <a:schemeClr val="accent1"/>
+          </a:fillRef>
+          <a:effectRef idx="0">
+            <a:schemeClr val="accent1"/>
+          </a:effectRef>
+          <a:fontRef idx="minor">
+            <a:schemeClr val="lt1"/>
+          </a:fontRef>
+        </p:style>
+        <p:txBody>
+          <a:bodyPr rtlCol="0" anchor="ctr"/>
+          <a:lstStyle/>
+          <a:p>
+            <a:pPr algn="ctr"/>
+            <a:r>
+              <a:rPr lang="es-CL" dirty="0"/>
+              <a:t>Niños y niñas adolescentes (2 a 18 años)</a:t>
+            </a:r>
+          </a:p>
+        </p:txBody>
+      </p:sp>
+      <p:sp>
+        <p:nvSpPr>
+          <p:cNvPr id="10" name="CuadroTexto 9"/>
+          <p:cNvSpPr txBox="1"/>
+          <p:nvPr/>
+        </p:nvSpPr>
+        <p:spPr>
+          <a:xfrm>
+            <a:off x="6248853" y="5975682"/>
+            <a:ext cx="5222909" cy="646331"/>
+          </a:xfrm>
+          <a:prstGeom prst="rect">
+            <a:avLst/>
+          </a:prstGeom>
+          <a:noFill/>
+        </p:spPr>
+        <p:txBody>
+          <a:bodyPr wrap="square" rtlCol="0">
+            <a:spAutoFit/>
+          </a:bodyPr>
+          <a:lstStyle/>
+          <a:p>
+            <a:r>
+              <a:rPr lang="es-CL" dirty="0"/>
+              <a:t>Fuente: Segundo estudio Nacional de Discapacidad INE</a:t>
+            </a:r>
+          </a:p>
+        </p:txBody>
+      </p:sp>
+    </p:spTree>
+    <p:extLst>
+      <p:ext uri="{BB962C8B-B14F-4D97-AF65-F5344CB8AC3E}">
+        <p14:creationId xmlns:p14="http://schemas.microsoft.com/office/powerpoint/2010/main" val="2653612187"/>
+      </p:ext>
+    </p:extLst>
+  </p:cSld>
+  <p:clrMapOvr>
+    <a:masterClrMapping/>
+  </p:clrMapOvr>
 </p:sld>
 </file>
 
@@ -6707,31 +8903,38 @@
             <p:ph type="title"/>
           </p:nvPr>
         </p:nvSpPr>
-        <p:spPr/>
+        <p:spPr>
+          <a:xfrm>
+            <a:off x="2280390" y="364435"/>
+            <a:ext cx="10018713" cy="1752599"/>
+          </a:xfrm>
+        </p:spPr>
         <p:txBody>
           <a:bodyPr/>
           <a:lstStyle/>
           <a:p>
             <a:r>
-              <a:rPr lang="es-MX" dirty="0" err="1" smtClean="0"/>
-              <a:t>Setting</a:t>
-            </a:r>
-            <a:r>
-              <a:rPr lang="es-MX" dirty="0" smtClean="0"/>
-              <a:t> </a:t>
-            </a:r>
-            <a:endParaRPr lang="es-ES" dirty="0"/>
+              <a:rPr lang="es-CL" dirty="0"/>
+              <a:t>La discapacidad en Chile</a:t>
+            </a:r>
+            <a:br>
+              <a:rPr lang="es-CL" dirty="0"/>
+            </a:br>
+            <a:r>
+              <a:rPr lang="es-CL" dirty="0"/>
+              <a:t>2015</a:t>
+            </a:r>
           </a:p>
         </p:txBody>
       </p:sp>
       <p:pic>
         <p:nvPicPr>
-          <p:cNvPr id="2050" name="Picture 2" descr="W3C0001.png"/>
+          <p:cNvPr id="6" name="Marcador de contenido 5"/>
           <p:cNvPicPr>
-            <a:picLocks noGrp="1" noChangeAspect="1" noChangeArrowheads="1"/>
+            <a:picLocks noGrp="1" noChangeAspect="1"/>
           </p:cNvPicPr>
           <p:nvPr>
-            <p:ph idx="1"/>
+            <p:ph sz="half" idx="2"/>
           </p:nvPr>
         </p:nvPicPr>
         <p:blipFill>
@@ -6742,110 +8945,98 @@
               </a:ext>
             </a:extLst>
           </a:blip>
-          <a:srcRect/>
           <a:stretch>
             <a:fillRect/>
           </a:stretch>
         </p:blipFill>
-        <p:spPr bwMode="auto">
-          <a:xfrm>
-            <a:off x="6510112" y="1598055"/>
-            <a:ext cx="4165600" cy="3124200"/>
+        <p:spPr>
+          <a:xfrm>
+            <a:off x="2797225" y="2422636"/>
+            <a:ext cx="8197954" cy="3483430"/>
+          </a:xfrm>
+        </p:spPr>
+      </p:pic>
+      <p:sp>
+        <p:nvSpPr>
+          <p:cNvPr id="7" name="CuadroTexto 6"/>
+          <p:cNvSpPr txBox="1"/>
+          <p:nvPr/>
+        </p:nvSpPr>
+        <p:spPr>
+          <a:xfrm>
+            <a:off x="3971573" y="6208066"/>
+            <a:ext cx="5849257" cy="369332"/>
           </a:xfrm>
           <a:prstGeom prst="rect">
             <a:avLst/>
           </a:prstGeom>
           <a:noFill/>
-          <a:extLst>
-            <a:ext uri="{909E8E84-426E-40DD-AFC4-6F175D3DCCD1}">
-              <a14:hiddenFill xmlns:a14="http://schemas.microsoft.com/office/drawing/2010/main">
-                <a:solidFill>
-                  <a:srgbClr val="FFFFFF"/>
-                </a:solidFill>
-              </a14:hiddenFill>
-            </a:ext>
-          </a:extLst>
-        </p:spPr>
-      </p:pic>
-      <p:sp>
-        <p:nvSpPr>
-          <p:cNvPr id="4" name="CuadroTexto 3"/>
-          <p:cNvSpPr txBox="1"/>
-          <p:nvPr/>
-        </p:nvSpPr>
-        <p:spPr>
-          <a:xfrm>
-            <a:off x="965915" y="2395470"/>
-            <a:ext cx="4334841" cy="2585323"/>
-          </a:xfrm>
-          <a:prstGeom prst="rect">
-            <a:avLst/>
-          </a:prstGeom>
-          <a:noFill/>
-        </p:spPr>
-        <p:txBody>
-          <a:bodyPr wrap="none" rtlCol="0">
+        </p:spPr>
+        <p:txBody>
+          <a:bodyPr wrap="square" rtlCol="0">
             <a:spAutoFit/>
           </a:bodyPr>
           <a:lstStyle/>
           <a:p>
             <a:r>
-              <a:rPr lang="es-MX" dirty="0" smtClean="0"/>
-              <a:t>-Interfaz intuitiva</a:t>
-            </a:r>
-          </a:p>
-          <a:p>
-            <a:endParaRPr lang="es-MX" dirty="0"/>
-          </a:p>
-          <a:p>
-            <a:r>
-              <a:rPr lang="es-MX" dirty="0" smtClean="0"/>
-              <a:t>-Fondos simples, con colores amenos</a:t>
-            </a:r>
-          </a:p>
-          <a:p>
-            <a:endParaRPr lang="es-MX" dirty="0"/>
-          </a:p>
-          <a:p>
-            <a:r>
-              <a:rPr lang="es-MX" dirty="0" smtClean="0"/>
-              <a:t>-Música relajante (opcional)</a:t>
-            </a:r>
-          </a:p>
-          <a:p>
-            <a:endParaRPr lang="es-MX" dirty="0"/>
-          </a:p>
-          <a:p>
-            <a:r>
-              <a:rPr lang="es-MX" dirty="0" smtClean="0"/>
-              <a:t>-Lenguaje español</a:t>
-            </a:r>
-          </a:p>
-          <a:p>
-            <a:endParaRPr lang="es-MX" dirty="0"/>
-          </a:p>
-          <a:p>
-            <a:endParaRPr lang="es-ES" dirty="0"/>
+              <a:rPr lang="es-CL" dirty="0"/>
+              <a:t>Grafico dificultad en niños y niñas adolescentes (2 a 18 años)</a:t>
+            </a:r>
+          </a:p>
+        </p:txBody>
+      </p:sp>
+      <p:sp>
+        <p:nvSpPr>
+          <p:cNvPr id="8" name="Elipse 7"/>
+          <p:cNvSpPr/>
+          <p:nvPr/>
+        </p:nvSpPr>
+        <p:spPr>
+          <a:xfrm>
+            <a:off x="0" y="666435"/>
+            <a:ext cx="4023612" cy="1752599"/>
+          </a:xfrm>
+          <a:prstGeom prst="ellipse">
+            <a:avLst/>
+          </a:prstGeom>
+        </p:spPr>
+        <p:style>
+          <a:lnRef idx="2">
+            <a:schemeClr val="accent1">
+              <a:shade val="50000"/>
+            </a:schemeClr>
+          </a:lnRef>
+          <a:fillRef idx="1">
+            <a:schemeClr val="accent1"/>
+          </a:fillRef>
+          <a:effectRef idx="0">
+            <a:schemeClr val="accent1"/>
+          </a:effectRef>
+          <a:fontRef idx="minor">
+            <a:schemeClr val="lt1"/>
+          </a:fontRef>
+        </p:style>
+        <p:txBody>
+          <a:bodyPr rtlCol="0" anchor="ctr"/>
+          <a:lstStyle/>
+          <a:p>
+            <a:r>
+              <a:rPr lang="es-CL" dirty="0"/>
+              <a:t>Dificultad mental o intelectual con 21,5%, que corresponde a 49.520 niños.</a:t>
+            </a:r>
           </a:p>
         </p:txBody>
       </p:sp>
     </p:spTree>
     <p:extLst>
       <p:ext uri="{BB962C8B-B14F-4D97-AF65-F5344CB8AC3E}">
-        <p14:creationId xmlns:p14="http://schemas.microsoft.com/office/powerpoint/2010/main" val="596003679"/>
+        <p14:creationId xmlns:p14="http://schemas.microsoft.com/office/powerpoint/2010/main" val="879828750"/>
       </p:ext>
     </p:extLst>
   </p:cSld>
   <p:clrMapOvr>
     <a:masterClrMapping/>
   </p:clrMapOvr>
-  <p:timing>
-    <p:tnLst>
-      <p:par>
-        <p:cTn id="1" dur="indefinite" restart="never" nodeType="tmRoot"/>
-      </p:par>
-    </p:tnLst>
-  </p:timing>
 </p:sld>
 </file>
 
@@ -6882,23 +9073,110 @@
           <a:lstStyle/>
           <a:p>
             <a:r>
-              <a:rPr lang="es-MX" dirty="0" smtClean="0"/>
-              <a:t>Coherencia</a:t>
-            </a:r>
-            <a:endParaRPr lang="es-ES" dirty="0"/>
-          </a:p>
-        </p:txBody>
-      </p:sp>
-      <p:sp>
-        <p:nvSpPr>
-          <p:cNvPr id="5" name="CuadroTexto 4"/>
+              <a:rPr lang="es-CL" dirty="0"/>
+              <a:t>Discapacidad Intelectual</a:t>
+            </a:r>
+          </a:p>
+        </p:txBody>
+      </p:sp>
+      <p:pic>
+        <p:nvPicPr>
+          <p:cNvPr id="8" name="Marcador de contenido 7"/>
+          <p:cNvPicPr>
+            <a:picLocks noGrp="1" noChangeAspect="1"/>
+          </p:cNvPicPr>
+          <p:nvPr>
+            <p:ph sz="half" idx="1"/>
+          </p:nvPr>
+        </p:nvPicPr>
+        <p:blipFill>
+          <a:blip r:embed="rId2" cstate="print">
+            <a:extLst>
+              <a:ext uri="{28A0092B-C50C-407E-A947-70E740481C1C}">
+                <a14:useLocalDpi xmlns:a14="http://schemas.microsoft.com/office/drawing/2010/main" val="0"/>
+              </a:ext>
+            </a:extLst>
+          </a:blip>
+          <a:stretch>
+            <a:fillRect/>
+          </a:stretch>
+        </p:blipFill>
+        <p:spPr>
+          <a:xfrm rot="1288788">
+            <a:off x="8504367" y="3173978"/>
+            <a:ext cx="3278684" cy="2185789"/>
+          </a:xfrm>
+        </p:spPr>
+      </p:pic>
+      <p:pic>
+        <p:nvPicPr>
+          <p:cNvPr id="6" name="Marcador de contenido 5"/>
+          <p:cNvPicPr>
+            <a:picLocks noGrp="1" noChangeAspect="1"/>
+          </p:cNvPicPr>
+          <p:nvPr>
+            <p:ph sz="half" idx="2"/>
+          </p:nvPr>
+        </p:nvPicPr>
+        <p:blipFill>
+          <a:blip r:embed="rId3">
+            <a:extLst>
+              <a:ext uri="{28A0092B-C50C-407E-A947-70E740481C1C}">
+                <a14:useLocalDpi xmlns:a14="http://schemas.microsoft.com/office/drawing/2010/main" val="0"/>
+              </a:ext>
+            </a:extLst>
+          </a:blip>
+          <a:stretch>
+            <a:fillRect/>
+          </a:stretch>
+        </p:blipFill>
+        <p:spPr>
+          <a:xfrm rot="21198854">
+            <a:off x="6114626" y="2268929"/>
+            <a:ext cx="2257425" cy="1524000"/>
+          </a:xfrm>
+        </p:spPr>
+      </p:pic>
+      <p:pic>
+        <p:nvPicPr>
+          <p:cNvPr id="10" name="Imagen 9"/>
+          <p:cNvPicPr>
+            <a:picLocks noChangeAspect="1"/>
+          </p:cNvPicPr>
+          <p:nvPr/>
+        </p:nvPicPr>
+        <p:blipFill>
+          <a:blip r:embed="rId4">
+            <a:extLst>
+              <a:ext uri="{28A0092B-C50C-407E-A947-70E740481C1C}">
+                <a14:useLocalDpi xmlns:a14="http://schemas.microsoft.com/office/drawing/2010/main" val="0"/>
+              </a:ext>
+            </a:extLst>
+          </a:blip>
+          <a:stretch>
+            <a:fillRect/>
+          </a:stretch>
+        </p:blipFill>
+        <p:spPr>
+          <a:xfrm rot="20889350">
+            <a:off x="5263581" y="4491170"/>
+            <a:ext cx="3699394" cy="1769772"/>
+          </a:xfrm>
+          <a:prstGeom prst="rect">
+            <a:avLst/>
+          </a:prstGeom>
+        </p:spPr>
+      </p:pic>
+      <p:sp>
+        <p:nvSpPr>
+          <p:cNvPr id="13" name="CuadroTexto 12"/>
           <p:cNvSpPr txBox="1"/>
           <p:nvPr/>
         </p:nvSpPr>
         <p:spPr>
           <a:xfrm>
-            <a:off x="1455313" y="2292439"/>
-            <a:ext cx="184731" cy="369332"/>
+            <a:off x="689113" y="2142701"/>
+            <a:ext cx="4564759" cy="3693319"/>
           </a:xfrm>
           <a:prstGeom prst="rect">
             <a:avLst/>
@@ -6906,32 +9184,86 @@
           <a:noFill/>
         </p:spPr>
         <p:txBody>
-          <a:bodyPr wrap="none" rtlCol="0">
+          <a:bodyPr wrap="square" rtlCol="0">
             <a:spAutoFit/>
           </a:bodyPr>
           <a:lstStyle/>
           <a:p>
-            <a:endParaRPr lang="es-ES" dirty="0"/>
+            <a:pPr marL="285750" indent="-285750">
+              <a:buFont typeface="Arial" panose="020B0604020202020204" pitchFamily="34" charset="0"/>
+              <a:buChar char="•"/>
+            </a:pPr>
+            <a:r>
+              <a:rPr lang="es-CL" dirty="0"/>
+              <a:t>Les cuesta más aprender habilidades sociales e intelectuales para actuar en diferentes situaciones.</a:t>
+            </a:r>
+          </a:p>
+          <a:p>
+            <a:pPr marL="285750" indent="-285750">
+              <a:buFont typeface="Arial" panose="020B0604020202020204" pitchFamily="34" charset="0"/>
+              <a:buChar char="•"/>
+            </a:pPr>
+            <a:r>
+              <a:rPr lang="es-CL" dirty="0"/>
+              <a:t>La discapacidad intelectual aparece antes de los 18 años.</a:t>
+            </a:r>
+          </a:p>
+          <a:p>
+            <a:pPr marL="285750" indent="-285750">
+              <a:buFont typeface="Arial" panose="020B0604020202020204" pitchFamily="34" charset="0"/>
+              <a:buChar char="•"/>
+            </a:pPr>
+            <a:r>
+              <a:rPr lang="es-CL" dirty="0"/>
+              <a:t>En entornos inclusivos las personas con discapacidad intelectual pueden desarrollar muchas habilidades.</a:t>
+            </a:r>
+          </a:p>
+          <a:p>
+            <a:pPr marL="285750" indent="-285750">
+              <a:buFont typeface="Arial" panose="020B0604020202020204" pitchFamily="34" charset="0"/>
+              <a:buChar char="•"/>
+            </a:pPr>
+            <a:r>
+              <a:rPr lang="es-CL" dirty="0"/>
+              <a:t>Mediciones según CI :</a:t>
+            </a:r>
+          </a:p>
+          <a:p>
+            <a:r>
+              <a:rPr lang="es-CL" dirty="0"/>
+              <a:t>	-D.C Leve</a:t>
+            </a:r>
+          </a:p>
+          <a:p>
+            <a:r>
+              <a:rPr lang="es-CL" dirty="0"/>
+              <a:t>	-D.C Moderada</a:t>
+            </a:r>
+          </a:p>
+          <a:p>
+            <a:r>
+              <a:rPr lang="es-CL" dirty="0"/>
+              <a:t>	-D.C Grave</a:t>
+            </a:r>
+          </a:p>
+          <a:p>
+            <a:r>
+              <a:rPr lang="es-CL" dirty="0"/>
+              <a:t>	- D.C Profunda</a:t>
+            </a:r>
           </a:p>
         </p:txBody>
       </p:sp>
     </p:spTree>
     <p:extLst>
       <p:ext uri="{BB962C8B-B14F-4D97-AF65-F5344CB8AC3E}">
-        <p14:creationId xmlns:p14="http://schemas.microsoft.com/office/powerpoint/2010/main" val="2459279723"/>
+        <p14:creationId xmlns:p14="http://schemas.microsoft.com/office/powerpoint/2010/main" val="628122041"/>
       </p:ext>
     </p:extLst>
   </p:cSld>
   <p:clrMapOvr>
     <a:masterClrMapping/>
   </p:clrMapOvr>
-  <p:timing>
-    <p:tnLst>
-      <p:par>
-        <p:cTn id="1" dur="indefinite" restart="never" nodeType="tmRoot"/>
-      </p:par>
-    </p:tnLst>
-  </p:timing>
 </p:sld>
 </file>
 
@@ -6954,7 +9286,7 @@
       </p:grpSpPr>
       <p:sp>
         <p:nvSpPr>
-          <p:cNvPr id="4" name="Título 3"/>
+          <p:cNvPr id="2" name="Título 1"/>
           <p:cNvSpPr>
             <a:spLocks noGrp="1"/>
           </p:cNvSpPr>
@@ -6968,63 +9300,143 @@
           <a:lstStyle/>
           <a:p>
             <a:r>
-              <a:rPr lang="es-MX" dirty="0" smtClean="0"/>
-              <a:t>Dimensiones</a:t>
-            </a:r>
-            <a:endParaRPr lang="es-ES" dirty="0"/>
-          </a:p>
-        </p:txBody>
-      </p:sp>
-      <p:sp>
-        <p:nvSpPr>
-          <p:cNvPr id="5" name="CuadroTexto 4"/>
-          <p:cNvSpPr txBox="1"/>
-          <p:nvPr/>
-        </p:nvSpPr>
-        <p:spPr>
-          <a:xfrm>
-            <a:off x="1141413" y="2756079"/>
-            <a:ext cx="7335663" cy="646331"/>
-          </a:xfrm>
-          <a:prstGeom prst="rect">
-            <a:avLst/>
+              <a:rPr lang="es-ES" b="1" dirty="0" err="1"/>
+              <a:t>Game</a:t>
+            </a:r>
+            <a:r>
+              <a:rPr lang="es-ES" b="1" dirty="0"/>
+              <a:t> </a:t>
+            </a:r>
+            <a:r>
+              <a:rPr lang="es-ES" b="1" dirty="0" err="1"/>
+              <a:t>design</a:t>
+            </a:r>
+            <a:r>
+              <a:rPr lang="es-ES" b="1" dirty="0"/>
+              <a:t>: </a:t>
+            </a:r>
+            <a:r>
+              <a:rPr lang="es-ES" b="1" dirty="0" err="1"/>
+              <a:t>Gameplay</a:t>
+            </a:r>
+            <a:endParaRPr lang="es-ES" b="1" dirty="0"/>
+          </a:p>
+        </p:txBody>
+      </p:sp>
+      <p:sp>
+        <p:nvSpPr>
+          <p:cNvPr id="6" name="Marcador de contenido 5"/>
+          <p:cNvSpPr>
+            <a:spLocks noGrp="1"/>
+          </p:cNvSpPr>
+          <p:nvPr>
+            <p:ph sz="half" idx="1"/>
+          </p:nvPr>
+        </p:nvSpPr>
+        <p:spPr/>
+        <p:txBody>
+          <a:bodyPr/>
+          <a:lstStyle/>
+          <a:p>
+            <a:r>
+              <a:rPr lang="es-CL" sz="2400" dirty="0" err="1"/>
+              <a:t>FastClick</a:t>
+            </a:r>
+            <a:r>
+              <a:rPr lang="es-CL" sz="2400" dirty="0"/>
+              <a:t> : Aprender jugando.</a:t>
+            </a:r>
+          </a:p>
+          <a:p>
+            <a:r>
+              <a:rPr lang="es-CL" sz="2400" dirty="0"/>
+              <a:t>Breve resumen</a:t>
+            </a:r>
+          </a:p>
+          <a:p>
+            <a:r>
+              <a:rPr lang="es-CL" sz="2400" dirty="0" err="1"/>
+              <a:t>Menu</a:t>
+            </a:r>
+            <a:r>
+              <a:rPr lang="es-CL" sz="2400" dirty="0"/>
+              <a:t> principal, opciones</a:t>
+            </a:r>
+          </a:p>
+          <a:p>
+            <a:endParaRPr lang="es-CL" dirty="0"/>
+          </a:p>
+        </p:txBody>
+      </p:sp>
+      <p:pic>
+        <p:nvPicPr>
+          <p:cNvPr id="13" name="Marcador de contenido 12"/>
+          <p:cNvPicPr>
+            <a:picLocks noGrp="1" noChangeAspect="1"/>
+          </p:cNvPicPr>
+          <p:nvPr>
+            <p:ph sz="half" idx="2"/>
+          </p:nvPr>
+        </p:nvPicPr>
+        <p:blipFill>
+          <a:blip r:embed="rId2">
+            <a:extLst>
+              <a:ext uri="{28A0092B-C50C-407E-A947-70E740481C1C}">
+                <a14:useLocalDpi xmlns:a14="http://schemas.microsoft.com/office/drawing/2010/main" val="0"/>
+              </a:ext>
+            </a:extLst>
+          </a:blip>
+          <a:stretch>
+            <a:fillRect/>
+          </a:stretch>
+        </p:blipFill>
+        <p:spPr>
+          <a:xfrm>
+            <a:off x="6212115" y="2312470"/>
+            <a:ext cx="5053112" cy="3362616"/>
+          </a:xfrm>
+          <a:prstGeom prst="roundRect">
+            <a:avLst>
+              <a:gd name="adj" fmla="val 11111"/>
+            </a:avLst>
           </a:prstGeom>
-          <a:noFill/>
-        </p:spPr>
-        <p:txBody>
-          <a:bodyPr wrap="none" rtlCol="0">
-            <a:spAutoFit/>
-          </a:bodyPr>
-          <a:lstStyle/>
-          <a:p>
-            <a:r>
-              <a:rPr lang="es-MX" dirty="0" smtClean="0"/>
-              <a:t>El juego se desarrollará en un cuadro bidimensional rectangular</a:t>
-            </a:r>
-            <a:endParaRPr lang="es-ES" dirty="0" smtClean="0"/>
-          </a:p>
-          <a:p>
-            <a:endParaRPr lang="es-ES" dirty="0"/>
-          </a:p>
-        </p:txBody>
-      </p:sp>
+          <a:ln w="190500" cap="rnd">
+            <a:solidFill>
+              <a:srgbClr val="C8C6BD"/>
+            </a:solidFill>
+            <a:prstDash val="solid"/>
+          </a:ln>
+          <a:effectLst>
+            <a:outerShdw blurRad="101600" dist="50800" dir="7200000" algn="tl" rotWithShape="0">
+              <a:srgbClr val="000000">
+                <a:alpha val="45000"/>
+              </a:srgbClr>
+            </a:outerShdw>
+          </a:effectLst>
+          <a:scene3d>
+            <a:camera prst="perspectiveFront" fov="5400000"/>
+            <a:lightRig rig="threePt" dir="t">
+              <a:rot lat="0" lon="0" rev="19200000"/>
+            </a:lightRig>
+          </a:scene3d>
+          <a:sp3d extrusionH="25400">
+            <a:bevelT w="304800" h="152400" prst="hardEdge"/>
+            <a:extrusionClr>
+              <a:srgbClr val="FFFFFF"/>
+            </a:extrusionClr>
+          </a:sp3d>
+        </p:spPr>
+      </p:pic>
     </p:spTree>
     <p:extLst>
       <p:ext uri="{BB962C8B-B14F-4D97-AF65-F5344CB8AC3E}">
-        <p14:creationId xmlns:p14="http://schemas.microsoft.com/office/powerpoint/2010/main" val="431876650"/>
+        <p14:creationId xmlns:p14="http://schemas.microsoft.com/office/powerpoint/2010/main" val="3312253010"/>
       </p:ext>
     </p:extLst>
   </p:cSld>
   <p:clrMapOvr>
     <a:masterClrMapping/>
   </p:clrMapOvr>
-  <p:timing>
-    <p:tnLst>
-      <p:par>
-        <p:cTn id="1" dur="indefinite" restart="never" nodeType="tmRoot"/>
-      </p:par>
-    </p:tnLst>
-  </p:timing>
 </p:sld>
 </file>
 
@@ -7055,62 +9467,405 @@
             <p:ph type="title"/>
           </p:nvPr>
         </p:nvSpPr>
-        <p:spPr/>
+        <p:spPr>
+          <a:xfrm>
+            <a:off x="1356591" y="174173"/>
+            <a:ext cx="10018713" cy="1752599"/>
+          </a:xfrm>
+        </p:spPr>
         <p:txBody>
           <a:bodyPr/>
           <a:lstStyle/>
           <a:p>
             <a:r>
-              <a:rPr lang="es-MX" dirty="0" smtClean="0"/>
-              <a:t>Conclusión</a:t>
-            </a:r>
-            <a:endParaRPr lang="es-ES" dirty="0"/>
-          </a:p>
-        </p:txBody>
-      </p:sp>
-      <p:sp>
-        <p:nvSpPr>
-          <p:cNvPr id="3" name="Marcador de contenido 2"/>
-          <p:cNvSpPr>
-            <a:spLocks noGrp="1"/>
-          </p:cNvSpPr>
-          <p:nvPr>
-            <p:ph idx="1"/>
-          </p:nvPr>
-        </p:nvSpPr>
-        <p:spPr/>
-        <p:txBody>
-          <a:bodyPr/>
+              <a:rPr lang="es-MX" b="1" dirty="0" err="1"/>
+              <a:t>Game</a:t>
+            </a:r>
+            <a:r>
+              <a:rPr lang="es-MX" b="1" dirty="0"/>
+              <a:t> </a:t>
+            </a:r>
+            <a:r>
+              <a:rPr lang="es-MX" b="1" dirty="0" err="1"/>
+              <a:t>design</a:t>
+            </a:r>
+            <a:r>
+              <a:rPr lang="es-MX" b="1" dirty="0"/>
+              <a:t>: </a:t>
+            </a:r>
+            <a:r>
+              <a:rPr lang="es-MX" b="1" dirty="0" err="1"/>
+              <a:t>Gameplay</a:t>
+            </a:r>
+            <a:endParaRPr lang="es-ES" b="1" dirty="0"/>
+          </a:p>
+        </p:txBody>
+      </p:sp>
+      <p:pic>
+        <p:nvPicPr>
+          <p:cNvPr id="14" name="Marcador de contenido 13"/>
+          <p:cNvPicPr>
+            <a:picLocks noGrp="1" noChangeAspect="1"/>
+          </p:cNvPicPr>
+          <p:nvPr>
+            <p:ph sz="half" idx="1"/>
+          </p:nvPr>
+        </p:nvPicPr>
+        <p:blipFill>
+          <a:blip r:embed="rId2">
+            <a:extLst>
+              <a:ext uri="{28A0092B-C50C-407E-A947-70E740481C1C}">
+                <a14:useLocalDpi xmlns:a14="http://schemas.microsoft.com/office/drawing/2010/main" val="0"/>
+              </a:ext>
+            </a:extLst>
+          </a:blip>
+          <a:stretch>
+            <a:fillRect/>
+          </a:stretch>
+        </p:blipFill>
+        <p:spPr>
+          <a:xfrm>
+            <a:off x="1132607" y="1459055"/>
+            <a:ext cx="10242697" cy="4332145"/>
+          </a:xfrm>
+        </p:spPr>
+      </p:pic>
+      <p:sp>
+        <p:nvSpPr>
+          <p:cNvPr id="15" name="Rectángulo: esquinas redondeadas 14"/>
+          <p:cNvSpPr/>
+          <p:nvPr/>
+        </p:nvSpPr>
+        <p:spPr>
+          <a:xfrm>
+            <a:off x="4936290" y="6064674"/>
+            <a:ext cx="2859314" cy="508000"/>
+          </a:xfrm>
+          <a:prstGeom prst="roundRect">
+            <a:avLst/>
+          </a:prstGeom>
+        </p:spPr>
+        <p:style>
+          <a:lnRef idx="2">
+            <a:schemeClr val="accent1">
+              <a:shade val="50000"/>
+            </a:schemeClr>
+          </a:lnRef>
+          <a:fillRef idx="1">
+            <a:schemeClr val="accent1"/>
+          </a:fillRef>
+          <a:effectRef idx="0">
+            <a:schemeClr val="accent1"/>
+          </a:effectRef>
+          <a:fontRef idx="minor">
+            <a:schemeClr val="lt1"/>
+          </a:fontRef>
+        </p:style>
+        <p:txBody>
+          <a:bodyPr rtlCol="0" anchor="ctr"/>
           <a:lstStyle/>
           <a:p>
-            <a:endParaRPr lang="es-ES"/>
-          </a:p>
-        </p:txBody>
-      </p:sp>
+            <a:pPr algn="ctr"/>
+            <a:r>
+              <a:rPr lang="es-CL" dirty="0"/>
+              <a:t>Modo </a:t>
+            </a:r>
+            <a:r>
+              <a:rPr lang="es-CL" dirty="0" err="1"/>
+              <a:t>Singleplayer</a:t>
+            </a:r>
+            <a:endParaRPr lang="es-CL" dirty="0"/>
+          </a:p>
+        </p:txBody>
+      </p:sp>
+      <p:pic>
+        <p:nvPicPr>
+          <p:cNvPr id="18" name="Imagen 17"/>
+          <p:cNvPicPr>
+            <a:picLocks noChangeAspect="1"/>
+          </p:cNvPicPr>
+          <p:nvPr/>
+        </p:nvPicPr>
+        <p:blipFill>
+          <a:blip r:embed="rId3" cstate="print">
+            <a:extLst>
+              <a:ext uri="{28A0092B-C50C-407E-A947-70E740481C1C}">
+                <a14:useLocalDpi xmlns:a14="http://schemas.microsoft.com/office/drawing/2010/main" val="0"/>
+              </a:ext>
+            </a:extLst>
+          </a:blip>
+          <a:stretch>
+            <a:fillRect/>
+          </a:stretch>
+        </p:blipFill>
+        <p:spPr>
+          <a:xfrm>
+            <a:off x="1356591" y="2185732"/>
+            <a:ext cx="4100780" cy="2673120"/>
+          </a:xfrm>
+          <a:prstGeom prst="rect">
+            <a:avLst/>
+          </a:prstGeom>
+        </p:spPr>
+      </p:pic>
+      <p:pic>
+        <p:nvPicPr>
+          <p:cNvPr id="20" name="Imagen 19"/>
+          <p:cNvPicPr>
+            <a:picLocks noChangeAspect="1"/>
+          </p:cNvPicPr>
+          <p:nvPr/>
+        </p:nvPicPr>
+        <p:blipFill>
+          <a:blip r:embed="rId4">
+            <a:extLst>
+              <a:ext uri="{28A0092B-C50C-407E-A947-70E740481C1C}">
+                <a14:useLocalDpi xmlns:a14="http://schemas.microsoft.com/office/drawing/2010/main" val="0"/>
+              </a:ext>
+            </a:extLst>
+          </a:blip>
+          <a:stretch>
+            <a:fillRect/>
+          </a:stretch>
+        </p:blipFill>
+        <p:spPr>
+          <a:xfrm>
+            <a:off x="7065788" y="2185733"/>
+            <a:ext cx="3994097" cy="2673119"/>
+          </a:xfrm>
+          <a:prstGeom prst="rect">
+            <a:avLst/>
+          </a:prstGeom>
+        </p:spPr>
+      </p:pic>
     </p:spTree>
     <p:extLst>
       <p:ext uri="{BB962C8B-B14F-4D97-AF65-F5344CB8AC3E}">
-        <p14:creationId xmlns:p14="http://schemas.microsoft.com/office/powerpoint/2010/main" val="3404720522"/>
+        <p14:creationId xmlns:p14="http://schemas.microsoft.com/office/powerpoint/2010/main" val="834497411"/>
       </p:ext>
     </p:extLst>
   </p:cSld>
   <p:clrMapOvr>
     <a:masterClrMapping/>
   </p:clrMapOvr>
-  <p:timing>
-    <p:tnLst>
-      <p:par>
-        <p:cTn id="1" dur="indefinite" restart="never" nodeType="tmRoot"/>
-      </p:par>
-    </p:tnLst>
-  </p:timing>
+</p:sld>
+</file>
+
+<file path=ppt/slides/slide9.xml><?xml version="1.0" encoding="utf-8"?>
+<p:sld xmlns:a="http://schemas.openxmlformats.org/drawingml/2006/main" xmlns:r="http://schemas.openxmlformats.org/officeDocument/2006/relationships" xmlns:p="http://schemas.openxmlformats.org/presentationml/2006/main">
+  <p:cSld>
+    <p:spTree>
+      <p:nvGrpSpPr>
+        <p:cNvPr id="1" name=""/>
+        <p:cNvGrpSpPr/>
+        <p:nvPr/>
+      </p:nvGrpSpPr>
+      <p:grpSpPr>
+        <a:xfrm>
+          <a:off x="0" y="0"/>
+          <a:ext cx="0" cy="0"/>
+          <a:chOff x="0" y="0"/>
+          <a:chExt cx="0" cy="0"/>
+        </a:xfrm>
+      </p:grpSpPr>
+      <p:sp>
+        <p:nvSpPr>
+          <p:cNvPr id="2" name="Título 1"/>
+          <p:cNvSpPr>
+            <a:spLocks noGrp="1"/>
+          </p:cNvSpPr>
+          <p:nvPr>
+            <p:ph type="title"/>
+          </p:nvPr>
+        </p:nvSpPr>
+        <p:spPr>
+          <a:xfrm>
+            <a:off x="1423135" y="0"/>
+            <a:ext cx="10018713" cy="1752599"/>
+          </a:xfrm>
+        </p:spPr>
+        <p:txBody>
+          <a:bodyPr/>
+          <a:lstStyle/>
+          <a:p>
+            <a:r>
+              <a:rPr lang="es-ES" b="1" dirty="0" err="1"/>
+              <a:t>Game</a:t>
+            </a:r>
+            <a:r>
+              <a:rPr lang="es-ES" b="1" dirty="0"/>
+              <a:t> </a:t>
+            </a:r>
+            <a:r>
+              <a:rPr lang="es-ES" b="1" dirty="0" err="1"/>
+              <a:t>design</a:t>
+            </a:r>
+            <a:r>
+              <a:rPr lang="es-ES" b="1" dirty="0"/>
+              <a:t>: </a:t>
+            </a:r>
+            <a:r>
+              <a:rPr lang="es-ES" b="1" dirty="0" err="1"/>
+              <a:t>Gameplay</a:t>
+            </a:r>
+            <a:endParaRPr lang="es-CL" b="1" dirty="0"/>
+          </a:p>
+        </p:txBody>
+      </p:sp>
+      <p:pic>
+        <p:nvPicPr>
+          <p:cNvPr id="5" name="Marcador de contenido 9"/>
+          <p:cNvPicPr>
+            <a:picLocks noGrp="1" noChangeAspect="1"/>
+          </p:cNvPicPr>
+          <p:nvPr>
+            <p:ph sz="half" idx="1"/>
+          </p:nvPr>
+        </p:nvPicPr>
+        <p:blipFill>
+          <a:blip r:embed="rId2">
+            <a:extLst>
+              <a:ext uri="{28A0092B-C50C-407E-A947-70E740481C1C}">
+                <a14:useLocalDpi xmlns:a14="http://schemas.microsoft.com/office/drawing/2010/main" val="0"/>
+              </a:ext>
+            </a:extLst>
+          </a:blip>
+          <a:stretch>
+            <a:fillRect/>
+          </a:stretch>
+        </p:blipFill>
+        <p:spPr>
+          <a:xfrm>
+            <a:off x="1848643" y="1335315"/>
+            <a:ext cx="9167699" cy="4455886"/>
+          </a:xfrm>
+        </p:spPr>
+      </p:pic>
+      <p:pic>
+        <p:nvPicPr>
+          <p:cNvPr id="6" name="Imagen 5"/>
+          <p:cNvPicPr>
+            <a:picLocks noChangeAspect="1"/>
+          </p:cNvPicPr>
+          <p:nvPr/>
+        </p:nvPicPr>
+        <p:blipFill>
+          <a:blip r:embed="rId3" cstate="print">
+            <a:extLst>
+              <a:ext uri="{28A0092B-C50C-407E-A947-70E740481C1C}">
+                <a14:useLocalDpi xmlns:a14="http://schemas.microsoft.com/office/drawing/2010/main" val="0"/>
+              </a:ext>
+            </a:extLst>
+          </a:blip>
+          <a:stretch>
+            <a:fillRect/>
+          </a:stretch>
+        </p:blipFill>
+        <p:spPr>
+          <a:xfrm>
+            <a:off x="2139380" y="2084132"/>
+            <a:ext cx="3564733" cy="2773219"/>
+          </a:xfrm>
+          <a:prstGeom prst="rect">
+            <a:avLst/>
+          </a:prstGeom>
+        </p:spPr>
+      </p:pic>
+      <p:pic>
+        <p:nvPicPr>
+          <p:cNvPr id="7" name="Imagen 6"/>
+          <p:cNvPicPr>
+            <a:picLocks noChangeAspect="1"/>
+          </p:cNvPicPr>
+          <p:nvPr/>
+        </p:nvPicPr>
+        <p:blipFill>
+          <a:blip r:embed="rId4">
+            <a:extLst>
+              <a:ext uri="{28A0092B-C50C-407E-A947-70E740481C1C}">
+                <a14:useLocalDpi xmlns:a14="http://schemas.microsoft.com/office/drawing/2010/main" val="0"/>
+              </a:ext>
+            </a:extLst>
+          </a:blip>
+          <a:stretch>
+            <a:fillRect/>
+          </a:stretch>
+        </p:blipFill>
+        <p:spPr>
+          <a:xfrm>
+            <a:off x="7141030" y="2084131"/>
+            <a:ext cx="3585028" cy="2757801"/>
+          </a:xfrm>
+          <a:prstGeom prst="rect">
+            <a:avLst/>
+          </a:prstGeom>
+        </p:spPr>
+      </p:pic>
+      <p:sp>
+        <p:nvSpPr>
+          <p:cNvPr id="8" name="Rectángulo: esquinas redondeadas 7"/>
+          <p:cNvSpPr/>
+          <p:nvPr/>
+        </p:nvSpPr>
+        <p:spPr>
+          <a:xfrm>
+            <a:off x="4941621" y="6011835"/>
+            <a:ext cx="2981739" cy="508000"/>
+          </a:xfrm>
+          <a:prstGeom prst="roundRect">
+            <a:avLst/>
+          </a:prstGeom>
+        </p:spPr>
+        <p:style>
+          <a:lnRef idx="2">
+            <a:schemeClr val="accent1">
+              <a:shade val="50000"/>
+            </a:schemeClr>
+          </a:lnRef>
+          <a:fillRef idx="1">
+            <a:schemeClr val="accent1"/>
+          </a:fillRef>
+          <a:effectRef idx="0">
+            <a:schemeClr val="accent1"/>
+          </a:effectRef>
+          <a:fontRef idx="minor">
+            <a:schemeClr val="lt1"/>
+          </a:fontRef>
+        </p:style>
+        <p:txBody>
+          <a:bodyPr rtlCol="0" anchor="ctr"/>
+          <a:lstStyle/>
+          <a:p>
+            <a:pPr algn="ctr"/>
+            <a:r>
+              <a:rPr lang="es-CL" dirty="0"/>
+              <a:t>Modo </a:t>
+            </a:r>
+            <a:r>
+              <a:rPr lang="es-CL" dirty="0" err="1"/>
+              <a:t>Multiplayer</a:t>
+            </a:r>
+            <a:endParaRPr lang="es-CL" dirty="0"/>
+          </a:p>
+        </p:txBody>
+      </p:sp>
+    </p:spTree>
+    <p:extLst>
+      <p:ext uri="{BB962C8B-B14F-4D97-AF65-F5344CB8AC3E}">
+        <p14:creationId xmlns:p14="http://schemas.microsoft.com/office/powerpoint/2010/main" val="2095944097"/>
+      </p:ext>
+    </p:extLst>
+  </p:cSld>
+  <p:clrMapOvr>
+    <a:masterClrMapping/>
+  </p:clrMapOvr>
 </p:sld>
 </file>
 
 <file path=ppt/theme/theme1.xml><?xml version="1.0" encoding="utf-8"?>
-<a:theme xmlns:a="http://schemas.openxmlformats.org/drawingml/2006/main" name="Malla">
+<a:theme xmlns:a="http://schemas.openxmlformats.org/drawingml/2006/main" name="Parallax">
   <a:themeElements>
-    <a:clrScheme name="Malla">
+    <a:clrScheme name="Parallax">
       <a:dk1>
         <a:sysClr val="windowText" lastClr="000000"/>
       </a:dk1>
@@ -7118,47 +9873,47 @@
         <a:sysClr val="window" lastClr="FFFFFF"/>
       </a:lt1>
       <a:dk2>
-        <a:srgbClr val="363D46"/>
+        <a:srgbClr val="212121"/>
       </a:dk2>
       <a:lt2>
-        <a:srgbClr val="EBEBEB"/>
+        <a:srgbClr val="CDD0D1"/>
       </a:lt2>
       <a:accent1>
-        <a:srgbClr val="6F6F6F"/>
+        <a:srgbClr val="8BB434"/>
       </a:accent1>
       <a:accent2>
-        <a:srgbClr val="BFBFA5"/>
+        <a:srgbClr val="33A583"/>
       </a:accent2>
       <a:accent3>
-        <a:srgbClr val="DCD084"/>
+        <a:srgbClr val="3594B4"/>
       </a:accent3>
       <a:accent4>
-        <a:srgbClr val="E7BF5F"/>
+        <a:srgbClr val="6063B4"/>
       </a:accent4>
       <a:accent5>
-        <a:srgbClr val="E9A039"/>
+        <a:srgbClr val="D35731"/>
       </a:accent5>
       <a:accent6>
-        <a:srgbClr val="CF7133"/>
+        <a:srgbClr val="EBAC4B"/>
       </a:accent6>
       <a:hlink>
-        <a:srgbClr val="F28943"/>
+        <a:srgbClr val="65AD30"/>
       </a:hlink>
       <a:folHlink>
-        <a:srgbClr val="F1B76C"/>
+        <a:srgbClr val="8ED25B"/>
       </a:folHlink>
     </a:clrScheme>
-    <a:fontScheme name="Malla">
+    <a:fontScheme name="Parallax">
       <a:majorFont>
-        <a:latin typeface="Century Gothic" panose="020B0502020202020204"/>
+        <a:latin typeface="Corbel" panose="020B0503020204020204"/>
         <a:ea typeface=""/>
         <a:cs typeface=""/>
-        <a:font script="Jpan" typeface="ＭＳ ゴシック"/>
-        <a:font script="Hang" typeface="맑은 고딕"/>
-        <a:font script="Hans" typeface="宋体"/>
+        <a:font script="Jpan" typeface="HGｺﾞｼｯｸM"/>
+        <a:font script="Hang" typeface="HY엽서L"/>
+        <a:font script="Hans" typeface="华文楷体"/>
         <a:font script="Hant" typeface="新細明體"/>
         <a:font script="Arab" typeface="Tahoma"/>
-        <a:font script="Hebr" typeface="Gisha"/>
+        <a:font script="Hebr" typeface="Miriam"/>
         <a:font script="Thai" typeface="DilleniaUPC"/>
         <a:font script="Ethi" typeface="Nyala"/>
         <a:font script="Beng" typeface="Vrinda"/>
@@ -7180,20 +9935,20 @@
         <a:font script="Laoo" typeface="DokChampa"/>
         <a:font script="Sinh" typeface="Iskoola Pota"/>
         <a:font script="Mong" typeface="Mongolian Baiti"/>
-        <a:font script="Viet" typeface="Tahoma"/>
+        <a:font script="Viet" typeface="Arial"/>
         <a:font script="Uigh" typeface="Microsoft Uighur"/>
         <a:font script="Geor" typeface="Sylfaen"/>
       </a:majorFont>
       <a:minorFont>
-        <a:latin typeface="Century Gothic" panose="020B0502020202020204"/>
+        <a:latin typeface="Corbel" panose="020B0503020204020204"/>
         <a:ea typeface=""/>
         <a:cs typeface=""/>
-        <a:font script="Jpan" typeface="ＭＳ ゴシック"/>
-        <a:font script="Hang" typeface="맑은 고딕"/>
-        <a:font script="Hans" typeface="宋体"/>
+        <a:font script="Jpan" typeface="HGｺﾞｼｯｸM"/>
+        <a:font script="Hang" typeface="HY엽서L"/>
+        <a:font script="Hans" typeface="华文楷体"/>
         <a:font script="Hant" typeface="新細明體"/>
         <a:font script="Arab" typeface="Tahoma"/>
-        <a:font script="Hebr" typeface="Gisha"/>
+        <a:font script="Hebr" typeface="Miriam"/>
         <a:font script="Thai" typeface="DilleniaUPC"/>
         <a:font script="Ethi" typeface="Nyala"/>
         <a:font script="Beng" typeface="Vrinda"/>
@@ -7215,12 +9970,12 @@
         <a:font script="Laoo" typeface="DokChampa"/>
         <a:font script="Sinh" typeface="Iskoola Pota"/>
         <a:font script="Mong" typeface="Mongolian Baiti"/>
-        <a:font script="Viet" typeface="Verdana"/>
+        <a:font script="Viet" typeface="Arial"/>
         <a:font script="Uigh" typeface="Microsoft Uighur"/>
         <a:font script="Geor" typeface="Sylfaen"/>
       </a:minorFont>
     </a:fontScheme>
-    <a:fmtScheme name="Malla">
+    <a:fmtScheme name="Parallax">
       <a:fillStyleLst>
         <a:solidFill>
           <a:schemeClr val="phClr"/>
@@ -7230,12 +9985,12 @@
             <a:gs pos="0">
               <a:schemeClr val="phClr">
                 <a:tint val="60000"/>
-                <a:lumMod val="110000"/>
+                <a:lumMod val="104000"/>
               </a:schemeClr>
             </a:gs>
             <a:gs pos="100000">
               <a:schemeClr val="phClr">
-                <a:tint val="82000"/>
+                <a:tint val="84000"/>
               </a:schemeClr>
             </a:gs>
           </a:gsLst>
@@ -7246,33 +10001,37 @@
             <a:gs pos="0">
               <a:schemeClr val="phClr">
                 <a:tint val="96000"/>
-                <a:lumMod val="104000"/>
+                <a:lumMod val="102000"/>
               </a:schemeClr>
             </a:gs>
             <a:gs pos="100000">
               <a:schemeClr val="phClr">
-                <a:shade val="84000"/>
-                <a:lumMod val="84000"/>
+                <a:shade val="88000"/>
+                <a:lumMod val="94000"/>
               </a:schemeClr>
             </a:gs>
           </a:gsLst>
-          <a:lin ang="5400000" scaled="0"/>
+          <a:path path="circle">
+            <a:fillToRect l="50000" t="100000" r="100000" b="50000"/>
+          </a:path>
         </a:gradFill>
       </a:fillStyleLst>
       <a:lnStyleLst>
         <a:ln w="9525" cap="rnd" cmpd="sng" algn="ctr">
           <a:solidFill>
-            <a:schemeClr val="phClr"/>
+            <a:schemeClr val="phClr">
+              <a:tint val="60000"/>
+            </a:schemeClr>
           </a:solidFill>
           <a:prstDash val="solid"/>
         </a:ln>
-        <a:ln w="19050" cap="rnd" cmpd="sng" algn="ctr">
+        <a:ln w="15875" cap="rnd" cmpd="sng" algn="ctr">
           <a:solidFill>
             <a:schemeClr val="phClr"/>
           </a:solidFill>
           <a:prstDash val="solid"/>
         </a:ln>
-        <a:ln w="25400" cap="rnd" cmpd="sng" algn="ctr">
+        <a:ln w="22225" cap="rnd" cmpd="sng" algn="ctr">
           <a:solidFill>
             <a:schemeClr val="phClr"/>
           </a:solidFill>
@@ -7285,18 +10044,14 @@
         </a:effectStyle>
         <a:effectStyle>
           <a:effectLst>
-            <a:innerShdw blurRad="50800" dist="25400" dir="13500000">
-              <a:srgbClr val="000000">
-                <a:alpha val="55000"/>
-              </a:srgbClr>
-            </a:innerShdw>
+            <a:reflection blurRad="12700" stA="26000" endPos="32000" dist="12700" dir="5400000" sy="-100000" rotWithShape="0"/>
           </a:effectLst>
         </a:effectStyle>
         <a:effectStyle>
           <a:effectLst>
-            <a:outerShdw blurRad="50800" dist="38100" dir="5400000" rotWithShape="0">
+            <a:outerShdw blurRad="38100" dist="25400" dir="5400000" rotWithShape="0">
               <a:srgbClr val="000000">
-                <a:alpha val="60000"/>
+                <a:alpha val="64000"/>
               </a:srgbClr>
             </a:outerShdw>
           </a:effectLst>
@@ -7304,10 +10059,12 @@
             <a:camera prst="orthographicFront">
               <a:rot lat="0" lon="0" rev="0"/>
             </a:camera>
-            <a:lightRig rig="threePt" dir="tl"/>
+            <a:lightRig rig="threePt" dir="tl">
+              <a:rot lat="0" lon="0" rev="1200000"/>
+            </a:lightRig>
           </a:scene3d>
           <a:sp3d>
-            <a:bevelT w="25400" h="25400" prst="slope"/>
+            <a:bevelT w="25400" h="12700"/>
           </a:sp3d>
         </a:effectStyle>
       </a:effectStyleLst>
@@ -7336,15 +10093,13 @@
           <a:blip xmlns:r="http://schemas.openxmlformats.org/officeDocument/2006/relationships" r:embed="rId1">
             <a:duotone>
               <a:schemeClr val="phClr">
-                <a:shade val="28000"/>
-                <a:satMod val="94000"/>
-                <a:lumMod val="20000"/>
+                <a:shade val="76000"/>
+                <a:satMod val="180000"/>
               </a:schemeClr>
               <a:schemeClr val="phClr">
-                <a:tint val="94000"/>
-                <a:shade val="84000"/>
-                <a:satMod val="148000"/>
-                <a:lumMod val="114000"/>
+                <a:tint val="80000"/>
+                <a:satMod val="120000"/>
+                <a:lumMod val="180000"/>
               </a:schemeClr>
             </a:duotone>
           </a:blip>
@@ -7357,7 +10112,7 @@
   <a:extraClrSchemeLst/>
   <a:extLst>
     <a:ext uri="{05A4C25C-085E-4340-85A3-A5531E510DB2}">
-      <thm15:themeFamily xmlns:thm15="http://schemas.microsoft.com/office/thememl/2012/main" name="Mesh" id="{789EC3FE-34FD-429C-9918-760025E6C145}" vid="{B8BE45C0-8141-4D58-8C71-A009BC26FBBB}"/>
+      <thm15:themeFamily xmlns:thm15="http://schemas.microsoft.com/office/thememl/2012/main" name="Parallax" id="{3388167B-A2EB-4685-9635-1831D9AEF8C4}" vid="{1A9F9826-882C-40B9-8F38-5A3B8CFD196D}"/>
     </a:ext>
   </a:extLst>
 </a:theme>
